--- a/颜林林-生物信息学中的信息搜索方法-20240909.pptx
+++ b/颜林林-生物信息学中的信息搜索方法-20240909.pptx
@@ -143,7 +143,7 @@
 <file path=ppt/revisionInfo.xml><?xml version="1.0" encoding="utf-8"?>
 <p1510:revInfo xmlns:a="http://schemas.openxmlformats.org/drawingml/2006/main" xmlns:r="http://schemas.openxmlformats.org/officeDocument/2006/relationships" xmlns:p1510="http://schemas.microsoft.com/office/powerpoint/2015/10/main">
   <p1510:revLst>
-    <p1510:client id="{8BC4D987-7C24-43FF-96C8-9DB94FB96374}" v="1" dt="2024-09-08T04:09:21.579"/>
+    <p1510:client id="{8BC4D987-7C24-43FF-96C8-9DB94FB96374}" v="11" dt="2024-09-08T04:23:13.811"/>
   </p1510:revLst>
 </p1510:revInfo>
 </file>
@@ -1383,23 +1383,63 @@
   </pc:docChgLst>
   <pc:docChgLst>
     <pc:chgData name="Linlin Yan" userId="374dee16-958d-40d3-a6d4-d8fc4255ca54" providerId="ADAL" clId="{8BC4D987-7C24-43FF-96C8-9DB94FB96374}"/>
-    <pc:docChg chg="modSld">
-      <pc:chgData name="Linlin Yan" userId="374dee16-958d-40d3-a6d4-d8fc4255ca54" providerId="ADAL" clId="{8BC4D987-7C24-43FF-96C8-9DB94FB96374}" dt="2024-09-08T04:10:33.712" v="3" actId="1076"/>
+    <pc:docChg chg="undo custSel modSld">
+      <pc:chgData name="Linlin Yan" userId="374dee16-958d-40d3-a6d4-d8fc4255ca54" providerId="ADAL" clId="{8BC4D987-7C24-43FF-96C8-9DB94FB96374}" dt="2024-09-08T04:24:16.624" v="123" actId="14100"/>
       <pc:docMkLst>
         <pc:docMk/>
       </pc:docMkLst>
-      <pc:sldChg chg="addSp modSp mod">
-        <pc:chgData name="Linlin Yan" userId="374dee16-958d-40d3-a6d4-d8fc4255ca54" providerId="ADAL" clId="{8BC4D987-7C24-43FF-96C8-9DB94FB96374}" dt="2024-09-08T04:10:33.712" v="3" actId="1076"/>
+      <pc:sldChg chg="addSp delSp modSp mod">
+        <pc:chgData name="Linlin Yan" userId="374dee16-958d-40d3-a6d4-d8fc4255ca54" providerId="ADAL" clId="{8BC4D987-7C24-43FF-96C8-9DB94FB96374}" dt="2024-09-08T04:24:16.624" v="123" actId="14100"/>
         <pc:sldMkLst>
           <pc:docMk/>
           <pc:sldMk cId="4272575995" sldId="256"/>
         </pc:sldMkLst>
+        <pc:spChg chg="mod">
+          <ac:chgData name="Linlin Yan" userId="374dee16-958d-40d3-a6d4-d8fc4255ca54" providerId="ADAL" clId="{8BC4D987-7C24-43FF-96C8-9DB94FB96374}" dt="2024-09-08T04:21:34.748" v="79" actId="20577"/>
+          <ac:spMkLst>
+            <pc:docMk/>
+            <pc:sldMk cId="4272575995" sldId="256"/>
+            <ac:spMk id="3" creationId="{1F16C166-9ECE-1F6A-CB42-C76E0F346BF3}"/>
+          </ac:spMkLst>
+        </pc:spChg>
+        <pc:spChg chg="add mod">
+          <ac:chgData name="Linlin Yan" userId="374dee16-958d-40d3-a6d4-d8fc4255ca54" providerId="ADAL" clId="{8BC4D987-7C24-43FF-96C8-9DB94FB96374}" dt="2024-09-08T04:22:51.835" v="106" actId="1038"/>
+          <ac:spMkLst>
+            <pc:docMk/>
+            <pc:sldMk cId="4272575995" sldId="256"/>
+            <ac:spMk id="8" creationId="{741531D4-192D-2244-E1CF-E4DABE36B939}"/>
+          </ac:spMkLst>
+        </pc:spChg>
+        <pc:spChg chg="mod">
+          <ac:chgData name="Linlin Yan" userId="374dee16-958d-40d3-a6d4-d8fc4255ca54" providerId="ADAL" clId="{8BC4D987-7C24-43FF-96C8-9DB94FB96374}" dt="2024-09-08T04:23:18.235" v="120" actId="20577"/>
+          <ac:spMkLst>
+            <pc:docMk/>
+            <pc:sldMk cId="4272575995" sldId="256"/>
+            <ac:spMk id="18" creationId="{687164CC-A4F0-5BD9-6212-29728903452F}"/>
+          </ac:spMkLst>
+        </pc:spChg>
         <pc:picChg chg="add mod">
-          <ac:chgData name="Linlin Yan" userId="374dee16-958d-40d3-a6d4-d8fc4255ca54" providerId="ADAL" clId="{8BC4D987-7C24-43FF-96C8-9DB94FB96374}" dt="2024-09-08T04:10:33.712" v="3" actId="1076"/>
+          <ac:chgData name="Linlin Yan" userId="374dee16-958d-40d3-a6d4-d8fc4255ca54" providerId="ADAL" clId="{8BC4D987-7C24-43FF-96C8-9DB94FB96374}" dt="2024-09-08T04:24:16.624" v="123" actId="14100"/>
           <ac:picMkLst>
             <pc:docMk/>
             <pc:sldMk cId="4272575995" sldId="256"/>
             <ac:picMk id="2" creationId="{C1005C2F-C3BF-0924-CF5B-EE2283B7BAAF}"/>
+          </ac:picMkLst>
+        </pc:picChg>
+        <pc:picChg chg="add del mod">
+          <ac:chgData name="Linlin Yan" userId="374dee16-958d-40d3-a6d4-d8fc4255ca54" providerId="ADAL" clId="{8BC4D987-7C24-43FF-96C8-9DB94FB96374}" dt="2024-09-08T04:17:08.289" v="16" actId="478"/>
+          <ac:picMkLst>
+            <pc:docMk/>
+            <pc:sldMk cId="4272575995" sldId="256"/>
+            <ac:picMk id="5" creationId="{3AD64243-7610-36A4-45F3-060C69035ACA}"/>
+          </ac:picMkLst>
+        </pc:picChg>
+        <pc:picChg chg="add mod">
+          <ac:chgData name="Linlin Yan" userId="374dee16-958d-40d3-a6d4-d8fc4255ca54" providerId="ADAL" clId="{8BC4D987-7C24-43FF-96C8-9DB94FB96374}" dt="2024-09-08T04:17:51.999" v="21" actId="1076"/>
+          <ac:picMkLst>
+            <pc:docMk/>
+            <pc:sldMk cId="4272575995" sldId="256"/>
+            <ac:picMk id="7" creationId="{B5768A2F-6D4C-8F27-D5C1-CF96D428D4DF}"/>
           </ac:picMkLst>
         </pc:picChg>
       </pc:sldChg>
@@ -5943,7 +5983,9 @@
           </a:xfrm>
         </p:spPr>
         <p:txBody>
-          <a:bodyPr/>
+          <a:bodyPr>
+            <a:normAutofit fontScale="92500" lnSpcReduction="20000"/>
+          </a:bodyPr>
           <a:lstStyle/>
           <a:p>
             <a:endParaRPr lang="en-US" altLang="zh-CN" dirty="0"/>
@@ -5958,6 +6000,21 @@
                 <a:hlinkClick r:id="rId3"/>
               </a:rPr>
               <a:t>linlin.yan@bioinfo.app</a:t>
+            </a:r>
+            <a:r>
+              <a:rPr lang="zh-CN" altLang="en-US" dirty="0"/>
+              <a:t>）</a:t>
+            </a:r>
+            <a:endParaRPr lang="en-US" altLang="zh-CN" dirty="0"/>
+          </a:p>
+          <a:p>
+            <a:r>
+              <a:rPr lang="zh-CN" altLang="en-US" dirty="0"/>
+              <a:t>北京生信助力科技有限公司（</a:t>
+            </a:r>
+            <a:r>
+              <a:rPr lang="en-US" altLang="zh-CN" dirty="0"/>
+              <a:t>Bioinformatics Assistance</a:t>
             </a:r>
             <a:r>
               <a:rPr lang="zh-CN" altLang="en-US" dirty="0"/>
@@ -6022,30 +6079,7 @@
                 <a:latin typeface="微软雅黑 Light" panose="020B0502040204020203" pitchFamily="34" charset="-122"/>
                 <a:ea typeface="微软雅黑 Light" panose="020B0502040204020203" pitchFamily="34" charset="-122"/>
               </a:rPr>
-              <a:t>课程（</a:t>
-            </a:r>
-            <a:r>
-              <a:rPr lang="en-US" altLang="zh-CN" sz="2400" i="0" dirty="0">
-                <a:solidFill>
-                  <a:srgbClr val="000000"/>
-                </a:solidFill>
-                <a:effectLst/>
-                <a:latin typeface="微软雅黑 Light" panose="020B0502040204020203" pitchFamily="34" charset="-122"/>
-                <a:ea typeface="微软雅黑 Light" panose="020B0502040204020203" pitchFamily="34" charset="-122"/>
-                <a:hlinkClick r:id="rId4"/>
-              </a:rPr>
-              <a:t>https://abc.gao-lab.org/abc24/index.html</a:t>
-            </a:r>
-            <a:r>
-              <a:rPr lang="zh-CN" altLang="en-US" sz="2400" i="0" dirty="0">
-                <a:solidFill>
-                  <a:srgbClr val="000000"/>
-                </a:solidFill>
-                <a:effectLst/>
-                <a:latin typeface="微软雅黑 Light" panose="020B0502040204020203" pitchFamily="34" charset="-122"/>
-                <a:ea typeface="微软雅黑 Light" panose="020B0502040204020203" pitchFamily="34" charset="-122"/>
-              </a:rPr>
-              <a:t>）</a:t>
+              <a:t>课程</a:t>
             </a:r>
             <a:endParaRPr lang="en-US" altLang="zh-CN" sz="2400" i="0" dirty="0">
               <a:solidFill>
@@ -6073,10 +6107,10 @@
           <p:nvPr/>
         </p:nvPicPr>
         <p:blipFill>
-          <a:blip r:embed="rId5">
+          <a:blip r:embed="rId4">
             <a:extLst>
               <a:ext uri="{96DAC541-7B7A-43D3-8B79-37D633B846F1}">
-                <asvg:svgBlip xmlns:asvg="http://schemas.microsoft.com/office/drawing/2016/SVG/main" r:embed="rId6"/>
+                <asvg:svgBlip xmlns:asvg="http://schemas.microsoft.com/office/drawing/2016/SVG/main" r:embed="rId5"/>
               </a:ext>
             </a:extLst>
           </a:blip>
@@ -6086,14 +6120,80 @@
         </p:blipFill>
         <p:spPr>
           <a:xfrm>
-            <a:off x="9485697" y="4549926"/>
-            <a:ext cx="1708483" cy="1708483"/>
+            <a:off x="9731141" y="406836"/>
+            <a:ext cx="1722920" cy="1722922"/>
           </a:xfrm>
           <a:prstGeom prst="rect">
             <a:avLst/>
           </a:prstGeom>
         </p:spPr>
       </p:pic>
+      <p:pic>
+        <p:nvPicPr>
+          <p:cNvPr id="7" name="图片 6">
+            <a:extLst>
+              <a:ext uri="{FF2B5EF4-FFF2-40B4-BE49-F238E27FC236}">
+                <a16:creationId xmlns:a16="http://schemas.microsoft.com/office/drawing/2014/main" id="{B5768A2F-6D4C-8F27-D5C1-CF96D428D4DF}"/>
+              </a:ext>
+            </a:extLst>
+          </p:cNvPr>
+          <p:cNvPicPr>
+            <a:picLocks noChangeAspect="1"/>
+          </p:cNvPicPr>
+          <p:nvPr/>
+        </p:nvPicPr>
+        <p:blipFill>
+          <a:blip r:embed="rId6"/>
+          <a:stretch>
+            <a:fillRect/>
+          </a:stretch>
+        </p:blipFill>
+        <p:spPr>
+          <a:xfrm>
+            <a:off x="9991023" y="4994145"/>
+            <a:ext cx="1203157" cy="1203157"/>
+          </a:xfrm>
+          <a:prstGeom prst="rect">
+            <a:avLst/>
+          </a:prstGeom>
+        </p:spPr>
+      </p:pic>
+      <p:sp>
+        <p:nvSpPr>
+          <p:cNvPr id="8" name="文本框 7">
+            <a:extLst>
+              <a:ext uri="{FF2B5EF4-FFF2-40B4-BE49-F238E27FC236}">
+                <a16:creationId xmlns:a16="http://schemas.microsoft.com/office/drawing/2014/main" id="{741531D4-192D-2244-E1CF-E4DABE36B939}"/>
+              </a:ext>
+            </a:extLst>
+          </p:cNvPr>
+          <p:cNvSpPr txBox="1"/>
+          <p:nvPr/>
+        </p:nvSpPr>
+        <p:spPr>
+          <a:xfrm>
+            <a:off x="9881516" y="6191282"/>
+            <a:ext cx="1441420" cy="307777"/>
+          </a:xfrm>
+          <a:prstGeom prst="rect">
+            <a:avLst/>
+          </a:prstGeom>
+          <a:noFill/>
+        </p:spPr>
+        <p:txBody>
+          <a:bodyPr wrap="none" rtlCol="0">
+            <a:spAutoFit/>
+          </a:bodyPr>
+          <a:lstStyle/>
+          <a:p>
+            <a:pPr algn="ctr"/>
+            <a:r>
+              <a:rPr lang="zh-CN" altLang="en-US" sz="1400" dirty="0"/>
+              <a:t>扫描下载本课件</a:t>
+            </a:r>
+          </a:p>
+        </p:txBody>
+      </p:sp>
     </p:spTree>
     <p:extLst>
       <p:ext uri="{BB962C8B-B14F-4D97-AF65-F5344CB8AC3E}">

--- a/颜林林-生物信息学中的信息搜索方法-20240909.pptx
+++ b/颜林林-生物信息学中的信息搜索方法-20240909.pptx
@@ -143,6 +143,7 @@
 <file path=ppt/revisionInfo.xml><?xml version="1.0" encoding="utf-8"?>
 <p1510:revInfo xmlns:a="http://schemas.openxmlformats.org/drawingml/2006/main" xmlns:r="http://schemas.openxmlformats.org/officeDocument/2006/relationships" xmlns:p1510="http://schemas.microsoft.com/office/powerpoint/2015/10/main">
   <p1510:revLst>
+    <p1510:client id="{7126F132-7EA2-409A-9E6A-EFDC6C9622DB}" v="9" dt="2024-09-08T04:39:28.718"/>
     <p1510:client id="{8BC4D987-7C24-43FF-96C8-9DB94FB96374}" v="11" dt="2024-09-08T04:23:13.811"/>
   </p1510:revLst>
 </p1510:revInfo>
@@ -150,6 +151,101 @@
 
 <file path=ppt/changesInfos/changesInfo1.xml><?xml version="1.0" encoding="utf-8"?>
 <pc:chgInfo xmlns:a="http://schemas.openxmlformats.org/drawingml/2006/main" xmlns:r="http://schemas.openxmlformats.org/officeDocument/2006/relationships" xmlns:ac="http://schemas.microsoft.com/office/drawing/2013/main/command" xmlns:pc="http://schemas.microsoft.com/office/powerpoint/2013/main/command">
+  <pc:docChgLst>
+    <pc:chgData name="Linlin Yan" userId="fde3f053d666146d" providerId="LiveId" clId="{7126F132-7EA2-409A-9E6A-EFDC6C9622DB}"/>
+    <pc:docChg chg="modSld">
+      <pc:chgData name="Linlin Yan" userId="fde3f053d666146d" providerId="LiveId" clId="{7126F132-7EA2-409A-9E6A-EFDC6C9622DB}" dt="2024-09-08T04:42:05.432" v="23" actId="1076"/>
+      <pc:docMkLst>
+        <pc:docMk/>
+      </pc:docMkLst>
+      <pc:sldChg chg="addSp modSp">
+        <pc:chgData name="Linlin Yan" userId="fde3f053d666146d" providerId="LiveId" clId="{7126F132-7EA2-409A-9E6A-EFDC6C9622DB}" dt="2024-09-08T04:37:25.831" v="0" actId="164"/>
+        <pc:sldMkLst>
+          <pc:docMk/>
+          <pc:sldMk cId="4272575995" sldId="256"/>
+        </pc:sldMkLst>
+        <pc:spChg chg="mod">
+          <ac:chgData name="Linlin Yan" userId="fde3f053d666146d" providerId="LiveId" clId="{7126F132-7EA2-409A-9E6A-EFDC6C9622DB}" dt="2024-09-08T04:37:25.831" v="0" actId="164"/>
+          <ac:spMkLst>
+            <pc:docMk/>
+            <pc:sldMk cId="4272575995" sldId="256"/>
+            <ac:spMk id="8" creationId="{741531D4-192D-2244-E1CF-E4DABE36B939}"/>
+          </ac:spMkLst>
+        </pc:spChg>
+        <pc:grpChg chg="add mod">
+          <ac:chgData name="Linlin Yan" userId="fde3f053d666146d" providerId="LiveId" clId="{7126F132-7EA2-409A-9E6A-EFDC6C9622DB}" dt="2024-09-08T04:37:25.831" v="0" actId="164"/>
+          <ac:grpSpMkLst>
+            <pc:docMk/>
+            <pc:sldMk cId="4272575995" sldId="256"/>
+            <ac:grpSpMk id="4" creationId="{CCDC4CEF-40DD-C09F-849C-1F51FEE303CF}"/>
+          </ac:grpSpMkLst>
+        </pc:grpChg>
+        <pc:picChg chg="mod">
+          <ac:chgData name="Linlin Yan" userId="fde3f053d666146d" providerId="LiveId" clId="{7126F132-7EA2-409A-9E6A-EFDC6C9622DB}" dt="2024-09-08T04:37:25.831" v="0" actId="164"/>
+          <ac:picMkLst>
+            <pc:docMk/>
+            <pc:sldMk cId="4272575995" sldId="256"/>
+            <ac:picMk id="7" creationId="{B5768A2F-6D4C-8F27-D5C1-CF96D428D4DF}"/>
+          </ac:picMkLst>
+        </pc:picChg>
+      </pc:sldChg>
+      <pc:sldChg chg="addSp modSp mod">
+        <pc:chgData name="Linlin Yan" userId="fde3f053d666146d" providerId="LiveId" clId="{7126F132-7EA2-409A-9E6A-EFDC6C9622DB}" dt="2024-09-08T04:42:05.432" v="23" actId="1076"/>
+        <pc:sldMkLst>
+          <pc:docMk/>
+          <pc:sldMk cId="0" sldId="290"/>
+        </pc:sldMkLst>
+        <pc:spChg chg="mod">
+          <ac:chgData name="Linlin Yan" userId="fde3f053d666146d" providerId="LiveId" clId="{7126F132-7EA2-409A-9E6A-EFDC6C9622DB}" dt="2024-09-08T04:37:30.522" v="1"/>
+          <ac:spMkLst>
+            <pc:docMk/>
+            <pc:sldMk cId="0" sldId="290"/>
+            <ac:spMk id="6" creationId="{E9D39F00-368B-18FE-7C75-794FB157C62C}"/>
+          </ac:spMkLst>
+        </pc:spChg>
+        <pc:spChg chg="mod">
+          <ac:chgData name="Linlin Yan" userId="fde3f053d666146d" providerId="LiveId" clId="{7126F132-7EA2-409A-9E6A-EFDC6C9622DB}" dt="2024-09-08T04:39:28.718" v="14" actId="14826"/>
+          <ac:spMkLst>
+            <pc:docMk/>
+            <pc:sldMk cId="0" sldId="290"/>
+            <ac:spMk id="9" creationId="{EA36138D-F39B-F38C-B383-A52135712BAD}"/>
+          </ac:spMkLst>
+        </pc:spChg>
+        <pc:grpChg chg="add mod">
+          <ac:chgData name="Linlin Yan" userId="fde3f053d666146d" providerId="LiveId" clId="{7126F132-7EA2-409A-9E6A-EFDC6C9622DB}" dt="2024-09-08T04:42:05.432" v="23" actId="1076"/>
+          <ac:grpSpMkLst>
+            <pc:docMk/>
+            <pc:sldMk cId="0" sldId="290"/>
+            <ac:grpSpMk id="3" creationId="{ABF25B5A-D02F-8110-0EB0-0CD0C3A67ADD}"/>
+          </ac:grpSpMkLst>
+        </pc:grpChg>
+        <pc:grpChg chg="add mod">
+          <ac:chgData name="Linlin Yan" userId="fde3f053d666146d" providerId="LiveId" clId="{7126F132-7EA2-409A-9E6A-EFDC6C9622DB}" dt="2024-09-08T04:42:05.432" v="23" actId="1076"/>
+          <ac:grpSpMkLst>
+            <pc:docMk/>
+            <pc:sldMk cId="0" sldId="290"/>
+            <ac:grpSpMk id="7" creationId="{D2A66D69-1984-2D67-9DA7-548EDE5A5B16}"/>
+          </ac:grpSpMkLst>
+        </pc:grpChg>
+        <pc:picChg chg="mod">
+          <ac:chgData name="Linlin Yan" userId="fde3f053d666146d" providerId="LiveId" clId="{7126F132-7EA2-409A-9E6A-EFDC6C9622DB}" dt="2024-09-08T04:37:30.522" v="1"/>
+          <ac:picMkLst>
+            <pc:docMk/>
+            <pc:sldMk cId="0" sldId="290"/>
+            <ac:picMk id="5" creationId="{991A3297-BAE0-7D7F-ACDA-B65944C3EB50}"/>
+          </ac:picMkLst>
+        </pc:picChg>
+        <pc:picChg chg="mod">
+          <ac:chgData name="Linlin Yan" userId="fde3f053d666146d" providerId="LiveId" clId="{7126F132-7EA2-409A-9E6A-EFDC6C9622DB}" dt="2024-09-08T04:39:28.718" v="14" actId="14826"/>
+          <ac:picMkLst>
+            <pc:docMk/>
+            <pc:sldMk cId="0" sldId="290"/>
+            <ac:picMk id="8" creationId="{DE4B89D7-CC73-06BB-9A36-E94B1A8FAF8D}"/>
+          </ac:picMkLst>
+        </pc:picChg>
+      </pc:sldChg>
+    </pc:docChg>
+  </pc:docChgLst>
   <pc:docChgLst>
     <pc:chgData name="Linlin Yan" userId="374dee16-958d-40d3-a6d4-d8fc4255ca54" providerId="ADAL" clId="{48563081-DFBE-4598-AE39-FD8C09D83710}"/>
     <pc:docChg chg="undo redo custSel addSld delSld modSld sldOrd modMainMaster">
@@ -6128,72 +6224,93 @@
           </a:prstGeom>
         </p:spPr>
       </p:pic>
-      <p:pic>
-        <p:nvPicPr>
-          <p:cNvPr id="7" name="图片 6">
-            <a:extLst>
-              <a:ext uri="{FF2B5EF4-FFF2-40B4-BE49-F238E27FC236}">
-                <a16:creationId xmlns:a16="http://schemas.microsoft.com/office/drawing/2014/main" id="{B5768A2F-6D4C-8F27-D5C1-CF96D428D4DF}"/>
-              </a:ext>
-            </a:extLst>
-          </p:cNvPr>
-          <p:cNvPicPr>
-            <a:picLocks noChangeAspect="1"/>
-          </p:cNvPicPr>
+      <p:grpSp>
+        <p:nvGrpSpPr>
+          <p:cNvPr id="4" name="组合 3">
+            <a:extLst>
+              <a:ext uri="{FF2B5EF4-FFF2-40B4-BE49-F238E27FC236}">
+                <a16:creationId xmlns:a16="http://schemas.microsoft.com/office/drawing/2014/main" id="{CCDC4CEF-40DD-C09F-849C-1F51FEE303CF}"/>
+              </a:ext>
+            </a:extLst>
+          </p:cNvPr>
+          <p:cNvGrpSpPr/>
           <p:nvPr/>
-        </p:nvPicPr>
-        <p:blipFill>
-          <a:blip r:embed="rId6"/>
-          <a:stretch>
-            <a:fillRect/>
-          </a:stretch>
-        </p:blipFill>
-        <p:spPr>
+        </p:nvGrpSpPr>
+        <p:grpSpPr>
           <a:xfrm>
-            <a:off x="9991023" y="4994145"/>
-            <a:ext cx="1203157" cy="1203157"/>
+            <a:off x="9881516" y="4994145"/>
+            <a:ext cx="1441420" cy="1504914"/>
+            <a:chOff x="9881516" y="4994145"/>
+            <a:chExt cx="1441420" cy="1504914"/>
           </a:xfrm>
-          <a:prstGeom prst="rect">
-            <a:avLst/>
-          </a:prstGeom>
-        </p:spPr>
-      </p:pic>
-      <p:sp>
-        <p:nvSpPr>
-          <p:cNvPr id="8" name="文本框 7">
-            <a:extLst>
-              <a:ext uri="{FF2B5EF4-FFF2-40B4-BE49-F238E27FC236}">
-                <a16:creationId xmlns:a16="http://schemas.microsoft.com/office/drawing/2014/main" id="{741531D4-192D-2244-E1CF-E4DABE36B939}"/>
-              </a:ext>
-            </a:extLst>
-          </p:cNvPr>
-          <p:cNvSpPr txBox="1"/>
-          <p:nvPr/>
-        </p:nvSpPr>
-        <p:spPr>
-          <a:xfrm>
-            <a:off x="9881516" y="6191282"/>
-            <a:ext cx="1441420" cy="307777"/>
-          </a:xfrm>
-          <a:prstGeom prst="rect">
-            <a:avLst/>
-          </a:prstGeom>
-          <a:noFill/>
-        </p:spPr>
-        <p:txBody>
-          <a:bodyPr wrap="none" rtlCol="0">
-            <a:spAutoFit/>
-          </a:bodyPr>
-          <a:lstStyle/>
-          <a:p>
-            <a:pPr algn="ctr"/>
-            <a:r>
-              <a:rPr lang="zh-CN" altLang="en-US" sz="1400" dirty="0"/>
-              <a:t>扫描下载本课件</a:t>
-            </a:r>
-          </a:p>
-        </p:txBody>
-      </p:sp>
+        </p:grpSpPr>
+        <p:pic>
+          <p:nvPicPr>
+            <p:cNvPr id="7" name="图片 6">
+              <a:extLst>
+                <a:ext uri="{FF2B5EF4-FFF2-40B4-BE49-F238E27FC236}">
+                  <a16:creationId xmlns:a16="http://schemas.microsoft.com/office/drawing/2014/main" id="{B5768A2F-6D4C-8F27-D5C1-CF96D428D4DF}"/>
+                </a:ext>
+              </a:extLst>
+            </p:cNvPr>
+            <p:cNvPicPr>
+              <a:picLocks noChangeAspect="1"/>
+            </p:cNvPicPr>
+            <p:nvPr/>
+          </p:nvPicPr>
+          <p:blipFill>
+            <a:blip r:embed="rId6"/>
+            <a:stretch>
+              <a:fillRect/>
+            </a:stretch>
+          </p:blipFill>
+          <p:spPr>
+            <a:xfrm>
+              <a:off x="9991023" y="4994145"/>
+              <a:ext cx="1203157" cy="1203157"/>
+            </a:xfrm>
+            <a:prstGeom prst="rect">
+              <a:avLst/>
+            </a:prstGeom>
+          </p:spPr>
+        </p:pic>
+        <p:sp>
+          <p:nvSpPr>
+            <p:cNvPr id="8" name="文本框 7">
+              <a:extLst>
+                <a:ext uri="{FF2B5EF4-FFF2-40B4-BE49-F238E27FC236}">
+                  <a16:creationId xmlns:a16="http://schemas.microsoft.com/office/drawing/2014/main" id="{741531D4-192D-2244-E1CF-E4DABE36B939}"/>
+                </a:ext>
+              </a:extLst>
+            </p:cNvPr>
+            <p:cNvSpPr txBox="1"/>
+            <p:nvPr/>
+          </p:nvSpPr>
+          <p:spPr>
+            <a:xfrm>
+              <a:off x="9881516" y="6191282"/>
+              <a:ext cx="1441420" cy="307777"/>
+            </a:xfrm>
+            <a:prstGeom prst="rect">
+              <a:avLst/>
+            </a:prstGeom>
+            <a:noFill/>
+          </p:spPr>
+          <p:txBody>
+            <a:bodyPr wrap="none" rtlCol="0">
+              <a:spAutoFit/>
+            </a:bodyPr>
+            <a:lstStyle/>
+            <a:p>
+              <a:pPr algn="ctr"/>
+              <a:r>
+                <a:rPr lang="zh-CN" altLang="en-US" sz="1400" dirty="0"/>
+                <a:t>扫描下载本课件</a:t>
+              </a:r>
+            </a:p>
+          </p:txBody>
+        </p:sp>
+      </p:grpSp>
     </p:spTree>
     <p:extLst>
       <p:ext uri="{BB962C8B-B14F-4D97-AF65-F5344CB8AC3E}">
@@ -8257,6 +8374,185 @@
           </a:p>
         </p:txBody>
       </p:sp>
+      <p:grpSp>
+        <p:nvGrpSpPr>
+          <p:cNvPr id="3" name="组合 2">
+            <a:extLst>
+              <a:ext uri="{FF2B5EF4-FFF2-40B4-BE49-F238E27FC236}">
+                <a16:creationId xmlns:a16="http://schemas.microsoft.com/office/drawing/2014/main" id="{ABF25B5A-D02F-8110-0EB0-0CD0C3A67ADD}"/>
+              </a:ext>
+            </a:extLst>
+          </p:cNvPr>
+          <p:cNvGrpSpPr/>
+          <p:nvPr/>
+        </p:nvGrpSpPr>
+        <p:grpSpPr>
+          <a:xfrm>
+            <a:off x="9906030" y="4562475"/>
+            <a:ext cx="1441420" cy="1504914"/>
+            <a:chOff x="9881516" y="4994145"/>
+            <a:chExt cx="1441420" cy="1504914"/>
+          </a:xfrm>
+        </p:grpSpPr>
+        <p:pic>
+          <p:nvPicPr>
+            <p:cNvPr id="5" name="图片 4">
+              <a:extLst>
+                <a:ext uri="{FF2B5EF4-FFF2-40B4-BE49-F238E27FC236}">
+                  <a16:creationId xmlns:a16="http://schemas.microsoft.com/office/drawing/2014/main" id="{991A3297-BAE0-7D7F-ACDA-B65944C3EB50}"/>
+                </a:ext>
+              </a:extLst>
+            </p:cNvPr>
+            <p:cNvPicPr>
+              <a:picLocks noChangeAspect="1"/>
+            </p:cNvPicPr>
+            <p:nvPr/>
+          </p:nvPicPr>
+          <p:blipFill>
+            <a:blip r:embed="rId2"/>
+            <a:stretch>
+              <a:fillRect/>
+            </a:stretch>
+          </p:blipFill>
+          <p:spPr>
+            <a:xfrm>
+              <a:off x="9991023" y="4994145"/>
+              <a:ext cx="1203157" cy="1203157"/>
+            </a:xfrm>
+            <a:prstGeom prst="rect">
+              <a:avLst/>
+            </a:prstGeom>
+          </p:spPr>
+        </p:pic>
+        <p:sp>
+          <p:nvSpPr>
+            <p:cNvPr id="6" name="文本框 5">
+              <a:extLst>
+                <a:ext uri="{FF2B5EF4-FFF2-40B4-BE49-F238E27FC236}">
+                  <a16:creationId xmlns:a16="http://schemas.microsoft.com/office/drawing/2014/main" id="{E9D39F00-368B-18FE-7C75-794FB157C62C}"/>
+                </a:ext>
+              </a:extLst>
+            </p:cNvPr>
+            <p:cNvSpPr txBox="1"/>
+            <p:nvPr/>
+          </p:nvSpPr>
+          <p:spPr>
+            <a:xfrm>
+              <a:off x="9881516" y="6191282"/>
+              <a:ext cx="1441420" cy="307777"/>
+            </a:xfrm>
+            <a:prstGeom prst="rect">
+              <a:avLst/>
+            </a:prstGeom>
+            <a:noFill/>
+          </p:spPr>
+          <p:txBody>
+            <a:bodyPr wrap="none" rtlCol="0">
+              <a:spAutoFit/>
+            </a:bodyPr>
+            <a:lstStyle/>
+            <a:p>
+              <a:pPr algn="ctr"/>
+              <a:r>
+                <a:rPr lang="zh-CN" altLang="en-US" sz="1400" dirty="0"/>
+                <a:t>扫描下载本课件</a:t>
+              </a:r>
+            </a:p>
+          </p:txBody>
+        </p:sp>
+      </p:grpSp>
+      <p:grpSp>
+        <p:nvGrpSpPr>
+          <p:cNvPr id="7" name="组合 6">
+            <a:extLst>
+              <a:ext uri="{FF2B5EF4-FFF2-40B4-BE49-F238E27FC236}">
+                <a16:creationId xmlns:a16="http://schemas.microsoft.com/office/drawing/2014/main" id="{D2A66D69-1984-2D67-9DA7-548EDE5A5B16}"/>
+              </a:ext>
+            </a:extLst>
+          </p:cNvPr>
+          <p:cNvGrpSpPr/>
+          <p:nvPr/>
+        </p:nvGrpSpPr>
+        <p:grpSpPr>
+          <a:xfrm>
+            <a:off x="8199571" y="4562475"/>
+            <a:ext cx="1203157" cy="1504914"/>
+            <a:chOff x="9991023" y="4994145"/>
+            <a:chExt cx="1203157" cy="1504914"/>
+          </a:xfrm>
+        </p:grpSpPr>
+        <p:pic>
+          <p:nvPicPr>
+            <p:cNvPr id="8" name="图片 7">
+              <a:extLst>
+                <a:ext uri="{FF2B5EF4-FFF2-40B4-BE49-F238E27FC236}">
+                  <a16:creationId xmlns:a16="http://schemas.microsoft.com/office/drawing/2014/main" id="{DE4B89D7-CC73-06BB-9A36-E94B1A8FAF8D}"/>
+                </a:ext>
+              </a:extLst>
+            </p:cNvPr>
+            <p:cNvPicPr>
+              <a:picLocks noChangeAspect="1"/>
+            </p:cNvPicPr>
+            <p:nvPr/>
+          </p:nvPicPr>
+          <p:blipFill>
+            <a:blip r:embed="rId3">
+              <a:extLst>
+                <a:ext uri="{28A0092B-C50C-407E-A947-70E740481C1C}">
+                  <a14:useLocalDpi xmlns:a14="http://schemas.microsoft.com/office/drawing/2010/main" val="0"/>
+                </a:ext>
+              </a:extLst>
+            </a:blip>
+            <a:srcRect/>
+            <a:stretch/>
+          </p:blipFill>
+          <p:spPr>
+            <a:xfrm>
+              <a:off x="9991023" y="4994145"/>
+              <a:ext cx="1203157" cy="1203157"/>
+            </a:xfrm>
+            <a:prstGeom prst="rect">
+              <a:avLst/>
+            </a:prstGeom>
+          </p:spPr>
+        </p:pic>
+        <p:sp>
+          <p:nvSpPr>
+            <p:cNvPr id="9" name="文本框 8">
+              <a:extLst>
+                <a:ext uri="{FF2B5EF4-FFF2-40B4-BE49-F238E27FC236}">
+                  <a16:creationId xmlns:a16="http://schemas.microsoft.com/office/drawing/2014/main" id="{EA36138D-F39B-F38C-B383-A52135712BAD}"/>
+                </a:ext>
+              </a:extLst>
+            </p:cNvPr>
+            <p:cNvSpPr txBox="1"/>
+            <p:nvPr/>
+          </p:nvSpPr>
+          <p:spPr>
+            <a:xfrm>
+              <a:off x="10150820" y="6191282"/>
+              <a:ext cx="902811" cy="307777"/>
+            </a:xfrm>
+            <a:prstGeom prst="rect">
+              <a:avLst/>
+            </a:prstGeom>
+            <a:noFill/>
+          </p:spPr>
+          <p:txBody>
+            <a:bodyPr wrap="none" rtlCol="0">
+              <a:spAutoFit/>
+            </a:bodyPr>
+            <a:lstStyle/>
+            <a:p>
+              <a:pPr algn="ctr"/>
+              <a:r>
+                <a:rPr lang="zh-CN" altLang="en-US" sz="1400" dirty="0"/>
+                <a:t>个人微信</a:t>
+              </a:r>
+            </a:p>
+          </p:txBody>
+        </p:sp>
+      </p:grpSp>
     </p:spTree>
   </p:cSld>
   <p:clrMapOvr>

--- a/颜林林-生物信息学中的信息搜索方法-20240909.pptx
+++ b/颜林林-生物信息学中的信息搜索方法-20240909.pptx
@@ -5,32 +5,33 @@
     <p:sldMasterId id="2147483648" r:id="rId1"/>
   </p:sldMasterIdLst>
   <p:notesMasterIdLst>
-    <p:notesMasterId r:id="rId22"/>
+    <p:notesMasterId r:id="rId23"/>
   </p:notesMasterIdLst>
   <p:handoutMasterIdLst>
-    <p:handoutMasterId r:id="rId23"/>
+    <p:handoutMasterId r:id="rId24"/>
   </p:handoutMasterIdLst>
   <p:sldIdLst>
     <p:sldId id="256" r:id="rId2"/>
-    <p:sldId id="292" r:id="rId3"/>
-    <p:sldId id="293" r:id="rId4"/>
-    <p:sldId id="294" r:id="rId5"/>
-    <p:sldId id="295" r:id="rId6"/>
-    <p:sldId id="296" r:id="rId7"/>
-    <p:sldId id="297" r:id="rId8"/>
-    <p:sldId id="307" r:id="rId9"/>
-    <p:sldId id="298" r:id="rId10"/>
-    <p:sldId id="299" r:id="rId11"/>
-    <p:sldId id="302" r:id="rId12"/>
-    <p:sldId id="300" r:id="rId13"/>
-    <p:sldId id="303" r:id="rId14"/>
-    <p:sldId id="301" r:id="rId15"/>
-    <p:sldId id="305" r:id="rId16"/>
-    <p:sldId id="304" r:id="rId17"/>
-    <p:sldId id="306" r:id="rId18"/>
-    <p:sldId id="308" r:id="rId19"/>
-    <p:sldId id="290" r:id="rId20"/>
-    <p:sldId id="291" r:id="rId21"/>
+    <p:sldId id="309" r:id="rId3"/>
+    <p:sldId id="292" r:id="rId4"/>
+    <p:sldId id="293" r:id="rId5"/>
+    <p:sldId id="294" r:id="rId6"/>
+    <p:sldId id="295" r:id="rId7"/>
+    <p:sldId id="296" r:id="rId8"/>
+    <p:sldId id="297" r:id="rId9"/>
+    <p:sldId id="307" r:id="rId10"/>
+    <p:sldId id="298" r:id="rId11"/>
+    <p:sldId id="299" r:id="rId12"/>
+    <p:sldId id="302" r:id="rId13"/>
+    <p:sldId id="300" r:id="rId14"/>
+    <p:sldId id="303" r:id="rId15"/>
+    <p:sldId id="301" r:id="rId16"/>
+    <p:sldId id="305" r:id="rId17"/>
+    <p:sldId id="304" r:id="rId18"/>
+    <p:sldId id="306" r:id="rId19"/>
+    <p:sldId id="308" r:id="rId20"/>
+    <p:sldId id="290" r:id="rId21"/>
+    <p:sldId id="291" r:id="rId22"/>
   </p:sldIdLst>
   <p:sldSz cx="12192000" cy="6858000"/>
   <p:notesSz cx="6858000" cy="9144000"/>
@@ -143,8 +144,7 @@
 <file path=ppt/revisionInfo.xml><?xml version="1.0" encoding="utf-8"?>
 <p1510:revInfo xmlns:a="http://schemas.openxmlformats.org/drawingml/2006/main" xmlns:r="http://schemas.openxmlformats.org/officeDocument/2006/relationships" xmlns:p1510="http://schemas.microsoft.com/office/powerpoint/2015/10/main">
   <p1510:revLst>
-    <p1510:client id="{7126F132-7EA2-409A-9E6A-EFDC6C9622DB}" v="9" dt="2024-09-08T04:39:28.718"/>
-    <p1510:client id="{8BC4D987-7C24-43FF-96C8-9DB94FB96374}" v="11" dt="2024-09-08T04:23:13.811"/>
+    <p1510:client id="{7126F132-7EA2-409A-9E6A-EFDC6C9622DB}" v="132" dt="2024-09-09T04:43:26.550"/>
   </p1510:revLst>
 </p1510:revInfo>
 </file>
@@ -153,23 +153,71 @@
 <pc:chgInfo xmlns:a="http://schemas.openxmlformats.org/drawingml/2006/main" xmlns:r="http://schemas.openxmlformats.org/officeDocument/2006/relationships" xmlns:ac="http://schemas.microsoft.com/office/drawing/2013/main/command" xmlns:pc="http://schemas.microsoft.com/office/powerpoint/2013/main/command">
   <pc:docChgLst>
     <pc:chgData name="Linlin Yan" userId="fde3f053d666146d" providerId="LiveId" clId="{7126F132-7EA2-409A-9E6A-EFDC6C9622DB}"/>
-    <pc:docChg chg="modSld">
-      <pc:chgData name="Linlin Yan" userId="fde3f053d666146d" providerId="LiveId" clId="{7126F132-7EA2-409A-9E6A-EFDC6C9622DB}" dt="2024-09-08T04:42:05.432" v="23" actId="1076"/>
+    <pc:docChg chg="undo redo custSel addSld modSld">
+      <pc:chgData name="Linlin Yan" userId="fde3f053d666146d" providerId="LiveId" clId="{7126F132-7EA2-409A-9E6A-EFDC6C9622DB}" dt="2024-09-09T04:43:29.681" v="480" actId="20577"/>
       <pc:docMkLst>
         <pc:docMk/>
       </pc:docMkLst>
-      <pc:sldChg chg="addSp modSp">
-        <pc:chgData name="Linlin Yan" userId="fde3f053d666146d" providerId="LiveId" clId="{7126F132-7EA2-409A-9E6A-EFDC6C9622DB}" dt="2024-09-08T04:37:25.831" v="0" actId="164"/>
+      <pc:sldChg chg="addSp delSp modSp mod">
+        <pc:chgData name="Linlin Yan" userId="fde3f053d666146d" providerId="LiveId" clId="{7126F132-7EA2-409A-9E6A-EFDC6C9622DB}" dt="2024-09-09T04:06:17.266" v="421" actId="1037"/>
         <pc:sldMkLst>
           <pc:docMk/>
           <pc:sldMk cId="4272575995" sldId="256"/>
         </pc:sldMkLst>
         <pc:spChg chg="mod">
-          <ac:chgData name="Linlin Yan" userId="fde3f053d666146d" providerId="LiveId" clId="{7126F132-7EA2-409A-9E6A-EFDC6C9622DB}" dt="2024-09-08T04:37:25.831" v="0" actId="164"/>
+          <ac:chgData name="Linlin Yan" userId="fde3f053d666146d" providerId="LiveId" clId="{7126F132-7EA2-409A-9E6A-EFDC6C9622DB}" dt="2024-09-09T03:03:24.437" v="29"/>
           <ac:spMkLst>
             <pc:docMk/>
             <pc:sldMk cId="4272575995" sldId="256"/>
             <ac:spMk id="8" creationId="{741531D4-192D-2244-E1CF-E4DABE36B939}"/>
+          </ac:spMkLst>
+        </pc:spChg>
+        <pc:spChg chg="mod">
+          <ac:chgData name="Linlin Yan" userId="fde3f053d666146d" providerId="LiveId" clId="{7126F132-7EA2-409A-9E6A-EFDC6C9622DB}" dt="2024-09-09T04:05:36.540" v="408"/>
+          <ac:spMkLst>
+            <pc:docMk/>
+            <pc:sldMk cId="4272575995" sldId="256"/>
+            <ac:spMk id="11" creationId="{48D50258-6CBF-A67E-78BF-496808E3D0F5}"/>
+          </ac:spMkLst>
+        </pc:spChg>
+        <pc:spChg chg="mod">
+          <ac:chgData name="Linlin Yan" userId="fde3f053d666146d" providerId="LiveId" clId="{7126F132-7EA2-409A-9E6A-EFDC6C9622DB}" dt="2024-09-09T04:04:27.667" v="388"/>
+          <ac:spMkLst>
+            <pc:docMk/>
+            <pc:sldMk cId="4272575995" sldId="256"/>
+            <ac:spMk id="14" creationId="{01D1B52F-B940-D24E-358C-383DF40538F7}"/>
+          </ac:spMkLst>
+        </pc:spChg>
+        <pc:spChg chg="mod">
+          <ac:chgData name="Linlin Yan" userId="fde3f053d666146d" providerId="LiveId" clId="{7126F132-7EA2-409A-9E6A-EFDC6C9622DB}" dt="2024-09-09T04:03:25.495" v="387" actId="1036"/>
+          <ac:spMkLst>
+            <pc:docMk/>
+            <pc:sldMk cId="4272575995" sldId="256"/>
+            <ac:spMk id="17" creationId="{F60BCBAF-8FC1-98F5-1ACC-4571ECAF3067}"/>
+          </ac:spMkLst>
+        </pc:spChg>
+        <pc:spChg chg="mod">
+          <ac:chgData name="Linlin Yan" userId="fde3f053d666146d" providerId="LiveId" clId="{7126F132-7EA2-409A-9E6A-EFDC6C9622DB}" dt="2024-09-09T04:03:25.495" v="387" actId="1036"/>
+          <ac:spMkLst>
+            <pc:docMk/>
+            <pc:sldMk cId="4272575995" sldId="256"/>
+            <ac:spMk id="18" creationId="{687164CC-A4F0-5BD9-6212-29728903452F}"/>
+          </ac:spMkLst>
+        </pc:spChg>
+        <pc:spChg chg="mod">
+          <ac:chgData name="Linlin Yan" userId="fde3f053d666146d" providerId="LiveId" clId="{7126F132-7EA2-409A-9E6A-EFDC6C9622DB}" dt="2024-09-09T04:05:10.086" v="394" actId="571"/>
+          <ac:spMkLst>
+            <pc:docMk/>
+            <pc:sldMk cId="4272575995" sldId="256"/>
+            <ac:spMk id="19" creationId="{E9A3306E-08B0-93BE-0B5B-D2377CD7F11E}"/>
+          </ac:spMkLst>
+        </pc:spChg>
+        <pc:spChg chg="mod">
+          <ac:chgData name="Linlin Yan" userId="fde3f053d666146d" providerId="LiveId" clId="{7126F132-7EA2-409A-9E6A-EFDC6C9622DB}" dt="2024-09-09T04:05:15.415" v="397" actId="571"/>
+          <ac:spMkLst>
+            <pc:docMk/>
+            <pc:sldMk cId="4272575995" sldId="256"/>
+            <ac:spMk id="22" creationId="{399213CB-37DA-1F1C-1EB4-0CCF616BE8E5}"/>
           </ac:spMkLst>
         </pc:spChg>
         <pc:grpChg chg="add mod">
@@ -180,6 +228,46 @@
             <ac:grpSpMk id="4" creationId="{CCDC4CEF-40DD-C09F-849C-1F51FEE303CF}"/>
           </ac:grpSpMkLst>
         </pc:grpChg>
+        <pc:grpChg chg="add mod">
+          <ac:chgData name="Linlin Yan" userId="fde3f053d666146d" providerId="LiveId" clId="{7126F132-7EA2-409A-9E6A-EFDC6C9622DB}" dt="2024-09-09T04:06:06.820" v="419" actId="1038"/>
+          <ac:grpSpMkLst>
+            <pc:docMk/>
+            <pc:sldMk cId="4272575995" sldId="256"/>
+            <ac:grpSpMk id="9" creationId="{E69C50C8-366B-2345-63CA-F83B92A2876B}"/>
+          </ac:grpSpMkLst>
+        </pc:grpChg>
+        <pc:grpChg chg="add mod">
+          <ac:chgData name="Linlin Yan" userId="fde3f053d666146d" providerId="LiveId" clId="{7126F132-7EA2-409A-9E6A-EFDC6C9622DB}" dt="2024-09-09T04:06:17.266" v="421" actId="1037"/>
+          <ac:grpSpMkLst>
+            <pc:docMk/>
+            <pc:sldMk cId="4272575995" sldId="256"/>
+            <ac:grpSpMk id="12" creationId="{91CF1EA2-9837-C417-5F12-C9320156359C}"/>
+          </ac:grpSpMkLst>
+        </pc:grpChg>
+        <pc:grpChg chg="add mod">
+          <ac:chgData name="Linlin Yan" userId="fde3f053d666146d" providerId="LiveId" clId="{7126F132-7EA2-409A-9E6A-EFDC6C9622DB}" dt="2024-09-09T04:05:10.086" v="394" actId="571"/>
+          <ac:grpSpMkLst>
+            <pc:docMk/>
+            <pc:sldMk cId="4272575995" sldId="256"/>
+            <ac:grpSpMk id="15" creationId="{C9A7B3CE-D560-BC43-D61E-9DA263F009FD}"/>
+          </ac:grpSpMkLst>
+        </pc:grpChg>
+        <pc:grpChg chg="add mod">
+          <ac:chgData name="Linlin Yan" userId="fde3f053d666146d" providerId="LiveId" clId="{7126F132-7EA2-409A-9E6A-EFDC6C9622DB}" dt="2024-09-09T04:05:15.415" v="397" actId="571"/>
+          <ac:grpSpMkLst>
+            <pc:docMk/>
+            <pc:sldMk cId="4272575995" sldId="256"/>
+            <ac:grpSpMk id="20" creationId="{C1F8F3EE-0B6F-496E-B8F0-3DD8703D736F}"/>
+          </ac:grpSpMkLst>
+        </pc:grpChg>
+        <pc:picChg chg="add del mod">
+          <ac:chgData name="Linlin Yan" userId="fde3f053d666146d" providerId="LiveId" clId="{7126F132-7EA2-409A-9E6A-EFDC6C9622DB}" dt="2024-09-09T04:01:40.863" v="320" actId="478"/>
+          <ac:picMkLst>
+            <pc:docMk/>
+            <pc:sldMk cId="4272575995" sldId="256"/>
+            <ac:picMk id="6" creationId="{2D489EB4-7757-76E9-24B2-0DF139BFCA76}"/>
+          </ac:picMkLst>
+        </pc:picChg>
         <pc:picChg chg="mod">
           <ac:chgData name="Linlin Yan" userId="fde3f053d666146d" providerId="LiveId" clId="{7126F132-7EA2-409A-9E6A-EFDC6C9622DB}" dt="2024-09-08T04:37:25.831" v="0" actId="164"/>
           <ac:picMkLst>
@@ -188,15 +276,47 @@
             <ac:picMk id="7" creationId="{B5768A2F-6D4C-8F27-D5C1-CF96D428D4DF}"/>
           </ac:picMkLst>
         </pc:picChg>
+        <pc:picChg chg="mod">
+          <ac:chgData name="Linlin Yan" userId="fde3f053d666146d" providerId="LiveId" clId="{7126F132-7EA2-409A-9E6A-EFDC6C9622DB}" dt="2024-09-09T04:05:28.525" v="402" actId="14100"/>
+          <ac:picMkLst>
+            <pc:docMk/>
+            <pc:sldMk cId="4272575995" sldId="256"/>
+            <ac:picMk id="10" creationId="{4D1C3890-014A-7F5D-E51A-A140DFE6AE6D}"/>
+          </ac:picMkLst>
+        </pc:picChg>
+        <pc:picChg chg="mod">
+          <ac:chgData name="Linlin Yan" userId="fde3f053d666146d" providerId="LiveId" clId="{7126F132-7EA2-409A-9E6A-EFDC6C9622DB}" dt="2024-09-09T04:04:27.667" v="388"/>
+          <ac:picMkLst>
+            <pc:docMk/>
+            <pc:sldMk cId="4272575995" sldId="256"/>
+            <ac:picMk id="13" creationId="{6EEEFEA6-B219-B5A1-3F37-77328CDCFA17}"/>
+          </ac:picMkLst>
+        </pc:picChg>
+        <pc:picChg chg="mod">
+          <ac:chgData name="Linlin Yan" userId="fde3f053d666146d" providerId="LiveId" clId="{7126F132-7EA2-409A-9E6A-EFDC6C9622DB}" dt="2024-09-09T04:05:10.086" v="394" actId="571"/>
+          <ac:picMkLst>
+            <pc:docMk/>
+            <pc:sldMk cId="4272575995" sldId="256"/>
+            <ac:picMk id="16" creationId="{EA57F7EC-E003-6A56-8F28-9F3A27DEFE12}"/>
+          </ac:picMkLst>
+        </pc:picChg>
+        <pc:picChg chg="mod">
+          <ac:chgData name="Linlin Yan" userId="fde3f053d666146d" providerId="LiveId" clId="{7126F132-7EA2-409A-9E6A-EFDC6C9622DB}" dt="2024-09-09T04:05:15.415" v="397" actId="571"/>
+          <ac:picMkLst>
+            <pc:docMk/>
+            <pc:sldMk cId="4272575995" sldId="256"/>
+            <ac:picMk id="21" creationId="{7B1D47CE-5547-126A-F615-F7AE68A33C40}"/>
+          </ac:picMkLst>
+        </pc:picChg>
       </pc:sldChg>
       <pc:sldChg chg="addSp modSp mod">
-        <pc:chgData name="Linlin Yan" userId="fde3f053d666146d" providerId="LiveId" clId="{7126F132-7EA2-409A-9E6A-EFDC6C9622DB}" dt="2024-09-08T04:42:05.432" v="23" actId="1076"/>
+        <pc:chgData name="Linlin Yan" userId="fde3f053d666146d" providerId="LiveId" clId="{7126F132-7EA2-409A-9E6A-EFDC6C9622DB}" dt="2024-09-09T03:03:37.418" v="32"/>
         <pc:sldMkLst>
           <pc:docMk/>
           <pc:sldMk cId="0" sldId="290"/>
         </pc:sldMkLst>
         <pc:spChg chg="mod">
-          <ac:chgData name="Linlin Yan" userId="fde3f053d666146d" providerId="LiveId" clId="{7126F132-7EA2-409A-9E6A-EFDC6C9622DB}" dt="2024-09-08T04:37:30.522" v="1"/>
+          <ac:chgData name="Linlin Yan" userId="fde3f053d666146d" providerId="LiveId" clId="{7126F132-7EA2-409A-9E6A-EFDC6C9622DB}" dt="2024-09-09T03:03:37.418" v="32"/>
           <ac:spMkLst>
             <pc:docMk/>
             <pc:sldMk cId="0" sldId="290"/>
@@ -241,6 +361,176 @@
             <pc:docMk/>
             <pc:sldMk cId="0" sldId="290"/>
             <ac:picMk id="8" creationId="{DE4B89D7-CC73-06BB-9A36-E94B1A8FAF8D}"/>
+          </ac:picMkLst>
+        </pc:picChg>
+      </pc:sldChg>
+      <pc:sldChg chg="addSp modSp mod">
+        <pc:chgData name="Linlin Yan" userId="fde3f053d666146d" providerId="LiveId" clId="{7126F132-7EA2-409A-9E6A-EFDC6C9622DB}" dt="2024-09-09T03:38:40.205" v="309" actId="1036"/>
+        <pc:sldMkLst>
+          <pc:docMk/>
+          <pc:sldMk cId="3627500454" sldId="292"/>
+        </pc:sldMkLst>
+        <pc:spChg chg="mod">
+          <ac:chgData name="Linlin Yan" userId="fde3f053d666146d" providerId="LiveId" clId="{7126F132-7EA2-409A-9E6A-EFDC6C9622DB}" dt="2024-09-09T03:31:49.774" v="226"/>
+          <ac:spMkLst>
+            <pc:docMk/>
+            <pc:sldMk cId="3627500454" sldId="292"/>
+            <ac:spMk id="3" creationId="{8BA7E9C7-A7CF-501F-63AC-07E6A71D517B}"/>
+          </ac:spMkLst>
+        </pc:spChg>
+        <pc:spChg chg="add mod">
+          <ac:chgData name="Linlin Yan" userId="fde3f053d666146d" providerId="LiveId" clId="{7126F132-7EA2-409A-9E6A-EFDC6C9622DB}" dt="2024-09-09T03:38:40.205" v="309" actId="1036"/>
+          <ac:spMkLst>
+            <pc:docMk/>
+            <pc:sldMk cId="3627500454" sldId="292"/>
+            <ac:spMk id="4" creationId="{4991BBA9-0EE8-63A7-A111-8D334B77040E}"/>
+          </ac:spMkLst>
+        </pc:spChg>
+        <pc:grpChg chg="add mod">
+          <ac:chgData name="Linlin Yan" userId="fde3f053d666146d" providerId="LiveId" clId="{7126F132-7EA2-409A-9E6A-EFDC6C9622DB}" dt="2024-09-09T03:38:40.205" v="309" actId="1036"/>
+          <ac:grpSpMkLst>
+            <pc:docMk/>
+            <pc:sldMk cId="3627500454" sldId="292"/>
+            <ac:grpSpMk id="6" creationId="{4B4C4443-3BFD-2544-9BDA-329107D301AC}"/>
+          </ac:grpSpMkLst>
+        </pc:grpChg>
+        <pc:picChg chg="add mod">
+          <ac:chgData name="Linlin Yan" userId="fde3f053d666146d" providerId="LiveId" clId="{7126F132-7EA2-409A-9E6A-EFDC6C9622DB}" dt="2024-09-09T03:38:40.205" v="309" actId="1036"/>
+          <ac:picMkLst>
+            <pc:docMk/>
+            <pc:sldMk cId="3627500454" sldId="292"/>
+            <ac:picMk id="1026" creationId="{4CF22145-0D20-8464-13DB-96798FFDF1AE}"/>
+          </ac:picMkLst>
+        </pc:picChg>
+      </pc:sldChg>
+      <pc:sldChg chg="addSp modSp mod">
+        <pc:chgData name="Linlin Yan" userId="fde3f053d666146d" providerId="LiveId" clId="{7126F132-7EA2-409A-9E6A-EFDC6C9622DB}" dt="2024-09-09T04:21:04.266" v="438" actId="20577"/>
+        <pc:sldMkLst>
+          <pc:docMk/>
+          <pc:sldMk cId="117640019" sldId="293"/>
+        </pc:sldMkLst>
+        <pc:spChg chg="add mod">
+          <ac:chgData name="Linlin Yan" userId="fde3f053d666146d" providerId="LiveId" clId="{7126F132-7EA2-409A-9E6A-EFDC6C9622DB}" dt="2024-09-09T04:21:04.266" v="438" actId="20577"/>
+          <ac:spMkLst>
+            <pc:docMk/>
+            <pc:sldMk cId="117640019" sldId="293"/>
+            <ac:spMk id="4" creationId="{ACF0A893-7A90-0EAA-A0CB-EADA15E93005}"/>
+          </ac:spMkLst>
+        </pc:spChg>
+        <pc:picChg chg="mod">
+          <ac:chgData name="Linlin Yan" userId="fde3f053d666146d" providerId="LiveId" clId="{7126F132-7EA2-409A-9E6A-EFDC6C9622DB}" dt="2024-09-09T03:39:40.181" v="311" actId="14100"/>
+          <ac:picMkLst>
+            <pc:docMk/>
+            <pc:sldMk cId="117640019" sldId="293"/>
+            <ac:picMk id="7" creationId="{ECE22E06-7C67-83A9-A17E-9DF143A5CC50}"/>
+          </ac:picMkLst>
+        </pc:picChg>
+        <pc:picChg chg="mod">
+          <ac:chgData name="Linlin Yan" userId="fde3f053d666146d" providerId="LiveId" clId="{7126F132-7EA2-409A-9E6A-EFDC6C9622DB}" dt="2024-09-09T04:20:38.778" v="423" actId="1076"/>
+          <ac:picMkLst>
+            <pc:docMk/>
+            <pc:sldMk cId="117640019" sldId="293"/>
+            <ac:picMk id="9" creationId="{16AD2172-7523-FF36-687F-9C8E21682B1C}"/>
+          </ac:picMkLst>
+        </pc:picChg>
+      </pc:sldChg>
+      <pc:sldChg chg="modSp mod">
+        <pc:chgData name="Linlin Yan" userId="fde3f053d666146d" providerId="LiveId" clId="{7126F132-7EA2-409A-9E6A-EFDC6C9622DB}" dt="2024-09-09T04:43:29.681" v="480" actId="20577"/>
+        <pc:sldMkLst>
+          <pc:docMk/>
+          <pc:sldMk cId="4090630487" sldId="294"/>
+        </pc:sldMkLst>
+        <pc:spChg chg="mod">
+          <ac:chgData name="Linlin Yan" userId="fde3f053d666146d" providerId="LiveId" clId="{7126F132-7EA2-409A-9E6A-EFDC6C9622DB}" dt="2024-09-09T04:43:29.681" v="480" actId="20577"/>
+          <ac:spMkLst>
+            <pc:docMk/>
+            <pc:sldMk cId="4090630487" sldId="294"/>
+            <ac:spMk id="5" creationId="{A26196DE-2AC0-4FAD-6C08-6C81F284F471}"/>
+          </ac:spMkLst>
+        </pc:spChg>
+      </pc:sldChg>
+      <pc:sldChg chg="modSp mod">
+        <pc:chgData name="Linlin Yan" userId="fde3f053d666146d" providerId="LiveId" clId="{7126F132-7EA2-409A-9E6A-EFDC6C9622DB}" dt="2024-09-09T04:23:38.767" v="443"/>
+        <pc:sldMkLst>
+          <pc:docMk/>
+          <pc:sldMk cId="4033937787" sldId="295"/>
+        </pc:sldMkLst>
+        <pc:spChg chg="mod">
+          <ac:chgData name="Linlin Yan" userId="fde3f053d666146d" providerId="LiveId" clId="{7126F132-7EA2-409A-9E6A-EFDC6C9622DB}" dt="2024-09-09T04:23:38.767" v="443"/>
+          <ac:spMkLst>
+            <pc:docMk/>
+            <pc:sldMk cId="4033937787" sldId="295"/>
+            <ac:spMk id="3" creationId="{76254421-CCEE-EA5D-2D11-F15C6FCAF0A9}"/>
+          </ac:spMkLst>
+        </pc:spChg>
+      </pc:sldChg>
+      <pc:sldChg chg="modSp mod">
+        <pc:chgData name="Linlin Yan" userId="fde3f053d666146d" providerId="LiveId" clId="{7126F132-7EA2-409A-9E6A-EFDC6C9622DB}" dt="2024-09-09T04:25:38.483" v="462" actId="20577"/>
+        <pc:sldMkLst>
+          <pc:docMk/>
+          <pc:sldMk cId="27919827" sldId="308"/>
+        </pc:sldMkLst>
+        <pc:spChg chg="mod">
+          <ac:chgData name="Linlin Yan" userId="fde3f053d666146d" providerId="LiveId" clId="{7126F132-7EA2-409A-9E6A-EFDC6C9622DB}" dt="2024-09-09T04:25:38.483" v="462" actId="20577"/>
+          <ac:spMkLst>
+            <pc:docMk/>
+            <pc:sldMk cId="27919827" sldId="308"/>
+            <ac:spMk id="3" creationId="{BAD53F82-AEA1-4E82-8384-FE13CE442FC4}"/>
+          </ac:spMkLst>
+        </pc:spChg>
+      </pc:sldChg>
+      <pc:sldChg chg="addSp delSp modSp new mod">
+        <pc:chgData name="Linlin Yan" userId="fde3f053d666146d" providerId="LiveId" clId="{7126F132-7EA2-409A-9E6A-EFDC6C9622DB}" dt="2024-09-09T04:27:15.506" v="465" actId="478"/>
+        <pc:sldMkLst>
+          <pc:docMk/>
+          <pc:sldMk cId="2800544365" sldId="309"/>
+        </pc:sldMkLst>
+        <pc:spChg chg="mod">
+          <ac:chgData name="Linlin Yan" userId="fde3f053d666146d" providerId="LiveId" clId="{7126F132-7EA2-409A-9E6A-EFDC6C9622DB}" dt="2024-09-09T03:29:48.218" v="211"/>
+          <ac:spMkLst>
+            <pc:docMk/>
+            <pc:sldMk cId="2800544365" sldId="309"/>
+            <ac:spMk id="2" creationId="{481DACE1-6E75-C0D6-DCF4-8F5245126D1A}"/>
+          </ac:spMkLst>
+        </pc:spChg>
+        <pc:spChg chg="mod">
+          <ac:chgData name="Linlin Yan" userId="fde3f053d666146d" providerId="LiveId" clId="{7126F132-7EA2-409A-9E6A-EFDC6C9622DB}" dt="2024-09-09T03:29:43.955" v="209" actId="20577"/>
+          <ac:spMkLst>
+            <pc:docMk/>
+            <pc:sldMk cId="2800544365" sldId="309"/>
+            <ac:spMk id="3" creationId="{CBDE10F9-A2D8-C50C-26CD-30A900CDDD7B}"/>
+          </ac:spMkLst>
+        </pc:spChg>
+        <pc:spChg chg="mod">
+          <ac:chgData name="Linlin Yan" userId="fde3f053d666146d" providerId="LiveId" clId="{7126F132-7EA2-409A-9E6A-EFDC6C9622DB}" dt="2024-09-09T03:26:14.561" v="189"/>
+          <ac:spMkLst>
+            <pc:docMk/>
+            <pc:sldMk cId="2800544365" sldId="309"/>
+            <ac:spMk id="7" creationId="{7A60124E-C160-6775-F49C-2A4E9C6788ED}"/>
+          </ac:spMkLst>
+        </pc:spChg>
+        <pc:grpChg chg="add mod">
+          <ac:chgData name="Linlin Yan" userId="fde3f053d666146d" providerId="LiveId" clId="{7126F132-7EA2-409A-9E6A-EFDC6C9622DB}" dt="2024-09-09T03:26:26.081" v="190" actId="1076"/>
+          <ac:grpSpMkLst>
+            <pc:docMk/>
+            <pc:sldMk cId="2800544365" sldId="309"/>
+            <ac:grpSpMk id="5" creationId="{29912169-E617-E5D4-3B2E-82FE80CB74BD}"/>
+          </ac:grpSpMkLst>
+        </pc:grpChg>
+        <pc:picChg chg="mod">
+          <ac:chgData name="Linlin Yan" userId="fde3f053d666146d" providerId="LiveId" clId="{7126F132-7EA2-409A-9E6A-EFDC6C9622DB}" dt="2024-09-09T03:26:14.561" v="189"/>
+          <ac:picMkLst>
+            <pc:docMk/>
+            <pc:sldMk cId="2800544365" sldId="309"/>
+            <ac:picMk id="6" creationId="{8CC01AAE-37EA-19D9-A34D-53298C2FDFD9}"/>
+          </ac:picMkLst>
+        </pc:picChg>
+        <pc:picChg chg="add del mod">
+          <ac:chgData name="Linlin Yan" userId="fde3f053d666146d" providerId="LiveId" clId="{7126F132-7EA2-409A-9E6A-EFDC6C9622DB}" dt="2024-09-09T04:27:15.506" v="465" actId="478"/>
+          <ac:picMkLst>
+            <pc:docMk/>
+            <pc:sldMk cId="2800544365" sldId="309"/>
+            <ac:picMk id="8" creationId="{BDE12C0A-6D50-26F7-737E-D3B5C2CF5BF3}"/>
           </ac:picMkLst>
         </pc:picChg>
       </pc:sldChg>
@@ -1638,7 +1928,7 @@
           <a:p>
             <a:fld id="{D0E38A89-25E3-42CF-9CCA-AF5B05D5ECB5}" type="datetimeFigureOut">
               <a:rPr lang="zh-CN" altLang="en-US" smtClean="0"/>
-              <a:t>2024/9/8</a:t>
+              <a:t>2024/9/9</a:t>
             </a:fld>
             <a:endParaRPr lang="zh-CN" altLang="en-US" dirty="0"/>
           </a:p>
@@ -1815,7 +2105,7 @@
           <a:p>
             <a:fld id="{1F9D2AE2-8AF6-42F5-9A31-D9D3BC8A1349}" type="datetimeFigureOut">
               <a:rPr lang="zh-CN" altLang="en-US" smtClean="0"/>
-              <a:t>2024/9/8</a:t>
+              <a:t>2024/9/9</a:t>
             </a:fld>
             <a:endParaRPr lang="zh-CN" altLang="en-US"/>
           </a:p>
@@ -2319,7 +2609,7 @@
           <a:p>
             <a:fld id="{61DCA484-6A8A-4F95-8A39-009F03AEB913}" type="datetime1">
               <a:rPr lang="en-US" altLang="zh-CN" smtClean="0"/>
-              <a:t>9/8/2024</a:t>
+              <a:t>9/9/2024</a:t>
             </a:fld>
             <a:endParaRPr lang="en-US"/>
           </a:p>
@@ -2572,7 +2862,7 @@
           <a:p>
             <a:fld id="{44961C23-F630-4B3F-9CD7-B89730F3E3E9}" type="datetime1">
               <a:rPr lang="en-US" altLang="zh-CN" smtClean="0"/>
-              <a:t>9/8/2024</a:t>
+              <a:t>9/9/2024</a:t>
             </a:fld>
             <a:endParaRPr lang="en-US"/>
           </a:p>
@@ -2835,7 +3125,7 @@
           <a:p>
             <a:fld id="{6F6C55B7-1C58-4102-8919-176A16536F85}" type="datetime1">
               <a:rPr lang="en-US" altLang="zh-CN" smtClean="0"/>
-              <a:t>9/8/2024</a:t>
+              <a:t>9/9/2024</a:t>
             </a:fld>
             <a:endParaRPr lang="en-US"/>
           </a:p>
@@ -3088,7 +3378,7 @@
           <a:p>
             <a:fld id="{E575D174-1F40-4992-BAE0-BFEA0C8BC700}" type="datetime1">
               <a:rPr lang="en-US" altLang="zh-CN" smtClean="0"/>
-              <a:t>9/8/2024</a:t>
+              <a:t>9/9/2024</a:t>
             </a:fld>
             <a:endParaRPr lang="en-US"/>
           </a:p>
@@ -3421,7 +3711,7 @@
           <a:p>
             <a:fld id="{4867AA24-2EDC-48E1-9C5D-A4ADBD821C8E}" type="datetime1">
               <a:rPr lang="en-US" altLang="zh-CN" smtClean="0"/>
-              <a:t>9/8/2024</a:t>
+              <a:t>9/9/2024</a:t>
             </a:fld>
             <a:endParaRPr lang="en-US"/>
           </a:p>
@@ -3742,7 +4032,7 @@
           <a:p>
             <a:fld id="{2CDA9111-2D81-44E5-BE44-091B7EB54BE6}" type="datetime1">
               <a:rPr lang="en-US" altLang="zh-CN" smtClean="0"/>
-              <a:t>9/8/2024</a:t>
+              <a:t>9/9/2024</a:t>
             </a:fld>
             <a:endParaRPr lang="en-US"/>
           </a:p>
@@ -4180,7 +4470,7 @@
           <a:p>
             <a:fld id="{E66E3564-3B15-4856-9CF5-24E1195739D3}" type="datetime1">
               <a:rPr lang="en-US" altLang="zh-CN" smtClean="0"/>
-              <a:t>9/8/2024</a:t>
+              <a:t>9/9/2024</a:t>
             </a:fld>
             <a:endParaRPr lang="en-US"/>
           </a:p>
@@ -4409,7 +4699,7 @@
           <a:p>
             <a:fld id="{9AE025E3-CBD3-4866-951E-F20CA50E6C70}" type="datetime1">
               <a:rPr lang="en-US" altLang="zh-CN" smtClean="0"/>
-              <a:t>9/8/2024</a:t>
+              <a:t>9/9/2024</a:t>
             </a:fld>
             <a:endParaRPr lang="en-US"/>
           </a:p>
@@ -4575,7 +4865,7 @@
           <a:p>
             <a:fld id="{0AE4932D-329E-4FF6-A409-DA446C9696AE}" type="datetime1">
               <a:rPr lang="en-US" altLang="zh-CN" smtClean="0"/>
-              <a:t>9/8/2024</a:t>
+              <a:t>9/9/2024</a:t>
             </a:fld>
             <a:endParaRPr lang="en-US"/>
           </a:p>
@@ -4832,7 +5122,7 @@
           <a:p>
             <a:fld id="{4000654D-4F2F-4F9C-BF48-0F06B8D23D9B}" type="datetime1">
               <a:rPr lang="en-US" altLang="zh-CN" smtClean="0"/>
-              <a:t>9/8/2024</a:t>
+              <a:t>9/9/2024</a:t>
             </a:fld>
             <a:endParaRPr lang="en-US"/>
           </a:p>
@@ -5251,7 +5541,7 @@
           <a:p>
             <a:fld id="{B6B10179-C729-43EB-80DE-1523CF227397}" type="datetime1">
               <a:rPr lang="en-US" altLang="zh-CN" smtClean="0"/>
-              <a:t>9/8/2024</a:t>
+              <a:t>9/9/2024</a:t>
             </a:fld>
             <a:endParaRPr lang="en-US"/>
           </a:p>
@@ -5586,7 +5876,7 @@
           <a:p>
             <a:fld id="{68EEDF45-3D79-413C-BD5F-31DDC07D295F}" type="datetime1">
               <a:rPr lang="en-US" altLang="zh-CN" smtClean="0"/>
-              <a:t>9/8/2024</a:t>
+              <a:t>9/9/2024</a:t>
             </a:fld>
             <a:endParaRPr lang="en-US" dirty="0"/>
           </a:p>
@@ -6041,8 +6331,8 @@
         </p:nvSpPr>
         <p:spPr>
           <a:xfrm>
-            <a:off x="1524000" y="1122363"/>
-            <a:ext cx="9144000" cy="2387600"/>
+            <a:off x="1524000" y="1877780"/>
+            <a:ext cx="9144000" cy="1454118"/>
           </a:xfrm>
         </p:spPr>
         <p:txBody>
@@ -6074,7 +6364,7 @@
         </p:nvSpPr>
         <p:spPr>
           <a:xfrm>
-            <a:off x="1524000" y="3602038"/>
+            <a:off x="1524000" y="3423973"/>
             <a:ext cx="9144000" cy="1655762"/>
           </a:xfrm>
         </p:spPr>
@@ -6305,7 +6595,195 @@
               <a:pPr algn="ctr"/>
               <a:r>
                 <a:rPr lang="zh-CN" altLang="en-US" sz="1400" dirty="0"/>
-                <a:t>扫描下载本课件</a:t>
+                <a:t>扫码下载本课件</a:t>
+              </a:r>
+            </a:p>
+          </p:txBody>
+        </p:sp>
+      </p:grpSp>
+      <p:grpSp>
+        <p:nvGrpSpPr>
+          <p:cNvPr id="9" name="组合 8">
+            <a:extLst>
+              <a:ext uri="{FF2B5EF4-FFF2-40B4-BE49-F238E27FC236}">
+                <a16:creationId xmlns:a16="http://schemas.microsoft.com/office/drawing/2014/main" id="{E69C50C8-366B-2345-63CA-F83B92A2876B}"/>
+              </a:ext>
+            </a:extLst>
+          </p:cNvPr>
+          <p:cNvGrpSpPr/>
+          <p:nvPr/>
+        </p:nvGrpSpPr>
+        <p:grpSpPr>
+          <a:xfrm>
+            <a:off x="8523765" y="4941207"/>
+            <a:ext cx="1309034" cy="1557852"/>
+            <a:chOff x="9938085" y="4941207"/>
+            <a:chExt cx="1309034" cy="1557852"/>
+          </a:xfrm>
+        </p:grpSpPr>
+        <p:pic>
+          <p:nvPicPr>
+            <p:cNvPr id="10" name="图片 9">
+              <a:extLst>
+                <a:ext uri="{FF2B5EF4-FFF2-40B4-BE49-F238E27FC236}">
+                  <a16:creationId xmlns:a16="http://schemas.microsoft.com/office/drawing/2014/main" id="{4D1C3890-014A-7F5D-E51A-A140DFE6AE6D}"/>
+                </a:ext>
+              </a:extLst>
+            </p:cNvPr>
+            <p:cNvPicPr>
+              <a:picLocks noChangeAspect="1"/>
+            </p:cNvPicPr>
+            <p:nvPr/>
+          </p:nvPicPr>
+          <p:blipFill>
+            <a:blip r:embed="rId7">
+              <a:extLst>
+                <a:ext uri="{28A0092B-C50C-407E-A947-70E740481C1C}">
+                  <a14:useLocalDpi xmlns:a14="http://schemas.microsoft.com/office/drawing/2010/main" val="0"/>
+                </a:ext>
+              </a:extLst>
+            </a:blip>
+            <a:srcRect/>
+            <a:stretch/>
+          </p:blipFill>
+          <p:spPr>
+            <a:xfrm>
+              <a:off x="9938085" y="4941207"/>
+              <a:ext cx="1309034" cy="1309034"/>
+            </a:xfrm>
+            <a:prstGeom prst="rect">
+              <a:avLst/>
+            </a:prstGeom>
+          </p:spPr>
+        </p:pic>
+        <p:sp>
+          <p:nvSpPr>
+            <p:cNvPr id="11" name="文本框 10">
+              <a:extLst>
+                <a:ext uri="{FF2B5EF4-FFF2-40B4-BE49-F238E27FC236}">
+                  <a16:creationId xmlns:a16="http://schemas.microsoft.com/office/drawing/2014/main" id="{48D50258-6CBF-A67E-78BF-496808E3D0F5}"/>
+                </a:ext>
+              </a:extLst>
+            </p:cNvPr>
+            <p:cNvSpPr txBox="1"/>
+            <p:nvPr/>
+          </p:nvSpPr>
+          <p:spPr>
+            <a:xfrm>
+              <a:off x="10190094" y="6191282"/>
+              <a:ext cx="824265" cy="307777"/>
+            </a:xfrm>
+            <a:prstGeom prst="rect">
+              <a:avLst/>
+            </a:prstGeom>
+            <a:noFill/>
+          </p:spPr>
+          <p:txBody>
+            <a:bodyPr wrap="none" rtlCol="0">
+              <a:spAutoFit/>
+            </a:bodyPr>
+            <a:lstStyle/>
+            <a:p>
+              <a:pPr algn="ctr"/>
+              <a:r>
+                <a:rPr lang="en-US" altLang="zh-CN" sz="1400" dirty="0"/>
+                <a:t>B</a:t>
+              </a:r>
+              <a:r>
+                <a:rPr lang="zh-CN" altLang="en-US" sz="1400" dirty="0"/>
+                <a:t>站直播</a:t>
+              </a:r>
+            </a:p>
+          </p:txBody>
+        </p:sp>
+      </p:grpSp>
+      <p:grpSp>
+        <p:nvGrpSpPr>
+          <p:cNvPr id="12" name="组合 11">
+            <a:extLst>
+              <a:ext uri="{FF2B5EF4-FFF2-40B4-BE49-F238E27FC236}">
+                <a16:creationId xmlns:a16="http://schemas.microsoft.com/office/drawing/2014/main" id="{91CF1EA2-9837-C417-5F12-C9320156359C}"/>
+              </a:ext>
+            </a:extLst>
+          </p:cNvPr>
+          <p:cNvGrpSpPr/>
+          <p:nvPr/>
+        </p:nvGrpSpPr>
+        <p:grpSpPr>
+          <a:xfrm>
+            <a:off x="7142207" y="4941206"/>
+            <a:ext cx="1309036" cy="1557853"/>
+            <a:chOff x="9938084" y="4941206"/>
+            <a:chExt cx="1309036" cy="1557853"/>
+          </a:xfrm>
+        </p:grpSpPr>
+        <p:pic>
+          <p:nvPicPr>
+            <p:cNvPr id="13" name="图片 12">
+              <a:extLst>
+                <a:ext uri="{FF2B5EF4-FFF2-40B4-BE49-F238E27FC236}">
+                  <a16:creationId xmlns:a16="http://schemas.microsoft.com/office/drawing/2014/main" id="{6EEEFEA6-B219-B5A1-3F37-77328CDCFA17}"/>
+                </a:ext>
+              </a:extLst>
+            </p:cNvPr>
+            <p:cNvPicPr>
+              <a:picLocks noChangeAspect="1"/>
+            </p:cNvPicPr>
+            <p:nvPr/>
+          </p:nvPicPr>
+          <p:blipFill>
+            <a:blip r:embed="rId8">
+              <a:extLst>
+                <a:ext uri="{28A0092B-C50C-407E-A947-70E740481C1C}">
+                  <a14:useLocalDpi xmlns:a14="http://schemas.microsoft.com/office/drawing/2010/main" val="0"/>
+                </a:ext>
+              </a:extLst>
+            </a:blip>
+            <a:srcRect/>
+            <a:stretch/>
+          </p:blipFill>
+          <p:spPr>
+            <a:xfrm>
+              <a:off x="9938084" y="4941206"/>
+              <a:ext cx="1309036" cy="1309036"/>
+            </a:xfrm>
+            <a:prstGeom prst="rect">
+              <a:avLst/>
+            </a:prstGeom>
+          </p:spPr>
+        </p:pic>
+        <p:sp>
+          <p:nvSpPr>
+            <p:cNvPr id="14" name="文本框 13">
+              <a:extLst>
+                <a:ext uri="{FF2B5EF4-FFF2-40B4-BE49-F238E27FC236}">
+                  <a16:creationId xmlns:a16="http://schemas.microsoft.com/office/drawing/2014/main" id="{01D1B52F-B940-D24E-358C-383DF40538F7}"/>
+                </a:ext>
+              </a:extLst>
+            </p:cNvPr>
+            <p:cNvSpPr txBox="1"/>
+            <p:nvPr/>
+          </p:nvSpPr>
+          <p:spPr>
+            <a:xfrm>
+              <a:off x="10150821" y="6191282"/>
+              <a:ext cx="902811" cy="307777"/>
+            </a:xfrm>
+            <a:prstGeom prst="rect">
+              <a:avLst/>
+            </a:prstGeom>
+            <a:noFill/>
+          </p:spPr>
+          <p:txBody>
+            <a:bodyPr wrap="none" rtlCol="0">
+              <a:spAutoFit/>
+            </a:bodyPr>
+            <a:lstStyle/>
+            <a:p>
+              <a:pPr algn="ctr"/>
+              <a:r>
+                <a:rPr lang="zh-CN" altLang="en-US" sz="1400" dirty="0"/>
+                <a:t>课程主页</a:t>
               </a:r>
             </a:p>
           </p:txBody>
@@ -6366,7 +6844,7 @@
           <a:p>
             <a:r>
               <a:rPr lang="zh-CN" altLang="en-US" dirty="0"/>
-              <a:t>信息搜索在研究中的实际应用：案例分析（续）</a:t>
+              <a:t>信息搜索在研究中的实际应用：案例分析</a:t>
             </a:r>
           </a:p>
         </p:txBody>
@@ -6400,11 +6878,11 @@
             </a:r>
             <a:r>
               <a:rPr lang="en-US" altLang="zh-CN" dirty="0"/>
-              <a:t>3</a:t>
-            </a:r>
-            <a:r>
-              <a:rPr lang="zh-CN" altLang="en-US" dirty="0"/>
-              <a:t>：新药开发中的蛋白质结构预测</a:t>
+              <a:t>1</a:t>
+            </a:r>
+            <a:r>
+              <a:rPr lang="zh-CN" altLang="en-US" dirty="0"/>
+              <a:t>：癌症基因突变与治疗靶点发现</a:t>
             </a:r>
             <a:endParaRPr lang="en-US" altLang="zh-CN" dirty="0"/>
           </a:p>
@@ -6412,7 +6890,86 @@
             <a:pPr lvl="1"/>
             <a:r>
               <a:rPr lang="zh-CN" altLang="en-US" dirty="0"/>
-              <a:t>背景：寻找一种与某疾病相关的目标蛋白的三维结构，用于新药开发</a:t>
+              <a:t>背景：研究某种癌症中的突变基因，以识别潜在的治疗靶点</a:t>
+            </a:r>
+            <a:endParaRPr lang="en-US" altLang="zh-CN" dirty="0"/>
+          </a:p>
+          <a:p>
+            <a:pPr lvl="1"/>
+            <a:r>
+              <a:rPr lang="zh-CN" altLang="en-US" dirty="0"/>
+              <a:t>使用的搜索方法：</a:t>
+            </a:r>
+            <a:endParaRPr lang="en-US" altLang="zh-CN" dirty="0"/>
+          </a:p>
+          <a:p>
+            <a:pPr lvl="2"/>
+            <a:r>
+              <a:rPr lang="zh-CN" altLang="en-US" dirty="0"/>
+              <a:t>基因组坐标搜索：在癌症基因组数据库（如</a:t>
+            </a:r>
+            <a:r>
+              <a:rPr lang="en-US" altLang="zh-CN" dirty="0"/>
+              <a:t>COSMIC</a:t>
+            </a:r>
+            <a:r>
+              <a:rPr lang="zh-CN" altLang="en-US" dirty="0"/>
+              <a:t>）中查找特定位点的突变信息</a:t>
+            </a:r>
+            <a:endParaRPr lang="en-US" altLang="zh-CN" dirty="0"/>
+          </a:p>
+          <a:p>
+            <a:pPr lvl="2"/>
+            <a:r>
+              <a:rPr lang="zh-CN" altLang="en-US" dirty="0"/>
+              <a:t>字段搜索：使用</a:t>
+            </a:r>
+            <a:r>
+              <a:rPr lang="en-US" altLang="zh-CN" dirty="0"/>
+              <a:t>PubMed</a:t>
+            </a:r>
+            <a:r>
+              <a:rPr lang="zh-CN" altLang="en-US" dirty="0"/>
+              <a:t>和</a:t>
+            </a:r>
+            <a:r>
+              <a:rPr lang="en-US" altLang="zh-CN" dirty="0" err="1"/>
+              <a:t>GeneCards</a:t>
+            </a:r>
+            <a:r>
+              <a:rPr lang="zh-CN" altLang="en-US" dirty="0"/>
+              <a:t>查找已知的基因功能和相关研究文献</a:t>
+            </a:r>
+            <a:endParaRPr lang="en-US" altLang="zh-CN" dirty="0"/>
+          </a:p>
+          <a:p>
+            <a:pPr lvl="1"/>
+            <a:r>
+              <a:rPr lang="zh-CN" altLang="en-US" dirty="0"/>
+              <a:t>研究成果：通过搜索确定了一个关键突变基因，该基因可能是新的治疗靶点</a:t>
+            </a:r>
+            <a:endParaRPr lang="en-US" altLang="zh-CN" dirty="0"/>
+          </a:p>
+          <a:p>
+            <a:r>
+              <a:rPr lang="zh-CN" altLang="en-US" dirty="0"/>
+              <a:t>案例</a:t>
+            </a:r>
+            <a:r>
+              <a:rPr lang="en-US" altLang="zh-CN" dirty="0"/>
+              <a:t>2</a:t>
+            </a:r>
+            <a:r>
+              <a:rPr lang="zh-CN" altLang="en-US" dirty="0"/>
+              <a:t>：微生物物种鉴定与环境监测</a:t>
+            </a:r>
+            <a:endParaRPr lang="en-US" altLang="zh-CN" dirty="0"/>
+          </a:p>
+          <a:p>
+            <a:pPr lvl="1"/>
+            <a:r>
+              <a:rPr lang="zh-CN" altLang="en-US" dirty="0"/>
+              <a:t>背景：使用宏基因组数据监测环境中的微生物种群变化。</a:t>
             </a:r>
             <a:endParaRPr lang="en-US" altLang="zh-CN" dirty="0"/>
           </a:p>
@@ -6436,7 +6993,7 @@
             </a:r>
             <a:r>
               <a:rPr lang="zh-CN" altLang="en-US" dirty="0"/>
-              <a:t>比对目标蛋白序列，寻找已知结构相似的蛋白质</a:t>
+              <a:t>比对宏基因组测序数据，鉴定环境中的微生物物种。</a:t>
             </a:r>
             <a:endParaRPr lang="en-US" altLang="zh-CN" dirty="0"/>
           </a:p>
@@ -6444,15 +7001,7 @@
             <a:pPr lvl="2"/>
             <a:r>
               <a:rPr lang="zh-CN" altLang="en-US" dirty="0"/>
-              <a:t>基于网络的搜索：通过蛋白质</a:t>
-            </a:r>
-            <a:r>
-              <a:rPr lang="en-US" altLang="zh-CN" dirty="0"/>
-              <a:t>-</a:t>
-            </a:r>
-            <a:r>
-              <a:rPr lang="zh-CN" altLang="en-US" dirty="0"/>
-              <a:t>蛋白质相互作用网络，发现与目标蛋白相关的潜在药物靶点</a:t>
+              <a:t>多组学数据整合：将宏基因组数据与代谢组数据整合，分析微生物群落的功能动态。</a:t>
             </a:r>
             <a:endParaRPr lang="en-US" altLang="zh-CN" dirty="0"/>
           </a:p>
@@ -6460,8 +7009,9 @@
             <a:pPr lvl="1"/>
             <a:r>
               <a:rPr lang="zh-CN" altLang="en-US" dirty="0"/>
-              <a:t>研究成果：利用相似结构蛋白的已知结构，预测目标蛋白的三维结构，推进新药筛选工作。</a:t>
-            </a:r>
+              <a:t>研究成果：确定了环境中一种新型污染物降解菌，为环境治理提供了新的方向</a:t>
+            </a:r>
+            <a:endParaRPr lang="en-US" altLang="zh-CN" dirty="0"/>
           </a:p>
         </p:txBody>
       </p:sp>
@@ -6470,7 +7020,7 @@
           <p:cNvPr id="4" name="灯片编号占位符 3">
             <a:extLst>
               <a:ext uri="{FF2B5EF4-FFF2-40B4-BE49-F238E27FC236}">
-                <a16:creationId xmlns:a16="http://schemas.microsoft.com/office/drawing/2014/main" id="{2B39BD32-BF20-5AE8-0D71-F52337C5837E}"/>
+                <a16:creationId xmlns:a16="http://schemas.microsoft.com/office/drawing/2014/main" id="{2BA97A60-8FCE-78BD-747C-155DE8800DE0}"/>
               </a:ext>
             </a:extLst>
           </p:cNvPr>
@@ -6497,7 +7047,7 @@
     </p:spTree>
     <p:extLst>
       <p:ext uri="{BB962C8B-B14F-4D97-AF65-F5344CB8AC3E}">
-        <p14:creationId xmlns:p14="http://schemas.microsoft.com/office/powerpoint/2010/main" val="3578497958"/>
+        <p14:creationId xmlns:p14="http://schemas.microsoft.com/office/powerpoint/2010/main" val="2092628731"/>
       </p:ext>
     </p:extLst>
   </p:cSld>
@@ -6529,6 +7079,189 @@
           <p:cNvPr id="2" name="标题 1">
             <a:extLst>
               <a:ext uri="{FF2B5EF4-FFF2-40B4-BE49-F238E27FC236}">
+                <a16:creationId xmlns:a16="http://schemas.microsoft.com/office/drawing/2014/main" id="{946CDA25-1C5B-E06B-E071-592159299876}"/>
+              </a:ext>
+            </a:extLst>
+          </p:cNvPr>
+          <p:cNvSpPr>
+            <a:spLocks noGrp="1"/>
+          </p:cNvSpPr>
+          <p:nvPr>
+            <p:ph type="title"/>
+          </p:nvPr>
+        </p:nvSpPr>
+        <p:spPr/>
+        <p:txBody>
+          <a:bodyPr>
+            <a:normAutofit fontScale="90000"/>
+          </a:bodyPr>
+          <a:lstStyle/>
+          <a:p>
+            <a:r>
+              <a:rPr lang="zh-CN" altLang="en-US" dirty="0"/>
+              <a:t>信息搜索在研究中的实际应用：案例分析（续）</a:t>
+            </a:r>
+          </a:p>
+        </p:txBody>
+      </p:sp>
+      <p:sp>
+        <p:nvSpPr>
+          <p:cNvPr id="3" name="内容占位符 2">
+            <a:extLst>
+              <a:ext uri="{FF2B5EF4-FFF2-40B4-BE49-F238E27FC236}">
+                <a16:creationId xmlns:a16="http://schemas.microsoft.com/office/drawing/2014/main" id="{57AA0FA6-4ACA-7935-E4C1-DBA521562DDD}"/>
+              </a:ext>
+            </a:extLst>
+          </p:cNvPr>
+          <p:cNvSpPr>
+            <a:spLocks noGrp="1"/>
+          </p:cNvSpPr>
+          <p:nvPr>
+            <p:ph idx="1"/>
+          </p:nvPr>
+        </p:nvSpPr>
+        <p:spPr/>
+        <p:txBody>
+          <a:bodyPr>
+            <a:normAutofit/>
+          </a:bodyPr>
+          <a:lstStyle/>
+          <a:p>
+            <a:r>
+              <a:rPr lang="zh-CN" altLang="en-US" dirty="0"/>
+              <a:t>案例</a:t>
+            </a:r>
+            <a:r>
+              <a:rPr lang="en-US" altLang="zh-CN" dirty="0"/>
+              <a:t>3</a:t>
+            </a:r>
+            <a:r>
+              <a:rPr lang="zh-CN" altLang="en-US" dirty="0"/>
+              <a:t>：新药开发中的蛋白质结构预测</a:t>
+            </a:r>
+            <a:endParaRPr lang="en-US" altLang="zh-CN" dirty="0"/>
+          </a:p>
+          <a:p>
+            <a:pPr lvl="1"/>
+            <a:r>
+              <a:rPr lang="zh-CN" altLang="en-US" dirty="0"/>
+              <a:t>背景：寻找一种与某疾病相关的目标蛋白的三维结构，用于新药开发</a:t>
+            </a:r>
+            <a:endParaRPr lang="en-US" altLang="zh-CN" dirty="0"/>
+          </a:p>
+          <a:p>
+            <a:pPr lvl="1"/>
+            <a:r>
+              <a:rPr lang="zh-CN" altLang="en-US" dirty="0"/>
+              <a:t>使用的搜索方法：</a:t>
+            </a:r>
+            <a:endParaRPr lang="en-US" altLang="zh-CN" dirty="0"/>
+          </a:p>
+          <a:p>
+            <a:pPr lvl="2"/>
+            <a:r>
+              <a:rPr lang="zh-CN" altLang="en-US" dirty="0"/>
+              <a:t>序列相似性搜索：使用</a:t>
+            </a:r>
+            <a:r>
+              <a:rPr lang="en-US" altLang="zh-CN" dirty="0"/>
+              <a:t>BLAST</a:t>
+            </a:r>
+            <a:r>
+              <a:rPr lang="zh-CN" altLang="en-US" dirty="0"/>
+              <a:t>比对目标蛋白序列，寻找已知结构相似的蛋白质</a:t>
+            </a:r>
+            <a:endParaRPr lang="en-US" altLang="zh-CN" dirty="0"/>
+          </a:p>
+          <a:p>
+            <a:pPr lvl="2"/>
+            <a:r>
+              <a:rPr lang="zh-CN" altLang="en-US" dirty="0"/>
+              <a:t>基于网络的搜索：通过蛋白质</a:t>
+            </a:r>
+            <a:r>
+              <a:rPr lang="en-US" altLang="zh-CN" dirty="0"/>
+              <a:t>-</a:t>
+            </a:r>
+            <a:r>
+              <a:rPr lang="zh-CN" altLang="en-US" dirty="0"/>
+              <a:t>蛋白质相互作用网络，发现与目标蛋白相关的潜在药物靶点</a:t>
+            </a:r>
+            <a:endParaRPr lang="en-US" altLang="zh-CN" dirty="0"/>
+          </a:p>
+          <a:p>
+            <a:pPr lvl="1"/>
+            <a:r>
+              <a:rPr lang="zh-CN" altLang="en-US" dirty="0"/>
+              <a:t>研究成果：利用相似结构蛋白的已知结构，预测目标蛋白的三维结构，推进新药筛选工作。</a:t>
+            </a:r>
+          </a:p>
+        </p:txBody>
+      </p:sp>
+      <p:sp>
+        <p:nvSpPr>
+          <p:cNvPr id="4" name="灯片编号占位符 3">
+            <a:extLst>
+              <a:ext uri="{FF2B5EF4-FFF2-40B4-BE49-F238E27FC236}">
+                <a16:creationId xmlns:a16="http://schemas.microsoft.com/office/drawing/2014/main" id="{2B39BD32-BF20-5AE8-0D71-F52337C5837E}"/>
+              </a:ext>
+            </a:extLst>
+          </p:cNvPr>
+          <p:cNvSpPr>
+            <a:spLocks noGrp="1"/>
+          </p:cNvSpPr>
+          <p:nvPr>
+            <p:ph type="sldNum" sz="quarter" idx="12"/>
+          </p:nvPr>
+        </p:nvSpPr>
+        <p:spPr/>
+        <p:txBody>
+          <a:bodyPr/>
+          <a:lstStyle/>
+          <a:p>
+            <a:fld id="{27CE633F-9882-4A5C-83A2-1109D0C73261}" type="slidenum">
+              <a:rPr lang="en-US" smtClean="0"/>
+              <a:t>11</a:t>
+            </a:fld>
+            <a:endParaRPr lang="en-US"/>
+          </a:p>
+        </p:txBody>
+      </p:sp>
+    </p:spTree>
+    <p:extLst>
+      <p:ext uri="{BB962C8B-B14F-4D97-AF65-F5344CB8AC3E}">
+        <p14:creationId xmlns:p14="http://schemas.microsoft.com/office/powerpoint/2010/main" val="3578497958"/>
+      </p:ext>
+    </p:extLst>
+  </p:cSld>
+  <p:clrMapOvr>
+    <a:masterClrMapping/>
+  </p:clrMapOvr>
+</p:sld>
+</file>
+
+<file path=ppt/slides/slide12.xml><?xml version="1.0" encoding="utf-8"?>
+<p:sld xmlns:a="http://schemas.openxmlformats.org/drawingml/2006/main" xmlns:r="http://schemas.openxmlformats.org/officeDocument/2006/relationships" xmlns:p="http://schemas.openxmlformats.org/presentationml/2006/main">
+  <p:cSld>
+    <p:spTree>
+      <p:nvGrpSpPr>
+        <p:cNvPr id="1" name=""/>
+        <p:cNvGrpSpPr/>
+        <p:nvPr/>
+      </p:nvGrpSpPr>
+      <p:grpSpPr>
+        <a:xfrm>
+          <a:off x="0" y="0"/>
+          <a:ext cx="0" cy="0"/>
+          <a:chOff x="0" y="0"/>
+          <a:chExt cx="0" cy="0"/>
+        </a:xfrm>
+      </p:grpSpPr>
+      <p:sp>
+        <p:nvSpPr>
+          <p:cNvPr id="2" name="标题 1">
+            <a:extLst>
+              <a:ext uri="{FF2B5EF4-FFF2-40B4-BE49-F238E27FC236}">
                 <a16:creationId xmlns:a16="http://schemas.microsoft.com/office/drawing/2014/main" id="{5980220F-36BC-418B-979B-2F31E5455B04}"/>
               </a:ext>
             </a:extLst>
@@ -6606,7 +7339,7 @@
           <a:p>
             <a:fld id="{27CE633F-9882-4A5C-83A2-1109D0C73261}" type="slidenum">
               <a:rPr lang="en-US" smtClean="0"/>
-              <a:t>11</a:t>
+              <a:t>12</a:t>
             </a:fld>
             <a:endParaRPr lang="en-US"/>
           </a:p>
@@ -6677,269 +7410,6 @@
 </p:sld>
 </file>
 
-<file path=ppt/slides/slide12.xml><?xml version="1.0" encoding="utf-8"?>
-<p:sld xmlns:a="http://schemas.openxmlformats.org/drawingml/2006/main" xmlns:r="http://schemas.openxmlformats.org/officeDocument/2006/relationships" xmlns:p="http://schemas.openxmlformats.org/presentationml/2006/main">
-  <p:cSld>
-    <p:spTree>
-      <p:nvGrpSpPr>
-        <p:cNvPr id="1" name=""/>
-        <p:cNvGrpSpPr/>
-        <p:nvPr/>
-      </p:nvGrpSpPr>
-      <p:grpSpPr>
-        <a:xfrm>
-          <a:off x="0" y="0"/>
-          <a:ext cx="0" cy="0"/>
-          <a:chOff x="0" y="0"/>
-          <a:chExt cx="0" cy="0"/>
-        </a:xfrm>
-      </p:grpSpPr>
-      <p:sp>
-        <p:nvSpPr>
-          <p:cNvPr id="2" name="标题 1">
-            <a:extLst>
-              <a:ext uri="{FF2B5EF4-FFF2-40B4-BE49-F238E27FC236}">
-                <a16:creationId xmlns:a16="http://schemas.microsoft.com/office/drawing/2014/main" id="{20D6535E-1608-530C-830B-22CD63AAE4DE}"/>
-              </a:ext>
-            </a:extLst>
-          </p:cNvPr>
-          <p:cNvSpPr>
-            <a:spLocks noGrp="1"/>
-          </p:cNvSpPr>
-          <p:nvPr>
-            <p:ph type="title"/>
-          </p:nvPr>
-        </p:nvSpPr>
-        <p:spPr/>
-        <p:txBody>
-          <a:bodyPr>
-            <a:normAutofit fontScale="90000"/>
-          </a:bodyPr>
-          <a:lstStyle/>
-          <a:p>
-            <a:r>
-              <a:rPr lang="zh-CN" altLang="en-US" dirty="0"/>
-              <a:t>基于语义的搜索方法与三元组推理</a:t>
-            </a:r>
-          </a:p>
-        </p:txBody>
-      </p:sp>
-      <p:sp>
-        <p:nvSpPr>
-          <p:cNvPr id="3" name="内容占位符 2">
-            <a:extLst>
-              <a:ext uri="{FF2B5EF4-FFF2-40B4-BE49-F238E27FC236}">
-                <a16:creationId xmlns:a16="http://schemas.microsoft.com/office/drawing/2014/main" id="{CCDB8567-AEE2-0BBD-C894-59B6F5510127}"/>
-              </a:ext>
-            </a:extLst>
-          </p:cNvPr>
-          <p:cNvSpPr>
-            <a:spLocks noGrp="1"/>
-          </p:cNvSpPr>
-          <p:nvPr>
-            <p:ph idx="1"/>
-          </p:nvPr>
-        </p:nvSpPr>
-        <p:spPr/>
-        <p:txBody>
-          <a:bodyPr>
-            <a:normAutofit fontScale="92500"/>
-          </a:bodyPr>
-          <a:lstStyle/>
-          <a:p>
-            <a:r>
-              <a:rPr lang="zh-CN" altLang="en-US" dirty="0"/>
-              <a:t>三元组数据的概念</a:t>
-            </a:r>
-            <a:endParaRPr lang="en-US" altLang="zh-CN" dirty="0"/>
-          </a:p>
-          <a:p>
-            <a:pPr lvl="1"/>
-            <a:r>
-              <a:rPr lang="zh-CN" altLang="en-US" dirty="0"/>
-              <a:t>数据结构：</a:t>
-            </a:r>
-            <a:r>
-              <a:rPr lang="en-US" altLang="zh-CN" dirty="0"/>
-              <a:t>(</a:t>
-            </a:r>
-            <a:r>
-              <a:rPr lang="zh-CN" altLang="en-US" dirty="0"/>
-              <a:t>主体</a:t>
-            </a:r>
-            <a:r>
-              <a:rPr lang="en-US" altLang="zh-CN" dirty="0"/>
-              <a:t>, </a:t>
-            </a:r>
-            <a:r>
-              <a:rPr lang="zh-CN" altLang="en-US" dirty="0"/>
-              <a:t>谓词</a:t>
-            </a:r>
-            <a:r>
-              <a:rPr lang="en-US" altLang="zh-CN" dirty="0"/>
-              <a:t>, </a:t>
-            </a:r>
-            <a:r>
-              <a:rPr lang="zh-CN" altLang="en-US" dirty="0"/>
-              <a:t>客体</a:t>
-            </a:r>
-            <a:r>
-              <a:rPr lang="en-US" altLang="zh-CN" dirty="0"/>
-              <a:t>) - </a:t>
-            </a:r>
-            <a:r>
-              <a:rPr lang="zh-CN" altLang="en-US" dirty="0"/>
-              <a:t>例如 </a:t>
-            </a:r>
-            <a:r>
-              <a:rPr lang="en-US" altLang="zh-CN" dirty="0"/>
-              <a:t>("BRCA1", "is associated with", "Breast Cancer")</a:t>
-            </a:r>
-          </a:p>
-          <a:p>
-            <a:pPr lvl="1"/>
-            <a:r>
-              <a:rPr lang="zh-CN" altLang="en-US" dirty="0"/>
-              <a:t>三元组的作用：帮助计算机理解和建立数据之间的语义关系</a:t>
-            </a:r>
-            <a:endParaRPr lang="en-US" altLang="zh-CN" dirty="0"/>
-          </a:p>
-          <a:p>
-            <a:r>
-              <a:rPr lang="zh-CN" altLang="en-US" dirty="0"/>
-              <a:t>案例：三元组数据的推理应用</a:t>
-            </a:r>
-            <a:endParaRPr lang="en-US" altLang="zh-CN" dirty="0"/>
-          </a:p>
-          <a:p>
-            <a:pPr lvl="1"/>
-            <a:r>
-              <a:rPr lang="zh-CN" altLang="en-US" dirty="0"/>
-              <a:t>问题：“哪些基因与乳腺癌相关？”</a:t>
-            </a:r>
-            <a:endParaRPr lang="en-US" altLang="zh-CN" dirty="0"/>
-          </a:p>
-          <a:p>
-            <a:pPr lvl="1"/>
-            <a:r>
-              <a:rPr lang="zh-CN" altLang="en-US" dirty="0"/>
-              <a:t>三元组数据的存储：</a:t>
-            </a:r>
-            <a:endParaRPr lang="en-US" altLang="zh-CN" dirty="0"/>
-          </a:p>
-          <a:p>
-            <a:pPr lvl="2"/>
-            <a:r>
-              <a:rPr lang="en-US" altLang="zh-CN" dirty="0"/>
-              <a:t>("BRCA1", "is associated with", "Breast Cancer")</a:t>
-            </a:r>
-          </a:p>
-          <a:p>
-            <a:pPr lvl="2"/>
-            <a:r>
-              <a:rPr lang="en-US" altLang="zh-CN" dirty="0"/>
-              <a:t>("BRCA2", "is associated with", "Breast Cancer")</a:t>
-            </a:r>
-          </a:p>
-          <a:p>
-            <a:pPr lvl="2"/>
-            <a:r>
-              <a:rPr lang="en-US" altLang="zh-CN" dirty="0"/>
-              <a:t>("TP53", "is associated with", "Cancer")</a:t>
-            </a:r>
-          </a:p>
-          <a:p>
-            <a:pPr lvl="1"/>
-            <a:r>
-              <a:rPr lang="zh-CN" altLang="en-US" dirty="0"/>
-              <a:t>推理过程：</a:t>
-            </a:r>
-            <a:endParaRPr lang="en-US" altLang="zh-CN" dirty="0"/>
-          </a:p>
-          <a:p>
-            <a:pPr lvl="2"/>
-            <a:r>
-              <a:rPr lang="zh-CN" altLang="en-US" dirty="0"/>
-              <a:t>通过语义搜索，系统可以从现有的三元组推理出与“乳腺癌”相关的所有基因（如</a:t>
-            </a:r>
-            <a:r>
-              <a:rPr lang="en-US" altLang="zh-CN" dirty="0"/>
-              <a:t>BRCA1</a:t>
-            </a:r>
-            <a:r>
-              <a:rPr lang="zh-CN" altLang="en-US" dirty="0"/>
-              <a:t>和</a:t>
-            </a:r>
-            <a:r>
-              <a:rPr lang="en-US" altLang="zh-CN" dirty="0"/>
-              <a:t>BRCA2</a:t>
-            </a:r>
-            <a:r>
-              <a:rPr lang="zh-CN" altLang="en-US" dirty="0"/>
-              <a:t>）</a:t>
-            </a:r>
-            <a:endParaRPr lang="en-US" altLang="zh-CN" dirty="0"/>
-          </a:p>
-          <a:p>
-            <a:pPr lvl="2"/>
-            <a:r>
-              <a:rPr lang="zh-CN" altLang="en-US" dirty="0"/>
-              <a:t>通过语义扩展，根据“乳腺癌”和“癌症”的关系，自动推导并进一步挖掘“癌症”相关的其他基因（如</a:t>
-            </a:r>
-            <a:r>
-              <a:rPr lang="en-US" altLang="zh-CN" dirty="0"/>
-              <a:t>TP53</a:t>
-            </a:r>
-            <a:r>
-              <a:rPr lang="zh-CN" altLang="en-US" dirty="0"/>
-              <a:t>）</a:t>
-            </a:r>
-            <a:endParaRPr lang="en-US" altLang="zh-CN" dirty="0"/>
-          </a:p>
-        </p:txBody>
-      </p:sp>
-      <p:sp>
-        <p:nvSpPr>
-          <p:cNvPr id="4" name="灯片编号占位符 3">
-            <a:extLst>
-              <a:ext uri="{FF2B5EF4-FFF2-40B4-BE49-F238E27FC236}">
-                <a16:creationId xmlns:a16="http://schemas.microsoft.com/office/drawing/2014/main" id="{4B62AE78-02A1-5CD9-B8C0-5278CB5EB98C}"/>
-              </a:ext>
-            </a:extLst>
-          </p:cNvPr>
-          <p:cNvSpPr>
-            <a:spLocks noGrp="1"/>
-          </p:cNvSpPr>
-          <p:nvPr>
-            <p:ph type="sldNum" sz="quarter" idx="12"/>
-          </p:nvPr>
-        </p:nvSpPr>
-        <p:spPr/>
-        <p:txBody>
-          <a:bodyPr/>
-          <a:lstStyle/>
-          <a:p>
-            <a:fld id="{27CE633F-9882-4A5C-83A2-1109D0C73261}" type="slidenum">
-              <a:rPr lang="en-US" smtClean="0"/>
-              <a:t>12</a:t>
-            </a:fld>
-            <a:endParaRPr lang="en-US"/>
-          </a:p>
-        </p:txBody>
-      </p:sp>
-    </p:spTree>
-    <p:extLst>
-      <p:ext uri="{BB962C8B-B14F-4D97-AF65-F5344CB8AC3E}">
-        <p14:creationId xmlns:p14="http://schemas.microsoft.com/office/powerpoint/2010/main" val="869747880"/>
-      </p:ext>
-    </p:extLst>
-  </p:cSld>
-  <p:clrMapOvr>
-    <a:masterClrMapping/>
-  </p:clrMapOvr>
-</p:sld>
-</file>
-
 <file path=ppt/slides/slide13.xml><?xml version="1.0" encoding="utf-8"?>
 <p:sld xmlns:a="http://schemas.openxmlformats.org/drawingml/2006/main" xmlns:r="http://schemas.openxmlformats.org/officeDocument/2006/relationships" xmlns:p="http://schemas.openxmlformats.org/presentationml/2006/main">
   <p:cSld>
@@ -6962,7 +7432,7 @@
           <p:cNvPr id="2" name="标题 1">
             <a:extLst>
               <a:ext uri="{FF2B5EF4-FFF2-40B4-BE49-F238E27FC236}">
-                <a16:creationId xmlns:a16="http://schemas.microsoft.com/office/drawing/2014/main" id="{6CEF9B7C-C154-7B84-B031-BC3373A8184A}"/>
+                <a16:creationId xmlns:a16="http://schemas.microsoft.com/office/drawing/2014/main" id="{20D6535E-1608-530C-830B-22CD63AAE4DE}"/>
               </a:ext>
             </a:extLst>
           </p:cNvPr>
@@ -6982,167 +7452,183 @@
           <a:p>
             <a:r>
               <a:rPr lang="zh-CN" altLang="en-US" dirty="0"/>
-              <a:t>使用现代</a:t>
+              <a:t>基于语义的搜索方法与三元组推理</a:t>
+            </a:r>
+          </a:p>
+        </p:txBody>
+      </p:sp>
+      <p:sp>
+        <p:nvSpPr>
+          <p:cNvPr id="3" name="内容占位符 2">
+            <a:extLst>
+              <a:ext uri="{FF2B5EF4-FFF2-40B4-BE49-F238E27FC236}">
+                <a16:creationId xmlns:a16="http://schemas.microsoft.com/office/drawing/2014/main" id="{CCDB8567-AEE2-0BBD-C894-59B6F5510127}"/>
+              </a:ext>
+            </a:extLst>
+          </p:cNvPr>
+          <p:cNvSpPr>
+            <a:spLocks noGrp="1"/>
+          </p:cNvSpPr>
+          <p:nvPr>
+            <p:ph idx="1"/>
+          </p:nvPr>
+        </p:nvSpPr>
+        <p:spPr/>
+        <p:txBody>
+          <a:bodyPr>
+            <a:normAutofit fontScale="92500"/>
+          </a:bodyPr>
+          <a:lstStyle/>
+          <a:p>
+            <a:r>
+              <a:rPr lang="zh-CN" altLang="en-US" dirty="0"/>
+              <a:t>三元组数据的概念</a:t>
+            </a:r>
+            <a:endParaRPr lang="en-US" altLang="zh-CN" dirty="0"/>
+          </a:p>
+          <a:p>
+            <a:pPr lvl="1"/>
+            <a:r>
+              <a:rPr lang="zh-CN" altLang="en-US" dirty="0"/>
+              <a:t>数据结构：</a:t>
             </a:r>
             <a:r>
               <a:rPr lang="en-US" altLang="zh-CN" dirty="0"/>
-              <a:t>AI</a:t>
-            </a:r>
-            <a:r>
-              <a:rPr lang="zh-CN" altLang="en-US" dirty="0"/>
-              <a:t>工具进行基于语义的搜索</a:t>
-            </a:r>
-          </a:p>
-        </p:txBody>
-      </p:sp>
-      <p:sp>
-        <p:nvSpPr>
-          <p:cNvPr id="3" name="内容占位符 2">
-            <a:extLst>
-              <a:ext uri="{FF2B5EF4-FFF2-40B4-BE49-F238E27FC236}">
-                <a16:creationId xmlns:a16="http://schemas.microsoft.com/office/drawing/2014/main" id="{AD5BF558-1067-BFA9-33F3-71E978A22571}"/>
-              </a:ext>
-            </a:extLst>
-          </p:cNvPr>
-          <p:cNvSpPr>
-            <a:spLocks noGrp="1"/>
-          </p:cNvSpPr>
-          <p:nvPr>
-            <p:ph idx="1"/>
-          </p:nvPr>
-        </p:nvSpPr>
-        <p:spPr/>
-        <p:txBody>
-          <a:bodyPr/>
-          <a:lstStyle/>
-          <a:p>
-            <a:r>
-              <a:rPr lang="zh-CN" altLang="en-US" dirty="0"/>
-              <a:t>现代</a:t>
+              <a:t>(</a:t>
+            </a:r>
+            <a:r>
+              <a:rPr lang="zh-CN" altLang="en-US" dirty="0"/>
+              <a:t>主体</a:t>
             </a:r>
             <a:r>
               <a:rPr lang="en-US" altLang="zh-CN" dirty="0"/>
-              <a:t>AI</a:t>
-            </a:r>
-            <a:r>
-              <a:rPr lang="zh-CN" altLang="en-US" dirty="0"/>
-              <a:t>工具的简介</a:t>
+              <a:t>, </a:t>
+            </a:r>
+            <a:r>
+              <a:rPr lang="zh-CN" altLang="en-US" dirty="0"/>
+              <a:t>谓词</a:t>
+            </a:r>
+            <a:r>
+              <a:rPr lang="en-US" altLang="zh-CN" dirty="0"/>
+              <a:t>, </a:t>
+            </a:r>
+            <a:r>
+              <a:rPr lang="zh-CN" altLang="en-US" dirty="0"/>
+              <a:t>客体</a:t>
+            </a:r>
+            <a:r>
+              <a:rPr lang="en-US" altLang="zh-CN" dirty="0"/>
+              <a:t>) - </a:t>
+            </a:r>
+            <a:r>
+              <a:rPr lang="zh-CN" altLang="en-US" dirty="0"/>
+              <a:t>例如 </a:t>
+            </a:r>
+            <a:r>
+              <a:rPr lang="en-US" altLang="zh-CN" dirty="0"/>
+              <a:t>("BRCA1", "is associated with", "Breast Cancer")</a:t>
+            </a:r>
+          </a:p>
+          <a:p>
+            <a:pPr lvl="1"/>
+            <a:r>
+              <a:rPr lang="zh-CN" altLang="en-US" dirty="0"/>
+              <a:t>三元组的作用：帮助计算机理解和建立数据之间的语义关系</a:t>
             </a:r>
             <a:endParaRPr lang="en-US" altLang="zh-CN" dirty="0"/>
           </a:p>
           <a:p>
+            <a:r>
+              <a:rPr lang="zh-CN" altLang="en-US" dirty="0"/>
+              <a:t>案例：三元组数据的推理应用</a:t>
+            </a:r>
+            <a:endParaRPr lang="en-US" altLang="zh-CN" dirty="0"/>
+          </a:p>
+          <a:p>
             <a:pPr lvl="1"/>
             <a:r>
+              <a:rPr lang="zh-CN" altLang="en-US" dirty="0"/>
+              <a:t>问题：“哪些基因与乳腺癌相关？”</a:t>
+            </a:r>
+            <a:endParaRPr lang="en-US" altLang="zh-CN" dirty="0"/>
+          </a:p>
+          <a:p>
+            <a:pPr lvl="1"/>
+            <a:r>
+              <a:rPr lang="zh-CN" altLang="en-US" dirty="0"/>
+              <a:t>三元组数据的存储：</a:t>
+            </a:r>
+            <a:endParaRPr lang="en-US" altLang="zh-CN" dirty="0"/>
+          </a:p>
+          <a:p>
+            <a:pPr lvl="2"/>
+            <a:r>
               <a:rPr lang="en-US" altLang="zh-CN" dirty="0"/>
-              <a:t>GPT</a:t>
-            </a:r>
-            <a:r>
-              <a:rPr lang="zh-CN" altLang="en-US" dirty="0"/>
-              <a:t>（如</a:t>
-            </a:r>
+              <a:t>("BRCA1", "is associated with", "Breast Cancer")</a:t>
+            </a:r>
+          </a:p>
+          <a:p>
+            <a:pPr lvl="2"/>
             <a:r>
               <a:rPr lang="en-US" altLang="zh-CN" dirty="0"/>
-              <a:t>ChatGPT</a:t>
-            </a:r>
-            <a:r>
-              <a:rPr lang="zh-CN" altLang="en-US" dirty="0"/>
-              <a:t>）：基于大规模语言模型的对话工具，能够回答复杂的自然语言问题，提供综合性的信息</a:t>
+              <a:t>("BRCA2", "is associated with", "Breast Cancer")</a:t>
+            </a:r>
+          </a:p>
+          <a:p>
+            <a:pPr lvl="2"/>
+            <a:r>
+              <a:rPr lang="en-US" altLang="zh-CN" dirty="0"/>
+              <a:t>("TP53", "is associated with", "Cancer")</a:t>
+            </a:r>
+          </a:p>
+          <a:p>
+            <a:pPr lvl="1"/>
+            <a:r>
+              <a:rPr lang="zh-CN" altLang="en-US" dirty="0"/>
+              <a:t>推理过程：</a:t>
             </a:r>
             <a:endParaRPr lang="en-US" altLang="zh-CN" dirty="0"/>
           </a:p>
           <a:p>
-            <a:pPr lvl="1"/>
+            <a:pPr lvl="2"/>
+            <a:r>
+              <a:rPr lang="zh-CN" altLang="en-US" dirty="0"/>
+              <a:t>通过语义搜索，系统可以从现有的三元组推理出与“乳腺癌”相关的所有基因（如</a:t>
+            </a:r>
             <a:r>
               <a:rPr lang="en-US" altLang="zh-CN" dirty="0"/>
-              <a:t>kimi.ai</a:t>
-            </a:r>
-            <a:r>
-              <a:rPr lang="zh-CN" altLang="en-US" dirty="0"/>
-              <a:t>：一个智能助手平台，支持多种语言对话和日常问题解答，适合用于常规信息查询和快速解答简单问题</a:t>
+              <a:t>BRCA1</a:t>
+            </a:r>
+            <a:r>
+              <a:rPr lang="zh-CN" altLang="en-US" dirty="0"/>
+              <a:t>和</a:t>
+            </a:r>
+            <a:r>
+              <a:rPr lang="en-US" altLang="zh-CN" dirty="0"/>
+              <a:t>BRCA2</a:t>
+            </a:r>
+            <a:r>
+              <a:rPr lang="zh-CN" altLang="en-US" dirty="0"/>
+              <a:t>）</a:t>
             </a:r>
             <a:endParaRPr lang="en-US" altLang="zh-CN" dirty="0"/>
           </a:p>
           <a:p>
-            <a:pPr lvl="1"/>
-            <a:r>
-              <a:rPr lang="zh-CN" altLang="en-US" dirty="0"/>
-              <a:t>秘塔（</a:t>
+            <a:pPr lvl="2"/>
+            <a:r>
+              <a:rPr lang="zh-CN" altLang="en-US" dirty="0"/>
+              <a:t>通过语义扩展，根据“乳腺癌”和“癌症”的关系，自动推导并进一步挖掘“癌症”相关的其他基因（如</a:t>
             </a:r>
             <a:r>
               <a:rPr lang="en-US" altLang="zh-CN" dirty="0"/>
-              <a:t>Meta</a:t>
-            </a:r>
-            <a:r>
-              <a:rPr lang="zh-CN" altLang="en-US" dirty="0"/>
-              <a:t>）：专为科学研究设计的语义搜索引擎，提供领域特定的文献、数据分析和研究方向建议</a:t>
+              <a:t>TP53</a:t>
+            </a:r>
+            <a:r>
+              <a:rPr lang="zh-CN" altLang="en-US" dirty="0"/>
+              <a:t>）</a:t>
             </a:r>
             <a:endParaRPr lang="en-US" altLang="zh-CN" dirty="0"/>
           </a:p>
-          <a:p>
-            <a:r>
-              <a:rPr lang="en-US" altLang="zh-CN" dirty="0"/>
-              <a:t>AI</a:t>
-            </a:r>
-            <a:r>
-              <a:rPr lang="zh-CN" altLang="en-US" dirty="0"/>
-              <a:t>工具使用的示例演示</a:t>
-            </a:r>
-            <a:endParaRPr lang="en-US" altLang="zh-CN" dirty="0"/>
-          </a:p>
-          <a:p>
-            <a:r>
-              <a:rPr lang="zh-CN" altLang="en-US" dirty="0"/>
-              <a:t>核实搜索结果的重要性</a:t>
-            </a:r>
-            <a:endParaRPr lang="en-US" altLang="zh-CN" dirty="0"/>
-          </a:p>
-          <a:p>
-            <a:pPr lvl="1"/>
-            <a:r>
-              <a:rPr lang="zh-CN" altLang="en-US" dirty="0"/>
-              <a:t>提示：</a:t>
-            </a:r>
-            <a:r>
-              <a:rPr lang="en-US" altLang="zh-CN" dirty="0"/>
-              <a:t>AI</a:t>
-            </a:r>
-            <a:r>
-              <a:rPr lang="zh-CN" altLang="en-US" dirty="0"/>
-              <a:t>工具的结果可能存在偏差或错误，需要多角度验证</a:t>
-            </a:r>
-            <a:endParaRPr lang="en-US" altLang="zh-CN" dirty="0"/>
-          </a:p>
-          <a:p>
-            <a:pPr lvl="1"/>
-            <a:r>
-              <a:rPr lang="zh-CN" altLang="en-US" dirty="0"/>
-              <a:t>验证步骤：检查引用来源，确认其权威性和准确性；使用其他工具和数据库（如</a:t>
-            </a:r>
-            <a:r>
-              <a:rPr lang="en-US" altLang="zh-CN" dirty="0"/>
-              <a:t>NCBI</a:t>
-            </a:r>
-            <a:r>
-              <a:rPr lang="zh-CN" altLang="en-US" dirty="0"/>
-              <a:t>、</a:t>
-            </a:r>
-            <a:r>
-              <a:rPr lang="en-US" altLang="zh-CN" dirty="0" err="1"/>
-              <a:t>GeneCards</a:t>
-            </a:r>
-            <a:r>
-              <a:rPr lang="zh-CN" altLang="en-US" dirty="0"/>
-              <a:t>、</a:t>
-            </a:r>
-            <a:r>
-              <a:rPr lang="en-US" altLang="zh-CN" dirty="0"/>
-              <a:t>PubMed</a:t>
-            </a:r>
-            <a:r>
-              <a:rPr lang="zh-CN" altLang="en-US" dirty="0"/>
-              <a:t>）进行交叉验证</a:t>
-            </a:r>
-          </a:p>
         </p:txBody>
       </p:sp>
       <p:sp>
@@ -7150,7 +7636,7 @@
           <p:cNvPr id="4" name="灯片编号占位符 3">
             <a:extLst>
               <a:ext uri="{FF2B5EF4-FFF2-40B4-BE49-F238E27FC236}">
-                <a16:creationId xmlns:a16="http://schemas.microsoft.com/office/drawing/2014/main" id="{2A5950FC-125E-A5BE-8248-6CF170AFB86A}"/>
+                <a16:creationId xmlns:a16="http://schemas.microsoft.com/office/drawing/2014/main" id="{4B62AE78-02A1-5CD9-B8C0-5278CB5EB98C}"/>
               </a:ext>
             </a:extLst>
           </p:cNvPr>
@@ -7177,7 +7663,7 @@
     </p:spTree>
     <p:extLst>
       <p:ext uri="{BB962C8B-B14F-4D97-AF65-F5344CB8AC3E}">
-        <p14:creationId xmlns:p14="http://schemas.microsoft.com/office/powerpoint/2010/main" val="3496196547"/>
+        <p14:creationId xmlns:p14="http://schemas.microsoft.com/office/powerpoint/2010/main" val="869747880"/>
       </p:ext>
     </p:extLst>
   </p:cSld>
@@ -7209,7 +7695,7 @@
           <p:cNvPr id="2" name="标题 1">
             <a:extLst>
               <a:ext uri="{FF2B5EF4-FFF2-40B4-BE49-F238E27FC236}">
-                <a16:creationId xmlns:a16="http://schemas.microsoft.com/office/drawing/2014/main" id="{D55C6A37-5E6E-BC49-C7C2-CD96E89D491D}"/>
+                <a16:creationId xmlns:a16="http://schemas.microsoft.com/office/drawing/2014/main" id="{6CEF9B7C-C154-7B84-B031-BC3373A8184A}"/>
               </a:ext>
             </a:extLst>
           </p:cNvPr>
@@ -7237,7 +7723,7 @@
             </a:r>
             <a:r>
               <a:rPr lang="zh-CN" altLang="en-US" dirty="0"/>
-              <a:t>工具帮助进行科研探索</a:t>
+              <a:t>工具进行基于语义的搜索</a:t>
             </a:r>
           </a:p>
         </p:txBody>
@@ -7247,7 +7733,7 @@
           <p:cNvPr id="3" name="内容占位符 2">
             <a:extLst>
               <a:ext uri="{FF2B5EF4-FFF2-40B4-BE49-F238E27FC236}">
-                <a16:creationId xmlns:a16="http://schemas.microsoft.com/office/drawing/2014/main" id="{CD33307A-01CD-4E7F-255E-54FC68B23CB7}"/>
+                <a16:creationId xmlns:a16="http://schemas.microsoft.com/office/drawing/2014/main" id="{AD5BF558-1067-BFA9-33F3-71E978A22571}"/>
               </a:ext>
             </a:extLst>
           </p:cNvPr>
@@ -7260,14 +7746,20 @@
         </p:nvSpPr>
         <p:spPr/>
         <p:txBody>
-          <a:bodyPr>
-            <a:normAutofit/>
-          </a:bodyPr>
+          <a:bodyPr/>
           <a:lstStyle/>
           <a:p>
             <a:r>
               <a:rPr lang="zh-CN" altLang="en-US" dirty="0"/>
-              <a:t>科研平台工具简介</a:t>
+              <a:t>现代</a:t>
+            </a:r>
+            <a:r>
+              <a:rPr lang="en-US" altLang="zh-CN" dirty="0"/>
+              <a:t>AI</a:t>
+            </a:r>
+            <a:r>
+              <a:rPr lang="zh-CN" altLang="en-US" dirty="0"/>
+              <a:t>工具的简介</a:t>
             </a:r>
             <a:endParaRPr lang="en-US" altLang="zh-CN" dirty="0"/>
           </a:p>
@@ -7275,61 +7767,114 @@
             <a:pPr lvl="1"/>
             <a:r>
               <a:rPr lang="en-US" altLang="zh-CN" dirty="0"/>
-              <a:t>Lumina.sh</a:t>
-            </a:r>
-            <a:r>
-              <a:rPr lang="zh-CN" altLang="en-US" dirty="0"/>
-              <a:t>：</a:t>
+              <a:t>GPT</a:t>
+            </a:r>
+            <a:r>
+              <a:rPr lang="zh-CN" altLang="en-US" dirty="0"/>
+              <a:t>（如</a:t>
+            </a:r>
+            <a:r>
+              <a:rPr lang="en-US" altLang="zh-CN" dirty="0"/>
+              <a:t>ChatGPT</a:t>
+            </a:r>
+            <a:r>
+              <a:rPr lang="zh-CN" altLang="en-US" dirty="0"/>
+              <a:t>）：基于大规模语言模型的对话工具，能够回答复杂的自然语言问题，提供综合性的信息</a:t>
             </a:r>
             <a:endParaRPr lang="en-US" altLang="zh-CN" dirty="0"/>
           </a:p>
           <a:p>
-            <a:pPr lvl="2"/>
-            <a:r>
-              <a:rPr lang="zh-CN" altLang="en-US" dirty="0"/>
-              <a:t>一个整合了多种科学研究工具和资源的平台</a:t>
+            <a:pPr lvl="1"/>
+            <a:r>
+              <a:rPr lang="en-US" altLang="zh-CN" dirty="0"/>
+              <a:t>kimi.ai</a:t>
+            </a:r>
+            <a:r>
+              <a:rPr lang="zh-CN" altLang="en-US" dirty="0"/>
+              <a:t>：一个智能助手平台，支持多种语言对话和日常问题解答，适合用于常规信息查询和快速解答简单问题</a:t>
             </a:r>
             <a:endParaRPr lang="en-US" altLang="zh-CN" dirty="0"/>
           </a:p>
           <a:p>
-            <a:pPr lvl="2"/>
-            <a:r>
-              <a:rPr lang="zh-CN" altLang="en-US" dirty="0"/>
-              <a:t>功能：帮助研究者探索科学问题、查找数据集和分析科学文献</a:t>
+            <a:pPr lvl="1"/>
+            <a:r>
+              <a:rPr lang="zh-CN" altLang="en-US" dirty="0"/>
+              <a:t>秘塔（</a:t>
+            </a:r>
+            <a:r>
+              <a:rPr lang="en-US" altLang="zh-CN" dirty="0"/>
+              <a:t>Meta</a:t>
+            </a:r>
+            <a:r>
+              <a:rPr lang="zh-CN" altLang="en-US" dirty="0"/>
+              <a:t>）：专为科学研究设计的语义搜索引擎，提供领域特定的文献、数据分析和研究方向建议</a:t>
             </a:r>
             <a:endParaRPr lang="en-US" altLang="zh-CN" dirty="0"/>
           </a:p>
           <a:p>
+            <a:r>
+              <a:rPr lang="en-US" altLang="zh-CN" dirty="0"/>
+              <a:t>AI</a:t>
+            </a:r>
+            <a:r>
+              <a:rPr lang="zh-CN" altLang="en-US" dirty="0"/>
+              <a:t>工具使用的示例演示</a:t>
+            </a:r>
+            <a:endParaRPr lang="en-US" altLang="zh-CN" dirty="0"/>
+          </a:p>
+          <a:p>
+            <a:r>
+              <a:rPr lang="zh-CN" altLang="en-US" dirty="0"/>
+              <a:t>核实搜索结果的重要性</a:t>
+            </a:r>
+            <a:endParaRPr lang="en-US" altLang="zh-CN" dirty="0"/>
+          </a:p>
+          <a:p>
             <a:pPr lvl="1"/>
             <a:r>
               <a:rPr lang="zh-CN" altLang="en-US" dirty="0"/>
-              <a:t>星火科研助手（科大讯飞）：</a:t>
+              <a:t>提示：</a:t>
+            </a:r>
+            <a:r>
+              <a:rPr lang="en-US" altLang="zh-CN" dirty="0"/>
+              <a:t>AI</a:t>
+            </a:r>
+            <a:r>
+              <a:rPr lang="zh-CN" altLang="en-US" dirty="0"/>
+              <a:t>工具的结果可能存在偏差或错误，需要多角度验证</a:t>
             </a:r>
             <a:endParaRPr lang="en-US" altLang="zh-CN" dirty="0"/>
           </a:p>
           <a:p>
-            <a:pPr lvl="2"/>
-            <a:r>
-              <a:rPr lang="zh-CN" altLang="en-US" dirty="0"/>
-              <a:t>利用自然语言处理（</a:t>
+            <a:pPr lvl="1"/>
+            <a:r>
+              <a:rPr lang="zh-CN" altLang="en-US" dirty="0"/>
+              <a:t>验证步骤：检查引用来源，确认其权威性和准确性；使用其他工具和数据库（如</a:t>
             </a:r>
             <a:r>
               <a:rPr lang="en-US" altLang="zh-CN" dirty="0"/>
-              <a:t>NLP</a:t>
-            </a:r>
-            <a:r>
-              <a:rPr lang="zh-CN" altLang="en-US" dirty="0"/>
-              <a:t>）技术的文献分析平台</a:t>
-            </a:r>
-            <a:endParaRPr lang="en-US" altLang="zh-CN" dirty="0"/>
-          </a:p>
-          <a:p>
-            <a:pPr lvl="2"/>
-            <a:r>
-              <a:rPr lang="zh-CN" altLang="en-US" dirty="0"/>
-              <a:t>功能：进行语义分析和快速提取文献中的关键信息</a:t>
-            </a:r>
-            <a:endParaRPr lang="en-US" altLang="zh-CN" dirty="0"/>
+              <a:t>NCBI</a:t>
+            </a:r>
+            <a:r>
+              <a:rPr lang="zh-CN" altLang="en-US" dirty="0"/>
+              <a:t>、</a:t>
+            </a:r>
+            <a:r>
+              <a:rPr lang="en-US" altLang="zh-CN" dirty="0" err="1"/>
+              <a:t>GeneCards</a:t>
+            </a:r>
+            <a:r>
+              <a:rPr lang="zh-CN" altLang="en-US" dirty="0"/>
+              <a:t>、</a:t>
+            </a:r>
+            <a:r>
+              <a:rPr lang="en-US" altLang="zh-CN" dirty="0"/>
+              <a:t>PubMed</a:t>
+            </a:r>
+            <a:r>
+              <a:rPr lang="zh-CN" altLang="en-US" dirty="0"/>
+              <a:t>）进行交叉验证</a:t>
+            </a:r>
           </a:p>
         </p:txBody>
       </p:sp>
@@ -7338,7 +7883,7 @@
           <p:cNvPr id="4" name="灯片编号占位符 3">
             <a:extLst>
               <a:ext uri="{FF2B5EF4-FFF2-40B4-BE49-F238E27FC236}">
-                <a16:creationId xmlns:a16="http://schemas.microsoft.com/office/drawing/2014/main" id="{94826002-D5E4-4EE5-C11C-BFC1ED0271E5}"/>
+                <a16:creationId xmlns:a16="http://schemas.microsoft.com/office/drawing/2014/main" id="{2A5950FC-125E-A5BE-8248-6CF170AFB86A}"/>
               </a:ext>
             </a:extLst>
           </p:cNvPr>
@@ -7365,7 +7910,7 @@
     </p:spTree>
     <p:extLst>
       <p:ext uri="{BB962C8B-B14F-4D97-AF65-F5344CB8AC3E}">
-        <p14:creationId xmlns:p14="http://schemas.microsoft.com/office/powerpoint/2010/main" val="489287835"/>
+        <p14:creationId xmlns:p14="http://schemas.microsoft.com/office/powerpoint/2010/main" val="3496196547"/>
       </p:ext>
     </p:extLst>
   </p:cSld>
@@ -7397,7 +7942,7 @@
           <p:cNvPr id="2" name="标题 1">
             <a:extLst>
               <a:ext uri="{FF2B5EF4-FFF2-40B4-BE49-F238E27FC236}">
-                <a16:creationId xmlns:a16="http://schemas.microsoft.com/office/drawing/2014/main" id="{D859CE87-7766-308D-EDC7-197BE0F6AFA9}"/>
+                <a16:creationId xmlns:a16="http://schemas.microsoft.com/office/drawing/2014/main" id="{D55C6A37-5E6E-BC49-C7C2-CD96E89D491D}"/>
               </a:ext>
             </a:extLst>
           </p:cNvPr>
@@ -7417,7 +7962,7 @@
           <a:p>
             <a:r>
               <a:rPr lang="zh-CN" altLang="en-US" dirty="0"/>
-              <a:t>充分发挥现代</a:t>
+              <a:t>使用现代</a:t>
             </a:r>
             <a:r>
               <a:rPr lang="en-US" altLang="zh-CN" dirty="0"/>
@@ -7425,7 +7970,7 @@
             </a:r>
             <a:r>
               <a:rPr lang="zh-CN" altLang="en-US" dirty="0"/>
-              <a:t>工具及能力</a:t>
+              <a:t>工具帮助进行科研探索</a:t>
             </a:r>
           </a:p>
         </p:txBody>
@@ -7435,7 +7980,7 @@
           <p:cNvPr id="3" name="内容占位符 2">
             <a:extLst>
               <a:ext uri="{FF2B5EF4-FFF2-40B4-BE49-F238E27FC236}">
-                <a16:creationId xmlns:a16="http://schemas.microsoft.com/office/drawing/2014/main" id="{DD4DC110-DD2D-DAFC-CBEF-FE3FDCBBC08B}"/>
+                <a16:creationId xmlns:a16="http://schemas.microsoft.com/office/drawing/2014/main" id="{CD33307A-01CD-4E7F-255E-54FC68B23CB7}"/>
               </a:ext>
             </a:extLst>
           </p:cNvPr>
@@ -7448,52 +7993,66 @@
         </p:nvSpPr>
         <p:spPr/>
         <p:txBody>
-          <a:bodyPr/>
+          <a:bodyPr>
+            <a:normAutofit/>
+          </a:bodyPr>
           <a:lstStyle/>
           <a:p>
             <a:r>
               <a:rPr lang="zh-CN" altLang="en-US" dirty="0"/>
-              <a:t>工具案例：</a:t>
+              <a:t>科研平台工具简介</a:t>
             </a:r>
             <a:endParaRPr lang="en-US" altLang="zh-CN" dirty="0"/>
           </a:p>
           <a:p>
             <a:pPr lvl="1"/>
             <a:r>
-              <a:rPr lang="en-US" altLang="zh-CN" dirty="0" err="1"/>
-              <a:t>GPTCelltype</a:t>
-            </a:r>
-            <a:r>
-              <a:rPr lang="zh-CN" altLang="en-US" dirty="0"/>
-              <a:t>（发表在 </a:t>
-            </a:r>
-            <a:r>
               <a:rPr lang="en-US" altLang="zh-CN" dirty="0"/>
-              <a:t>Nature Methods</a:t>
-            </a:r>
-            <a:r>
-              <a:rPr lang="zh-CN" altLang="en-US" dirty="0"/>
-              <a:t>）：</a:t>
+              <a:t>Lumina.sh</a:t>
+            </a:r>
+            <a:r>
+              <a:rPr lang="zh-CN" altLang="en-US" dirty="0"/>
+              <a:t>：</a:t>
             </a:r>
             <a:endParaRPr lang="en-US" altLang="zh-CN" dirty="0"/>
           </a:p>
           <a:p>
             <a:pPr lvl="2"/>
             <a:r>
+              <a:rPr lang="zh-CN" altLang="en-US" dirty="0"/>
+              <a:t>一个整合了多种科学研究工具和资源的平台</a:t>
+            </a:r>
+            <a:endParaRPr lang="en-US" altLang="zh-CN" dirty="0"/>
+          </a:p>
+          <a:p>
+            <a:pPr lvl="2"/>
+            <a:r>
+              <a:rPr lang="zh-CN" altLang="en-US" dirty="0"/>
+              <a:t>功能：帮助研究者探索科学问题、查找数据集和分析科学文献</a:t>
+            </a:r>
+            <a:endParaRPr lang="en-US" altLang="zh-CN" dirty="0"/>
+          </a:p>
+          <a:p>
+            <a:pPr lvl="1"/>
+            <a:r>
+              <a:rPr lang="zh-CN" altLang="en-US" dirty="0"/>
+              <a:t>星火科研助手（科大讯飞）：</a:t>
+            </a:r>
+            <a:endParaRPr lang="en-US" altLang="zh-CN" dirty="0"/>
+          </a:p>
+          <a:p>
+            <a:pPr lvl="2"/>
+            <a:r>
+              <a:rPr lang="zh-CN" altLang="en-US" dirty="0"/>
+              <a:t>利用自然语言处理（</a:t>
+            </a:r>
+            <a:r>
               <a:rPr lang="en-US" altLang="zh-CN" dirty="0"/>
-              <a:t>AI</a:t>
-            </a:r>
-            <a:r>
-              <a:rPr lang="zh-CN" altLang="en-US" dirty="0"/>
-              <a:t>工具，专用于单细胞</a:t>
-            </a:r>
-            <a:r>
-              <a:rPr lang="en-US" altLang="zh-CN" dirty="0"/>
-              <a:t>RNA</a:t>
-            </a:r>
-            <a:r>
-              <a:rPr lang="zh-CN" altLang="en-US" dirty="0"/>
-              <a:t>测序数据分析</a:t>
+              <a:t>NLP</a:t>
+            </a:r>
+            <a:r>
+              <a:rPr lang="zh-CN" altLang="en-US" dirty="0"/>
+              <a:t>）技术的文献分析平台</a:t>
             </a:r>
             <a:endParaRPr lang="en-US" altLang="zh-CN" dirty="0"/>
           </a:p>
@@ -7501,117 +8060,10 @@
             <a:pPr lvl="2"/>
             <a:r>
               <a:rPr lang="zh-CN" altLang="en-US" dirty="0"/>
-              <a:t>功能：利用</a:t>
-            </a:r>
-            <a:r>
-              <a:rPr lang="en-US" altLang="zh-CN" dirty="0"/>
-              <a:t>GPT</a:t>
-            </a:r>
-            <a:r>
-              <a:rPr lang="zh-CN" altLang="en-US" dirty="0"/>
-              <a:t>模型识别和注释特定细胞类型</a:t>
+              <a:t>功能：进行语义分析和快速提取文献中的关键信息</a:t>
             </a:r>
             <a:endParaRPr lang="en-US" altLang="zh-CN" dirty="0"/>
           </a:p>
-          <a:p>
-            <a:pPr lvl="2"/>
-            <a:r>
-              <a:rPr lang="zh-CN" altLang="en-US" dirty="0"/>
-              <a:t>代码：</a:t>
-            </a:r>
-            <a:r>
-              <a:rPr lang="en-US" altLang="zh-CN" dirty="0">
-                <a:hlinkClick r:id="rId2"/>
-              </a:rPr>
-              <a:t>https://github.com/Winnie09/GPTCelltype</a:t>
-            </a:r>
-            <a:endParaRPr lang="en-US" altLang="zh-CN" dirty="0"/>
-          </a:p>
-          <a:p>
-            <a:r>
-              <a:rPr lang="zh-CN" altLang="en-US" dirty="0"/>
-              <a:t>文献跟踪及辅助阅读：</a:t>
-            </a:r>
-            <a:endParaRPr lang="en-US" altLang="zh-CN" dirty="0"/>
-          </a:p>
-          <a:p>
-            <a:pPr lvl="1"/>
-            <a:r>
-              <a:rPr lang="zh-CN" altLang="en-US" i="0" dirty="0">
-                <a:solidFill>
-                  <a:srgbClr val="212529"/>
-                </a:solidFill>
-                <a:effectLst/>
-              </a:rPr>
-              <a:t>单细胞与空转测序相关文章 </a:t>
-            </a:r>
-            <a:r>
-              <a:rPr lang="en-US" altLang="zh-CN" i="0" dirty="0">
-                <a:solidFill>
-                  <a:srgbClr val="212529"/>
-                </a:solidFill>
-                <a:effectLst/>
-              </a:rPr>
-              <a:t>- </a:t>
-            </a:r>
-            <a:r>
-              <a:rPr lang="en-US" altLang="zh-CN" i="0" dirty="0">
-                <a:solidFill>
-                  <a:srgbClr val="212529"/>
-                </a:solidFill>
-                <a:effectLst/>
-                <a:hlinkClick r:id="rId3"/>
-              </a:rPr>
-              <a:t>https://single-cell-papers.bioinfo-assist.com/</a:t>
-            </a:r>
-            <a:endParaRPr lang="en-US" altLang="zh-CN" i="0" dirty="0">
-              <a:solidFill>
-                <a:srgbClr val="212529"/>
-              </a:solidFill>
-              <a:effectLst/>
-            </a:endParaRPr>
-          </a:p>
-          <a:p>
-            <a:pPr lvl="1"/>
-            <a:r>
-              <a:rPr lang="zh-CN" altLang="en-US" i="0" dirty="0">
-                <a:solidFill>
-                  <a:srgbClr val="212529"/>
-                </a:solidFill>
-                <a:effectLst/>
-              </a:rPr>
-              <a:t>深度学习在生物医药领域中的应用 </a:t>
-            </a:r>
-            <a:r>
-              <a:rPr lang="en-US" altLang="zh-CN" i="0" dirty="0">
-                <a:solidFill>
-                  <a:srgbClr val="212529"/>
-                </a:solidFill>
-                <a:effectLst/>
-              </a:rPr>
-              <a:t>- </a:t>
-            </a:r>
-            <a:r>
-              <a:rPr lang="en-US" altLang="zh-CN" i="0" dirty="0">
-                <a:solidFill>
-                  <a:srgbClr val="212529"/>
-                </a:solidFill>
-                <a:effectLst/>
-                <a:hlinkClick r:id="rId4"/>
-              </a:rPr>
-              <a:t>https://biomed-dl.bioinfo-assist.com/</a:t>
-            </a:r>
-            <a:endParaRPr lang="zh-CN" altLang="en-US" i="0" dirty="0">
-              <a:solidFill>
-                <a:srgbClr val="212529"/>
-              </a:solidFill>
-              <a:effectLst/>
-            </a:endParaRPr>
-          </a:p>
-          <a:p>
-            <a:pPr lvl="1"/>
-            <a:endParaRPr lang="zh-CN" altLang="en-US" dirty="0"/>
-          </a:p>
         </p:txBody>
       </p:sp>
       <p:sp>
@@ -7619,7 +8071,7 @@
           <p:cNvPr id="4" name="灯片编号占位符 3">
             <a:extLst>
               <a:ext uri="{FF2B5EF4-FFF2-40B4-BE49-F238E27FC236}">
-                <a16:creationId xmlns:a16="http://schemas.microsoft.com/office/drawing/2014/main" id="{30643477-6374-3489-9581-E2222886119F}"/>
+                <a16:creationId xmlns:a16="http://schemas.microsoft.com/office/drawing/2014/main" id="{94826002-D5E4-4EE5-C11C-BFC1ED0271E5}"/>
               </a:ext>
             </a:extLst>
           </p:cNvPr>
@@ -7646,7 +8098,7 @@
     </p:spTree>
     <p:extLst>
       <p:ext uri="{BB962C8B-B14F-4D97-AF65-F5344CB8AC3E}">
-        <p14:creationId xmlns:p14="http://schemas.microsoft.com/office/powerpoint/2010/main" val="3930662026"/>
+        <p14:creationId xmlns:p14="http://schemas.microsoft.com/office/powerpoint/2010/main" val="489287835"/>
       </p:ext>
     </p:extLst>
   </p:cSld>
@@ -7678,7 +8130,7 @@
           <p:cNvPr id="2" name="标题 1">
             <a:extLst>
               <a:ext uri="{FF2B5EF4-FFF2-40B4-BE49-F238E27FC236}">
-                <a16:creationId xmlns:a16="http://schemas.microsoft.com/office/drawing/2014/main" id="{690D4C07-8F62-98FC-4A05-F4EDFEC288F6}"/>
+                <a16:creationId xmlns:a16="http://schemas.microsoft.com/office/drawing/2014/main" id="{D859CE87-7766-308D-EDC7-197BE0F6AFA9}"/>
               </a:ext>
             </a:extLst>
           </p:cNvPr>
@@ -7698,7 +8150,15 @@
           <a:p>
             <a:r>
               <a:rPr lang="zh-CN" altLang="en-US" dirty="0"/>
-              <a:t>综合案例：多种信息搜索方法的结合与数据获取</a:t>
+              <a:t>充分发挥现代</a:t>
+            </a:r>
+            <a:r>
+              <a:rPr lang="en-US" altLang="zh-CN" dirty="0"/>
+              <a:t>AI</a:t>
+            </a:r>
+            <a:r>
+              <a:rPr lang="zh-CN" altLang="en-US" dirty="0"/>
+              <a:t>工具及能力</a:t>
             </a:r>
           </a:p>
         </p:txBody>
@@ -7708,7 +8168,7 @@
           <p:cNvPr id="3" name="内容占位符 2">
             <a:extLst>
               <a:ext uri="{FF2B5EF4-FFF2-40B4-BE49-F238E27FC236}">
-                <a16:creationId xmlns:a16="http://schemas.microsoft.com/office/drawing/2014/main" id="{3C912E0D-0C45-FDD8-9CFE-79E56DCA4A84}"/>
+                <a16:creationId xmlns:a16="http://schemas.microsoft.com/office/drawing/2014/main" id="{DD4DC110-DD2D-DAFC-CBEF-FE3FDCBBC08B}"/>
               </a:ext>
             </a:extLst>
           </p:cNvPr>
@@ -7726,80 +8186,160 @@
           <a:p>
             <a:r>
               <a:rPr lang="zh-CN" altLang="en-US" dirty="0"/>
-              <a:t>常见思路：</a:t>
+              <a:t>工具案例：</a:t>
             </a:r>
             <a:endParaRPr lang="en-US" altLang="zh-CN" dirty="0"/>
           </a:p>
           <a:p>
             <a:pPr lvl="1"/>
             <a:r>
-              <a:rPr lang="zh-CN" altLang="en-US" dirty="0"/>
-              <a:t>生信数据挖掘，尝试选择合适的人群（癌种），对比不同表型，找到生物标志物</a:t>
+              <a:rPr lang="en-US" altLang="zh-CN" dirty="0" err="1"/>
+              <a:t>GPTCelltype</a:t>
+            </a:r>
+            <a:r>
+              <a:rPr lang="zh-CN" altLang="en-US" dirty="0"/>
+              <a:t>（发表在 </a:t>
+            </a:r>
+            <a:r>
+              <a:rPr lang="en-US" altLang="zh-CN" dirty="0"/>
+              <a:t>Nature Methods</a:t>
+            </a:r>
+            <a:r>
+              <a:rPr lang="zh-CN" altLang="en-US" dirty="0"/>
+              <a:t>）：</a:t>
             </a:r>
             <a:endParaRPr lang="en-US" altLang="zh-CN" dirty="0"/>
           </a:p>
           <a:p>
+            <a:pPr lvl="2"/>
+            <a:r>
+              <a:rPr lang="en-US" altLang="zh-CN" dirty="0"/>
+              <a:t>AI</a:t>
+            </a:r>
+            <a:r>
+              <a:rPr lang="zh-CN" altLang="en-US" dirty="0"/>
+              <a:t>工具，专用于单细胞</a:t>
+            </a:r>
+            <a:r>
+              <a:rPr lang="en-US" altLang="zh-CN" dirty="0"/>
+              <a:t>RNA</a:t>
+            </a:r>
+            <a:r>
+              <a:rPr lang="zh-CN" altLang="en-US" dirty="0"/>
+              <a:t>测序数据分析</a:t>
+            </a:r>
+            <a:endParaRPr lang="en-US" altLang="zh-CN" dirty="0"/>
+          </a:p>
+          <a:p>
+            <a:pPr lvl="2"/>
+            <a:r>
+              <a:rPr lang="zh-CN" altLang="en-US" dirty="0"/>
+              <a:t>功能：利用</a:t>
+            </a:r>
+            <a:r>
+              <a:rPr lang="en-US" altLang="zh-CN" dirty="0"/>
+              <a:t>GPT</a:t>
+            </a:r>
+            <a:r>
+              <a:rPr lang="zh-CN" altLang="en-US" dirty="0"/>
+              <a:t>模型识别和注释特定细胞类型</a:t>
+            </a:r>
+            <a:endParaRPr lang="en-US" altLang="zh-CN" dirty="0"/>
+          </a:p>
+          <a:p>
+            <a:pPr lvl="2"/>
+            <a:r>
+              <a:rPr lang="zh-CN" altLang="en-US" dirty="0"/>
+              <a:t>代码：</a:t>
+            </a:r>
+            <a:r>
+              <a:rPr lang="en-US" altLang="zh-CN" dirty="0">
+                <a:hlinkClick r:id="rId2"/>
+              </a:rPr>
+              <a:t>https://github.com/Winnie09/GPTCelltype</a:t>
+            </a:r>
+            <a:endParaRPr lang="en-US" altLang="zh-CN" dirty="0"/>
+          </a:p>
+          <a:p>
+            <a:r>
+              <a:rPr lang="zh-CN" altLang="en-US" dirty="0"/>
+              <a:t>文献跟踪及辅助阅读：</a:t>
+            </a:r>
+            <a:endParaRPr lang="en-US" altLang="zh-CN" dirty="0"/>
+          </a:p>
+          <a:p>
             <a:pPr lvl="1"/>
             <a:r>
-              <a:rPr lang="zh-CN" altLang="en-US" dirty="0"/>
-              <a:t>收集相应的人群，检测该生物标志物指标，进行验证</a:t>
-            </a:r>
-            <a:endParaRPr lang="en-US" altLang="zh-CN" dirty="0"/>
-          </a:p>
-          <a:p>
-            <a:r>
-              <a:rPr lang="zh-CN" altLang="en-US" dirty="0"/>
-              <a:t>更一般的思路：</a:t>
-            </a:r>
-            <a:endParaRPr lang="en-US" altLang="zh-CN" dirty="0"/>
+              <a:rPr lang="zh-CN" altLang="en-US" i="0" dirty="0">
+                <a:solidFill>
+                  <a:srgbClr val="212529"/>
+                </a:solidFill>
+                <a:effectLst/>
+              </a:rPr>
+              <a:t>单细胞与空转测序相关文章 </a:t>
+            </a:r>
+            <a:r>
+              <a:rPr lang="en-US" altLang="zh-CN" i="0" dirty="0">
+                <a:solidFill>
+                  <a:srgbClr val="212529"/>
+                </a:solidFill>
+                <a:effectLst/>
+              </a:rPr>
+              <a:t>- </a:t>
+            </a:r>
+            <a:r>
+              <a:rPr lang="en-US" altLang="zh-CN" i="0" dirty="0">
+                <a:solidFill>
+                  <a:srgbClr val="212529"/>
+                </a:solidFill>
+                <a:effectLst/>
+                <a:hlinkClick r:id="rId3"/>
+              </a:rPr>
+              <a:t>https://single-cell-papers.bioinfo-assist.com/</a:t>
+            </a:r>
+            <a:endParaRPr lang="en-US" altLang="zh-CN" i="0" dirty="0">
+              <a:solidFill>
+                <a:srgbClr val="212529"/>
+              </a:solidFill>
+              <a:effectLst/>
+            </a:endParaRPr>
           </a:p>
           <a:p>
             <a:pPr lvl="1"/>
             <a:r>
-              <a:rPr lang="zh-CN" altLang="en-US" dirty="0"/>
-              <a:t>应根据课题研究目的，设计合适的方案</a:t>
-            </a:r>
-            <a:endParaRPr lang="en-US" altLang="zh-CN" dirty="0"/>
-          </a:p>
-          <a:p>
-            <a:pPr lvl="2"/>
-            <a:r>
-              <a:rPr lang="zh-CN" altLang="en-US" dirty="0"/>
-              <a:t>选取什么样本和数据？测哪些指标？做什么分析？</a:t>
-            </a:r>
-            <a:endParaRPr lang="en-US" altLang="zh-CN" dirty="0"/>
-          </a:p>
-          <a:p>
-            <a:pPr lvl="1"/>
-            <a:r>
-              <a:rPr lang="zh-CN" altLang="en-US" dirty="0"/>
-              <a:t>通过（文献和数据库）调研，确定所需数据是否已经存在</a:t>
-            </a:r>
-            <a:endParaRPr lang="en-US" altLang="zh-CN" dirty="0"/>
-          </a:p>
-          <a:p>
-            <a:pPr lvl="2"/>
-            <a:r>
-              <a:rPr lang="zh-CN" altLang="en-US" dirty="0"/>
-              <a:t>若有数据，则直接使用该数据</a:t>
-            </a:r>
-            <a:endParaRPr lang="en-US" altLang="zh-CN" dirty="0"/>
-          </a:p>
-          <a:p>
-            <a:pPr lvl="2"/>
-            <a:r>
-              <a:rPr lang="zh-CN" altLang="en-US" dirty="0"/>
-              <a:t>若无数据，则收集样本，自己产出该数据</a:t>
-            </a:r>
-            <a:endParaRPr lang="en-US" altLang="zh-CN" dirty="0"/>
-          </a:p>
-          <a:p>
-            <a:pPr lvl="1"/>
-            <a:r>
-              <a:rPr lang="zh-CN" altLang="en-US" dirty="0"/>
-              <a:t>综合所有数据进行分析，达成研究目的</a:t>
-            </a:r>
-            <a:endParaRPr lang="en-US" altLang="zh-CN" dirty="0"/>
+              <a:rPr lang="zh-CN" altLang="en-US" i="0" dirty="0">
+                <a:solidFill>
+                  <a:srgbClr val="212529"/>
+                </a:solidFill>
+                <a:effectLst/>
+              </a:rPr>
+              <a:t>深度学习在生物医药领域中的应用 </a:t>
+            </a:r>
+            <a:r>
+              <a:rPr lang="en-US" altLang="zh-CN" i="0" dirty="0">
+                <a:solidFill>
+                  <a:srgbClr val="212529"/>
+                </a:solidFill>
+                <a:effectLst/>
+              </a:rPr>
+              <a:t>- </a:t>
+            </a:r>
+            <a:r>
+              <a:rPr lang="en-US" altLang="zh-CN" i="0" dirty="0">
+                <a:solidFill>
+                  <a:srgbClr val="212529"/>
+                </a:solidFill>
+                <a:effectLst/>
+                <a:hlinkClick r:id="rId4"/>
+              </a:rPr>
+              <a:t>https://biomed-dl.bioinfo-assist.com/</a:t>
+            </a:r>
+            <a:endParaRPr lang="zh-CN" altLang="en-US" i="0" dirty="0">
+              <a:solidFill>
+                <a:srgbClr val="212529"/>
+              </a:solidFill>
+              <a:effectLst/>
+            </a:endParaRPr>
           </a:p>
           <a:p>
             <a:pPr lvl="1"/>
@@ -7812,7 +8352,7 @@
           <p:cNvPr id="4" name="灯片编号占位符 3">
             <a:extLst>
               <a:ext uri="{FF2B5EF4-FFF2-40B4-BE49-F238E27FC236}">
-                <a16:creationId xmlns:a16="http://schemas.microsoft.com/office/drawing/2014/main" id="{17AF2E71-112F-052B-F024-ABBFDE32248D}"/>
+                <a16:creationId xmlns:a16="http://schemas.microsoft.com/office/drawing/2014/main" id="{30643477-6374-3489-9581-E2222886119F}"/>
               </a:ext>
             </a:extLst>
           </p:cNvPr>
@@ -7839,7 +8379,7 @@
     </p:spTree>
     <p:extLst>
       <p:ext uri="{BB962C8B-B14F-4D97-AF65-F5344CB8AC3E}">
-        <p14:creationId xmlns:p14="http://schemas.microsoft.com/office/powerpoint/2010/main" val="3461200785"/>
+        <p14:creationId xmlns:p14="http://schemas.microsoft.com/office/powerpoint/2010/main" val="3930662026"/>
       </p:ext>
     </p:extLst>
   </p:cSld>
@@ -7868,10 +8408,144 @@
       </p:grpSpPr>
       <p:sp>
         <p:nvSpPr>
+          <p:cNvPr id="2" name="标题 1">
+            <a:extLst>
+              <a:ext uri="{FF2B5EF4-FFF2-40B4-BE49-F238E27FC236}">
+                <a16:creationId xmlns:a16="http://schemas.microsoft.com/office/drawing/2014/main" id="{690D4C07-8F62-98FC-4A05-F4EDFEC288F6}"/>
+              </a:ext>
+            </a:extLst>
+          </p:cNvPr>
+          <p:cNvSpPr>
+            <a:spLocks noGrp="1"/>
+          </p:cNvSpPr>
+          <p:nvPr>
+            <p:ph type="title"/>
+          </p:nvPr>
+        </p:nvSpPr>
+        <p:spPr/>
+        <p:txBody>
+          <a:bodyPr>
+            <a:normAutofit fontScale="90000"/>
+          </a:bodyPr>
+          <a:lstStyle/>
+          <a:p>
+            <a:r>
+              <a:rPr lang="zh-CN" altLang="en-US" dirty="0"/>
+              <a:t>综合案例：多种信息搜索方法的结合与数据获取</a:t>
+            </a:r>
+          </a:p>
+        </p:txBody>
+      </p:sp>
+      <p:sp>
+        <p:nvSpPr>
+          <p:cNvPr id="3" name="内容占位符 2">
+            <a:extLst>
+              <a:ext uri="{FF2B5EF4-FFF2-40B4-BE49-F238E27FC236}">
+                <a16:creationId xmlns:a16="http://schemas.microsoft.com/office/drawing/2014/main" id="{3C912E0D-0C45-FDD8-9CFE-79E56DCA4A84}"/>
+              </a:ext>
+            </a:extLst>
+          </p:cNvPr>
+          <p:cNvSpPr>
+            <a:spLocks noGrp="1"/>
+          </p:cNvSpPr>
+          <p:nvPr>
+            <p:ph idx="1"/>
+          </p:nvPr>
+        </p:nvSpPr>
+        <p:spPr/>
+        <p:txBody>
+          <a:bodyPr/>
+          <a:lstStyle/>
+          <a:p>
+            <a:r>
+              <a:rPr lang="zh-CN" altLang="en-US" dirty="0"/>
+              <a:t>常见思路：</a:t>
+            </a:r>
+            <a:endParaRPr lang="en-US" altLang="zh-CN" dirty="0"/>
+          </a:p>
+          <a:p>
+            <a:pPr lvl="1"/>
+            <a:r>
+              <a:rPr lang="zh-CN" altLang="en-US" dirty="0"/>
+              <a:t>生信数据挖掘，尝试选择合适的人群（癌种），对比不同表型，找到生物标志物</a:t>
+            </a:r>
+            <a:endParaRPr lang="en-US" altLang="zh-CN" dirty="0"/>
+          </a:p>
+          <a:p>
+            <a:pPr lvl="1"/>
+            <a:r>
+              <a:rPr lang="zh-CN" altLang="en-US" dirty="0"/>
+              <a:t>收集相应的人群，检测该生物标志物指标，进行验证</a:t>
+            </a:r>
+            <a:endParaRPr lang="en-US" altLang="zh-CN" dirty="0"/>
+          </a:p>
+          <a:p>
+            <a:r>
+              <a:rPr lang="zh-CN" altLang="en-US" dirty="0"/>
+              <a:t>更一般的思路：</a:t>
+            </a:r>
+            <a:endParaRPr lang="en-US" altLang="zh-CN" dirty="0"/>
+          </a:p>
+          <a:p>
+            <a:pPr lvl="1"/>
+            <a:r>
+              <a:rPr lang="zh-CN" altLang="en-US" dirty="0"/>
+              <a:t>应根据课题研究目的，设计合适的方案</a:t>
+            </a:r>
+            <a:endParaRPr lang="en-US" altLang="zh-CN" dirty="0"/>
+          </a:p>
+          <a:p>
+            <a:pPr lvl="2"/>
+            <a:r>
+              <a:rPr lang="zh-CN" altLang="en-US" dirty="0"/>
+              <a:t>选取什么样本和数据？测哪些指标？做什么分析？</a:t>
+            </a:r>
+            <a:endParaRPr lang="en-US" altLang="zh-CN" dirty="0"/>
+          </a:p>
+          <a:p>
+            <a:pPr lvl="1"/>
+            <a:r>
+              <a:rPr lang="zh-CN" altLang="en-US" dirty="0"/>
+              <a:t>通过（文献和数据库）调研，确定所需数据是否已经存在</a:t>
+            </a:r>
+            <a:endParaRPr lang="en-US" altLang="zh-CN" dirty="0"/>
+          </a:p>
+          <a:p>
+            <a:pPr lvl="2"/>
+            <a:r>
+              <a:rPr lang="zh-CN" altLang="en-US" dirty="0"/>
+              <a:t>若有数据，则直接使用该数据</a:t>
+            </a:r>
+            <a:endParaRPr lang="en-US" altLang="zh-CN" dirty="0"/>
+          </a:p>
+          <a:p>
+            <a:pPr lvl="2"/>
+            <a:r>
+              <a:rPr lang="zh-CN" altLang="en-US" dirty="0"/>
+              <a:t>若无数据，则收集样本，自己产出该数据</a:t>
+            </a:r>
+            <a:endParaRPr lang="en-US" altLang="zh-CN" dirty="0"/>
+          </a:p>
+          <a:p>
+            <a:pPr lvl="1"/>
+            <a:r>
+              <a:rPr lang="zh-CN" altLang="en-US" dirty="0"/>
+              <a:t>综合所有数据进行分析，达成研究目的</a:t>
+            </a:r>
+            <a:endParaRPr lang="en-US" altLang="zh-CN" dirty="0"/>
+          </a:p>
+          <a:p>
+            <a:pPr lvl="1"/>
+            <a:endParaRPr lang="zh-CN" altLang="en-US" dirty="0"/>
+          </a:p>
+        </p:txBody>
+      </p:sp>
+      <p:sp>
+        <p:nvSpPr>
           <p:cNvPr id="4" name="灯片编号占位符 3">
             <a:extLst>
               <a:ext uri="{FF2B5EF4-FFF2-40B4-BE49-F238E27FC236}">
-                <a16:creationId xmlns:a16="http://schemas.microsoft.com/office/drawing/2014/main" id="{34F81A77-4CA4-E2AE-DE10-96A87722A245}"/>
+                <a16:creationId xmlns:a16="http://schemas.microsoft.com/office/drawing/2014/main" id="{17AF2E71-112F-052B-F024-ABBFDE32248D}"/>
               </a:ext>
             </a:extLst>
           </p:cNvPr>
@@ -7890,6 +8564,65 @@
             <a:fld id="{27CE633F-9882-4A5C-83A2-1109D0C73261}" type="slidenum">
               <a:rPr lang="en-US" smtClean="0"/>
               <a:t>17</a:t>
+            </a:fld>
+            <a:endParaRPr lang="en-US"/>
+          </a:p>
+        </p:txBody>
+      </p:sp>
+    </p:spTree>
+    <p:extLst>
+      <p:ext uri="{BB962C8B-B14F-4D97-AF65-F5344CB8AC3E}">
+        <p14:creationId xmlns:p14="http://schemas.microsoft.com/office/powerpoint/2010/main" val="3461200785"/>
+      </p:ext>
+    </p:extLst>
+  </p:cSld>
+  <p:clrMapOvr>
+    <a:masterClrMapping/>
+  </p:clrMapOvr>
+</p:sld>
+</file>
+
+<file path=ppt/slides/slide18.xml><?xml version="1.0" encoding="utf-8"?>
+<p:sld xmlns:a="http://schemas.openxmlformats.org/drawingml/2006/main" xmlns:r="http://schemas.openxmlformats.org/officeDocument/2006/relationships" xmlns:p="http://schemas.openxmlformats.org/presentationml/2006/main">
+  <p:cSld>
+    <p:spTree>
+      <p:nvGrpSpPr>
+        <p:cNvPr id="1" name=""/>
+        <p:cNvGrpSpPr/>
+        <p:nvPr/>
+      </p:nvGrpSpPr>
+      <p:grpSpPr>
+        <a:xfrm>
+          <a:off x="0" y="0"/>
+          <a:ext cx="0" cy="0"/>
+          <a:chOff x="0" y="0"/>
+          <a:chExt cx="0" cy="0"/>
+        </a:xfrm>
+      </p:grpSpPr>
+      <p:sp>
+        <p:nvSpPr>
+          <p:cNvPr id="4" name="灯片编号占位符 3">
+            <a:extLst>
+              <a:ext uri="{FF2B5EF4-FFF2-40B4-BE49-F238E27FC236}">
+                <a16:creationId xmlns:a16="http://schemas.microsoft.com/office/drawing/2014/main" id="{34F81A77-4CA4-E2AE-DE10-96A87722A245}"/>
+              </a:ext>
+            </a:extLst>
+          </p:cNvPr>
+          <p:cNvSpPr>
+            <a:spLocks noGrp="1"/>
+          </p:cNvSpPr>
+          <p:nvPr>
+            <p:ph type="sldNum" sz="quarter" idx="12"/>
+          </p:nvPr>
+        </p:nvSpPr>
+        <p:spPr/>
+        <p:txBody>
+          <a:bodyPr/>
+          <a:lstStyle/>
+          <a:p>
+            <a:fld id="{27CE633F-9882-4A5C-83A2-1109D0C73261}" type="slidenum">
+              <a:rPr lang="en-US" smtClean="0"/>
+              <a:t>18</a:t>
             </a:fld>
             <a:endParaRPr lang="en-US"/>
           </a:p>
@@ -8148,160 +8881,6 @@
 </p:sld>
 </file>
 
-<file path=ppt/slides/slide18.xml><?xml version="1.0" encoding="utf-8"?>
-<p:sld xmlns:a="http://schemas.openxmlformats.org/drawingml/2006/main" xmlns:r="http://schemas.openxmlformats.org/officeDocument/2006/relationships" xmlns:p="http://schemas.openxmlformats.org/presentationml/2006/main">
-  <p:cSld>
-    <p:spTree>
-      <p:nvGrpSpPr>
-        <p:cNvPr id="1" name=""/>
-        <p:cNvGrpSpPr/>
-        <p:nvPr/>
-      </p:nvGrpSpPr>
-      <p:grpSpPr>
-        <a:xfrm>
-          <a:off x="0" y="0"/>
-          <a:ext cx="0" cy="0"/>
-          <a:chOff x="0" y="0"/>
-          <a:chExt cx="0" cy="0"/>
-        </a:xfrm>
-      </p:grpSpPr>
-      <p:sp>
-        <p:nvSpPr>
-          <p:cNvPr id="3" name="标题 2">
-            <a:extLst>
-              <a:ext uri="{FF2B5EF4-FFF2-40B4-BE49-F238E27FC236}">
-                <a16:creationId xmlns:a16="http://schemas.microsoft.com/office/drawing/2014/main" id="{BAD53F82-AEA1-4E82-8384-FE13CE442FC4}"/>
-              </a:ext>
-            </a:extLst>
-          </p:cNvPr>
-          <p:cNvSpPr>
-            <a:spLocks noGrp="1"/>
-          </p:cNvSpPr>
-          <p:nvPr>
-            <p:ph type="title"/>
-          </p:nvPr>
-        </p:nvSpPr>
-        <p:spPr/>
-        <p:txBody>
-          <a:bodyPr>
-            <a:normAutofit fontScale="90000"/>
-          </a:bodyPr>
-          <a:lstStyle/>
-          <a:p>
-            <a:r>
-              <a:rPr lang="zh-CN" altLang="en-US" dirty="0"/>
-              <a:t>总结</a:t>
-            </a:r>
-          </a:p>
-        </p:txBody>
-      </p:sp>
-      <p:sp>
-        <p:nvSpPr>
-          <p:cNvPr id="4" name="内容占位符 3">
-            <a:extLst>
-              <a:ext uri="{FF2B5EF4-FFF2-40B4-BE49-F238E27FC236}">
-                <a16:creationId xmlns:a16="http://schemas.microsoft.com/office/drawing/2014/main" id="{0E23E0FF-19A8-D670-96D0-3855BF1CD664}"/>
-              </a:ext>
-            </a:extLst>
-          </p:cNvPr>
-          <p:cNvSpPr>
-            <a:spLocks noGrp="1"/>
-          </p:cNvSpPr>
-          <p:nvPr>
-            <p:ph idx="1"/>
-          </p:nvPr>
-        </p:nvSpPr>
-        <p:spPr/>
-        <p:txBody>
-          <a:bodyPr/>
-          <a:lstStyle/>
-          <a:p>
-            <a:r>
-              <a:rPr lang="zh-CN" altLang="en-US" dirty="0"/>
-              <a:t>信息搜索是生物信息学研究的关键环节</a:t>
-            </a:r>
-            <a:endParaRPr lang="en-US" altLang="zh-CN" dirty="0"/>
-          </a:p>
-          <a:p>
-            <a:r>
-              <a:rPr lang="zh-CN" altLang="en-US" dirty="0"/>
-              <a:t>结合多种搜索方法获取全面研究信息</a:t>
-            </a:r>
-            <a:endParaRPr lang="en-US" altLang="zh-CN" dirty="0"/>
-          </a:p>
-          <a:p>
-            <a:r>
-              <a:rPr lang="zh-CN" altLang="en-US" dirty="0"/>
-              <a:t>案例展示了数据整合与实验补充的研究策略</a:t>
-            </a:r>
-            <a:endParaRPr lang="en-US" altLang="zh-CN" dirty="0"/>
-          </a:p>
-          <a:p>
-            <a:r>
-              <a:rPr lang="zh-CN" altLang="en-US" dirty="0"/>
-              <a:t>生物学与生物信息学的界限日益模糊</a:t>
-            </a:r>
-            <a:endParaRPr lang="en-US" altLang="zh-CN" dirty="0"/>
-          </a:p>
-          <a:p>
-            <a:r>
-              <a:rPr lang="zh-CN" altLang="en-US"/>
-              <a:t>鼓励</a:t>
-            </a:r>
-            <a:r>
-              <a:rPr lang="zh-CN" altLang="en-US" dirty="0"/>
-              <a:t>使用各种工具和方法提升</a:t>
-            </a:r>
-            <a:r>
-              <a:rPr lang="zh-CN" altLang="en-US"/>
-              <a:t>数据分析能力</a:t>
-            </a:r>
-            <a:endParaRPr lang="zh-CN" altLang="en-US" dirty="0"/>
-          </a:p>
-        </p:txBody>
-      </p:sp>
-      <p:sp>
-        <p:nvSpPr>
-          <p:cNvPr id="2" name="灯片编号占位符 1">
-            <a:extLst>
-              <a:ext uri="{FF2B5EF4-FFF2-40B4-BE49-F238E27FC236}">
-                <a16:creationId xmlns:a16="http://schemas.microsoft.com/office/drawing/2014/main" id="{211D8A6F-CB90-7B25-273E-C462018D1CD7}"/>
-              </a:ext>
-            </a:extLst>
-          </p:cNvPr>
-          <p:cNvSpPr>
-            <a:spLocks noGrp="1"/>
-          </p:cNvSpPr>
-          <p:nvPr>
-            <p:ph type="sldNum" sz="quarter" idx="12"/>
-          </p:nvPr>
-        </p:nvSpPr>
-        <p:spPr/>
-        <p:txBody>
-          <a:bodyPr/>
-          <a:lstStyle/>
-          <a:p>
-            <a:fld id="{27CE633F-9882-4A5C-83A2-1109D0C73261}" type="slidenum">
-              <a:rPr lang="en-US" smtClean="0"/>
-              <a:t>18</a:t>
-            </a:fld>
-            <a:endParaRPr lang="en-US"/>
-          </a:p>
-        </p:txBody>
-      </p:sp>
-    </p:spTree>
-    <p:extLst>
-      <p:ext uri="{BB962C8B-B14F-4D97-AF65-F5344CB8AC3E}">
-        <p14:creationId xmlns:p14="http://schemas.microsoft.com/office/powerpoint/2010/main" val="27919827"/>
-      </p:ext>
-    </p:extLst>
-  </p:cSld>
-  <p:clrMapOvr>
-    <a:masterClrMapping/>
-  </p:clrMapOvr>
-</p:sld>
-</file>
-
 <file path=ppt/slides/slide19.xml><?xml version="1.0" encoding="utf-8"?>
 <p:sld xmlns:a="http://schemas.openxmlformats.org/drawingml/2006/main" xmlns:r="http://schemas.openxmlformats.org/officeDocument/2006/relationships" xmlns:p="http://schemas.openxmlformats.org/presentationml/2006/main">
   <p:cSld>
@@ -8321,6 +8900,467 @@
       </p:grpSpPr>
       <p:sp>
         <p:nvSpPr>
+          <p:cNvPr id="3" name="标题 2">
+            <a:extLst>
+              <a:ext uri="{FF2B5EF4-FFF2-40B4-BE49-F238E27FC236}">
+                <a16:creationId xmlns:a16="http://schemas.microsoft.com/office/drawing/2014/main" id="{BAD53F82-AEA1-4E82-8384-FE13CE442FC4}"/>
+              </a:ext>
+            </a:extLst>
+          </p:cNvPr>
+          <p:cNvSpPr>
+            <a:spLocks noGrp="1"/>
+          </p:cNvSpPr>
+          <p:nvPr>
+            <p:ph type="title"/>
+          </p:nvPr>
+        </p:nvSpPr>
+        <p:spPr/>
+        <p:txBody>
+          <a:bodyPr>
+            <a:normAutofit fontScale="90000"/>
+          </a:bodyPr>
+          <a:lstStyle/>
+          <a:p>
+            <a:r>
+              <a:rPr lang="en-US" altLang="zh-CN" dirty="0"/>
+              <a:t>Take Home Message</a:t>
+            </a:r>
+            <a:endParaRPr lang="zh-CN" altLang="en-US" dirty="0"/>
+          </a:p>
+        </p:txBody>
+      </p:sp>
+      <p:sp>
+        <p:nvSpPr>
+          <p:cNvPr id="4" name="内容占位符 3">
+            <a:extLst>
+              <a:ext uri="{FF2B5EF4-FFF2-40B4-BE49-F238E27FC236}">
+                <a16:creationId xmlns:a16="http://schemas.microsoft.com/office/drawing/2014/main" id="{0E23E0FF-19A8-D670-96D0-3855BF1CD664}"/>
+              </a:ext>
+            </a:extLst>
+          </p:cNvPr>
+          <p:cNvSpPr>
+            <a:spLocks noGrp="1"/>
+          </p:cNvSpPr>
+          <p:nvPr>
+            <p:ph idx="1"/>
+          </p:nvPr>
+        </p:nvSpPr>
+        <p:spPr/>
+        <p:txBody>
+          <a:bodyPr/>
+          <a:lstStyle/>
+          <a:p>
+            <a:r>
+              <a:rPr lang="zh-CN" altLang="en-US" dirty="0"/>
+              <a:t>信息搜索是生物信息学研究的关键环节</a:t>
+            </a:r>
+            <a:endParaRPr lang="en-US" altLang="zh-CN" dirty="0"/>
+          </a:p>
+          <a:p>
+            <a:r>
+              <a:rPr lang="zh-CN" altLang="en-US" dirty="0"/>
+              <a:t>结合多种搜索方法获取全面研究信息</a:t>
+            </a:r>
+            <a:endParaRPr lang="en-US" altLang="zh-CN" dirty="0"/>
+          </a:p>
+          <a:p>
+            <a:r>
+              <a:rPr lang="zh-CN" altLang="en-US" dirty="0"/>
+              <a:t>案例展示了数据整合与实验补充的研究策略</a:t>
+            </a:r>
+            <a:endParaRPr lang="en-US" altLang="zh-CN" dirty="0"/>
+          </a:p>
+          <a:p>
+            <a:r>
+              <a:rPr lang="zh-CN" altLang="en-US" dirty="0"/>
+              <a:t>生物学与生物信息学的界限日益模糊</a:t>
+            </a:r>
+            <a:endParaRPr lang="en-US" altLang="zh-CN" dirty="0"/>
+          </a:p>
+          <a:p>
+            <a:r>
+              <a:rPr lang="zh-CN" altLang="en-US"/>
+              <a:t>鼓励</a:t>
+            </a:r>
+            <a:r>
+              <a:rPr lang="zh-CN" altLang="en-US" dirty="0"/>
+              <a:t>使用各种工具和方法提升</a:t>
+            </a:r>
+            <a:r>
+              <a:rPr lang="zh-CN" altLang="en-US"/>
+              <a:t>数据分析能力</a:t>
+            </a:r>
+            <a:endParaRPr lang="zh-CN" altLang="en-US" dirty="0"/>
+          </a:p>
+        </p:txBody>
+      </p:sp>
+      <p:sp>
+        <p:nvSpPr>
+          <p:cNvPr id="2" name="灯片编号占位符 1">
+            <a:extLst>
+              <a:ext uri="{FF2B5EF4-FFF2-40B4-BE49-F238E27FC236}">
+                <a16:creationId xmlns:a16="http://schemas.microsoft.com/office/drawing/2014/main" id="{211D8A6F-CB90-7B25-273E-C462018D1CD7}"/>
+              </a:ext>
+            </a:extLst>
+          </p:cNvPr>
+          <p:cNvSpPr>
+            <a:spLocks noGrp="1"/>
+          </p:cNvSpPr>
+          <p:nvPr>
+            <p:ph type="sldNum" sz="quarter" idx="12"/>
+          </p:nvPr>
+        </p:nvSpPr>
+        <p:spPr/>
+        <p:txBody>
+          <a:bodyPr/>
+          <a:lstStyle/>
+          <a:p>
+            <a:fld id="{27CE633F-9882-4A5C-83A2-1109D0C73261}" type="slidenum">
+              <a:rPr lang="en-US" smtClean="0"/>
+              <a:t>19</a:t>
+            </a:fld>
+            <a:endParaRPr lang="en-US"/>
+          </a:p>
+        </p:txBody>
+      </p:sp>
+    </p:spTree>
+    <p:extLst>
+      <p:ext uri="{BB962C8B-B14F-4D97-AF65-F5344CB8AC3E}">
+        <p14:creationId xmlns:p14="http://schemas.microsoft.com/office/powerpoint/2010/main" val="27919827"/>
+      </p:ext>
+    </p:extLst>
+  </p:cSld>
+  <p:clrMapOvr>
+    <a:masterClrMapping/>
+  </p:clrMapOvr>
+</p:sld>
+</file>
+
+<file path=ppt/slides/slide2.xml><?xml version="1.0" encoding="utf-8"?>
+<p:sld xmlns:a="http://schemas.openxmlformats.org/drawingml/2006/main" xmlns:r="http://schemas.openxmlformats.org/officeDocument/2006/relationships" xmlns:p="http://schemas.openxmlformats.org/presentationml/2006/main">
+  <p:cSld>
+    <p:spTree>
+      <p:nvGrpSpPr>
+        <p:cNvPr id="1" name=""/>
+        <p:cNvGrpSpPr/>
+        <p:nvPr/>
+      </p:nvGrpSpPr>
+      <p:grpSpPr>
+        <a:xfrm>
+          <a:off x="0" y="0"/>
+          <a:ext cx="0" cy="0"/>
+          <a:chOff x="0" y="0"/>
+          <a:chExt cx="0" cy="0"/>
+        </a:xfrm>
+      </p:grpSpPr>
+      <p:sp>
+        <p:nvSpPr>
+          <p:cNvPr id="2" name="标题 1">
+            <a:extLst>
+              <a:ext uri="{FF2B5EF4-FFF2-40B4-BE49-F238E27FC236}">
+                <a16:creationId xmlns:a16="http://schemas.microsoft.com/office/drawing/2014/main" id="{481DACE1-6E75-C0D6-DCF4-8F5245126D1A}"/>
+              </a:ext>
+            </a:extLst>
+          </p:cNvPr>
+          <p:cNvSpPr>
+            <a:spLocks noGrp="1"/>
+          </p:cNvSpPr>
+          <p:nvPr>
+            <p:ph type="title"/>
+          </p:nvPr>
+        </p:nvSpPr>
+        <p:spPr/>
+        <p:txBody>
+          <a:bodyPr>
+            <a:normAutofit fontScale="90000"/>
+          </a:bodyPr>
+          <a:lstStyle/>
+          <a:p>
+            <a:r>
+              <a:rPr lang="zh-CN" altLang="en-US" dirty="0"/>
+              <a:t>演讲人个人简介</a:t>
+            </a:r>
+          </a:p>
+        </p:txBody>
+      </p:sp>
+      <p:sp>
+        <p:nvSpPr>
+          <p:cNvPr id="3" name="内容占位符 2">
+            <a:extLst>
+              <a:ext uri="{FF2B5EF4-FFF2-40B4-BE49-F238E27FC236}">
+                <a16:creationId xmlns:a16="http://schemas.microsoft.com/office/drawing/2014/main" id="{CBDE10F9-A2D8-C50C-26CD-30A900CDDD7B}"/>
+              </a:ext>
+            </a:extLst>
+          </p:cNvPr>
+          <p:cNvSpPr>
+            <a:spLocks noGrp="1"/>
+          </p:cNvSpPr>
+          <p:nvPr>
+            <p:ph idx="1"/>
+          </p:nvPr>
+        </p:nvSpPr>
+        <p:spPr/>
+        <p:txBody>
+          <a:bodyPr>
+            <a:normAutofit/>
+          </a:bodyPr>
+          <a:lstStyle/>
+          <a:p>
+            <a:r>
+              <a:rPr lang="zh-CN" altLang="en-US" dirty="0"/>
+              <a:t>教育背景</a:t>
+            </a:r>
+          </a:p>
+          <a:p>
+            <a:pPr lvl="1"/>
+            <a:r>
+              <a:rPr lang="en-US" altLang="zh-CN" sz="1800" dirty="0"/>
+              <a:t>2010 – 2017</a:t>
+            </a:r>
+            <a:r>
+              <a:rPr lang="zh-CN" altLang="en-US" sz="1800" dirty="0"/>
+              <a:t>：攻读博士学位，生物信息学专业，北京大学生命科学学院生物信息学中心</a:t>
+            </a:r>
+          </a:p>
+          <a:p>
+            <a:pPr lvl="1"/>
+            <a:r>
+              <a:rPr lang="en-US" altLang="zh-CN" sz="1800" dirty="0"/>
+              <a:t>1999 – 2003</a:t>
+            </a:r>
+            <a:r>
+              <a:rPr lang="zh-CN" altLang="en-US" sz="1800" dirty="0"/>
+              <a:t>：攻读学士学位，生物科学专业，厦门大学生命科学学院</a:t>
+            </a:r>
+            <a:endParaRPr lang="en-US" altLang="zh-CN" sz="1800" dirty="0"/>
+          </a:p>
+          <a:p>
+            <a:r>
+              <a:rPr lang="zh-CN" altLang="en-US" sz="1900" dirty="0"/>
+              <a:t>工作经历</a:t>
+            </a:r>
+          </a:p>
+          <a:p>
+            <a:pPr lvl="1"/>
+            <a:r>
+              <a:rPr lang="en-US" altLang="zh-CN" sz="1800" dirty="0"/>
+              <a:t>2023 – </a:t>
+            </a:r>
+            <a:r>
+              <a:rPr lang="zh-CN" altLang="en-US" sz="1800" dirty="0"/>
+              <a:t>至今：北京</a:t>
+            </a:r>
+            <a:r>
+              <a:rPr lang="zh-CN" altLang="en-US" sz="1800" b="1" dirty="0">
+                <a:solidFill>
+                  <a:schemeClr val="accent1"/>
+                </a:solidFill>
+              </a:rPr>
+              <a:t>生信助力</a:t>
+            </a:r>
+            <a:r>
+              <a:rPr lang="zh-CN" altLang="en-US" sz="1800" dirty="0"/>
+              <a:t>科技有限公司，创始人兼首席执行官</a:t>
+            </a:r>
+          </a:p>
+          <a:p>
+            <a:pPr lvl="1"/>
+            <a:r>
+              <a:rPr lang="en-US" altLang="zh-CN" sz="1800" dirty="0"/>
+              <a:t>2020 – 2023</a:t>
+            </a:r>
+            <a:r>
+              <a:rPr lang="zh-CN" altLang="en-US" sz="1800" dirty="0"/>
+              <a:t>：北京先声医学检验实验室有限公司，特聘生物信息学专家</a:t>
+            </a:r>
+            <a:endParaRPr lang="en-US" altLang="zh-CN" sz="1800" dirty="0"/>
+          </a:p>
+          <a:p>
+            <a:pPr lvl="1"/>
+            <a:r>
+              <a:rPr lang="en-US" altLang="zh-CN" sz="1800" dirty="0"/>
+              <a:t>2016</a:t>
+            </a:r>
+            <a:r>
+              <a:rPr lang="zh-CN" altLang="en-US" sz="1800" dirty="0"/>
+              <a:t> </a:t>
+            </a:r>
+            <a:r>
+              <a:rPr lang="en-US" altLang="zh-CN" sz="1800" dirty="0"/>
+              <a:t>– 2020</a:t>
+            </a:r>
+            <a:r>
+              <a:rPr lang="zh-CN" altLang="en-US" sz="1800" dirty="0"/>
+              <a:t>：北京臻和科技有限公司，生物信息学研发经理</a:t>
+            </a:r>
+            <a:endParaRPr lang="en-US" altLang="zh-CN" sz="1800" dirty="0"/>
+          </a:p>
+          <a:p>
+            <a:pPr lvl="1"/>
+            <a:r>
+              <a:rPr lang="en-US" altLang="zh-CN" sz="1800" dirty="0"/>
+              <a:t>2003 – 2010</a:t>
+            </a:r>
+            <a:r>
+              <a:rPr lang="zh-CN" altLang="en-US" sz="1800" dirty="0"/>
+              <a:t>：先后在视翰科技、展华科技、中科网威等公司，担任核心程序员或软件架构师</a:t>
+            </a:r>
+          </a:p>
+        </p:txBody>
+      </p:sp>
+      <p:sp>
+        <p:nvSpPr>
+          <p:cNvPr id="4" name="灯片编号占位符 3">
+            <a:extLst>
+              <a:ext uri="{FF2B5EF4-FFF2-40B4-BE49-F238E27FC236}">
+                <a16:creationId xmlns:a16="http://schemas.microsoft.com/office/drawing/2014/main" id="{8FC22B03-9F29-E0AE-EC41-B34CD9048E28}"/>
+              </a:ext>
+            </a:extLst>
+          </p:cNvPr>
+          <p:cNvSpPr>
+            <a:spLocks noGrp="1"/>
+          </p:cNvSpPr>
+          <p:nvPr>
+            <p:ph type="sldNum" sz="quarter" idx="12"/>
+          </p:nvPr>
+        </p:nvSpPr>
+        <p:spPr/>
+        <p:txBody>
+          <a:bodyPr/>
+          <a:lstStyle/>
+          <a:p>
+            <a:fld id="{27CE633F-9882-4A5C-83A2-1109D0C73261}" type="slidenum">
+              <a:rPr lang="en-US" smtClean="0"/>
+              <a:t>2</a:t>
+            </a:fld>
+            <a:endParaRPr lang="en-US"/>
+          </a:p>
+        </p:txBody>
+      </p:sp>
+      <p:grpSp>
+        <p:nvGrpSpPr>
+          <p:cNvPr id="5" name="组合 4">
+            <a:extLst>
+              <a:ext uri="{FF2B5EF4-FFF2-40B4-BE49-F238E27FC236}">
+                <a16:creationId xmlns:a16="http://schemas.microsoft.com/office/drawing/2014/main" id="{29912169-E617-E5D4-3B2E-82FE80CB74BD}"/>
+              </a:ext>
+            </a:extLst>
+          </p:cNvPr>
+          <p:cNvGrpSpPr/>
+          <p:nvPr/>
+        </p:nvGrpSpPr>
+        <p:grpSpPr>
+          <a:xfrm>
+            <a:off x="10150643" y="4672049"/>
+            <a:ext cx="1203157" cy="1504914"/>
+            <a:chOff x="9991023" y="4994145"/>
+            <a:chExt cx="1203157" cy="1504914"/>
+          </a:xfrm>
+        </p:grpSpPr>
+        <p:pic>
+          <p:nvPicPr>
+            <p:cNvPr id="6" name="图片 5">
+              <a:extLst>
+                <a:ext uri="{FF2B5EF4-FFF2-40B4-BE49-F238E27FC236}">
+                  <a16:creationId xmlns:a16="http://schemas.microsoft.com/office/drawing/2014/main" id="{8CC01AAE-37EA-19D9-A34D-53298C2FDFD9}"/>
+                </a:ext>
+              </a:extLst>
+            </p:cNvPr>
+            <p:cNvPicPr>
+              <a:picLocks noChangeAspect="1"/>
+            </p:cNvPicPr>
+            <p:nvPr/>
+          </p:nvPicPr>
+          <p:blipFill>
+            <a:blip r:embed="rId2">
+              <a:extLst>
+                <a:ext uri="{28A0092B-C50C-407E-A947-70E740481C1C}">
+                  <a14:useLocalDpi xmlns:a14="http://schemas.microsoft.com/office/drawing/2010/main" val="0"/>
+                </a:ext>
+              </a:extLst>
+            </a:blip>
+            <a:srcRect/>
+            <a:stretch/>
+          </p:blipFill>
+          <p:spPr>
+            <a:xfrm>
+              <a:off x="9991023" y="4994145"/>
+              <a:ext cx="1203157" cy="1203157"/>
+            </a:xfrm>
+            <a:prstGeom prst="rect">
+              <a:avLst/>
+            </a:prstGeom>
+          </p:spPr>
+        </p:pic>
+        <p:sp>
+          <p:nvSpPr>
+            <p:cNvPr id="7" name="文本框 6">
+              <a:extLst>
+                <a:ext uri="{FF2B5EF4-FFF2-40B4-BE49-F238E27FC236}">
+                  <a16:creationId xmlns:a16="http://schemas.microsoft.com/office/drawing/2014/main" id="{7A60124E-C160-6775-F49C-2A4E9C6788ED}"/>
+                </a:ext>
+              </a:extLst>
+            </p:cNvPr>
+            <p:cNvSpPr txBox="1"/>
+            <p:nvPr/>
+          </p:nvSpPr>
+          <p:spPr>
+            <a:xfrm>
+              <a:off x="10150820" y="6191282"/>
+              <a:ext cx="902811" cy="307777"/>
+            </a:xfrm>
+            <a:prstGeom prst="rect">
+              <a:avLst/>
+            </a:prstGeom>
+            <a:noFill/>
+          </p:spPr>
+          <p:txBody>
+            <a:bodyPr wrap="none" rtlCol="0">
+              <a:spAutoFit/>
+            </a:bodyPr>
+            <a:lstStyle/>
+            <a:p>
+              <a:pPr algn="ctr"/>
+              <a:r>
+                <a:rPr lang="zh-CN" altLang="en-US" sz="1400" dirty="0"/>
+                <a:t>个人微信</a:t>
+              </a:r>
+            </a:p>
+          </p:txBody>
+        </p:sp>
+      </p:grpSp>
+    </p:spTree>
+    <p:extLst>
+      <p:ext uri="{BB962C8B-B14F-4D97-AF65-F5344CB8AC3E}">
+        <p14:creationId xmlns:p14="http://schemas.microsoft.com/office/powerpoint/2010/main" val="2800544365"/>
+      </p:ext>
+    </p:extLst>
+  </p:cSld>
+  <p:clrMapOvr>
+    <a:masterClrMapping/>
+  </p:clrMapOvr>
+</p:sld>
+</file>
+
+<file path=ppt/slides/slide20.xml><?xml version="1.0" encoding="utf-8"?>
+<p:sld xmlns:a="http://schemas.openxmlformats.org/drawingml/2006/main" xmlns:r="http://schemas.openxmlformats.org/officeDocument/2006/relationships" xmlns:p="http://schemas.openxmlformats.org/presentationml/2006/main">
+  <p:cSld>
+    <p:spTree>
+      <p:nvGrpSpPr>
+        <p:cNvPr id="1" name=""/>
+        <p:cNvGrpSpPr/>
+        <p:nvPr/>
+      </p:nvGrpSpPr>
+      <p:grpSpPr>
+        <a:xfrm>
+          <a:off x="0" y="0"/>
+          <a:ext cx="0" cy="0"/>
+          <a:chOff x="0" y="0"/>
+          <a:chExt cx="0" cy="0"/>
+        </a:xfrm>
+      </p:grpSpPr>
+      <p:sp>
+        <p:nvSpPr>
           <p:cNvPr id="2" name="Title 1"/>
           <p:cNvSpPr>
             <a:spLocks noGrp="1"/>
@@ -8368,7 +9408,7 @@
           <a:p>
             <a:fld id="{27CE633F-9882-4A5C-83A2-1109D0C73261}" type="slidenum">
               <a:rPr lang="en-US" smtClean="0"/>
-              <a:t>19</a:t>
+              <a:t>20</a:t>
             </a:fld>
             <a:endParaRPr lang="en-US"/>
           </a:p>
@@ -8455,7 +9495,7 @@
               <a:pPr algn="ctr"/>
               <a:r>
                 <a:rPr lang="zh-CN" altLang="en-US" sz="1400" dirty="0"/>
-                <a:t>扫描下载本课件</a:t>
+                <a:t>扫码下载本课件</a:t>
               </a:r>
             </a:p>
           </p:txBody>
@@ -8561,7 +9601,7 @@
 </p:sld>
 </file>
 
-<file path=ppt/slides/slide2.xml><?xml version="1.0" encoding="utf-8"?>
+<file path=ppt/slides/slide21.xml><?xml version="1.0" encoding="utf-8"?>
 <p:sld xmlns:a="http://schemas.openxmlformats.org/drawingml/2006/main" xmlns:r="http://schemas.openxmlformats.org/officeDocument/2006/relationships" xmlns:p="http://schemas.openxmlformats.org/presentationml/2006/main">
   <p:cSld>
     <p:spTree>
@@ -8580,241 +9620,6 @@
       </p:grpSpPr>
       <p:sp>
         <p:nvSpPr>
-          <p:cNvPr id="2" name="标题 1">
-            <a:extLst>
-              <a:ext uri="{FF2B5EF4-FFF2-40B4-BE49-F238E27FC236}">
-                <a16:creationId xmlns:a16="http://schemas.microsoft.com/office/drawing/2014/main" id="{F10A5305-88C7-E5A0-60C8-247198226AA2}"/>
-              </a:ext>
-            </a:extLst>
-          </p:cNvPr>
-          <p:cNvSpPr>
-            <a:spLocks noGrp="1"/>
-          </p:cNvSpPr>
-          <p:nvPr>
-            <p:ph type="title"/>
-          </p:nvPr>
-        </p:nvSpPr>
-        <p:spPr/>
-        <p:txBody>
-          <a:bodyPr>
-            <a:normAutofit fontScale="90000"/>
-          </a:bodyPr>
-          <a:lstStyle/>
-          <a:p>
-            <a:r>
-              <a:rPr lang="zh-CN" altLang="en-US" dirty="0"/>
-              <a:t>生物信息学的研究对象：生物学数据</a:t>
-            </a:r>
-          </a:p>
-        </p:txBody>
-      </p:sp>
-      <p:sp>
-        <p:nvSpPr>
-          <p:cNvPr id="3" name="内容占位符 2">
-            <a:extLst>
-              <a:ext uri="{FF2B5EF4-FFF2-40B4-BE49-F238E27FC236}">
-                <a16:creationId xmlns:a16="http://schemas.microsoft.com/office/drawing/2014/main" id="{8BA7E9C7-A7CF-501F-63AC-07E6A71D517B}"/>
-              </a:ext>
-            </a:extLst>
-          </p:cNvPr>
-          <p:cNvSpPr>
-            <a:spLocks noGrp="1"/>
-          </p:cNvSpPr>
-          <p:nvPr>
-            <p:ph idx="1"/>
-          </p:nvPr>
-        </p:nvSpPr>
-        <p:spPr/>
-        <p:txBody>
-          <a:bodyPr/>
-          <a:lstStyle/>
-          <a:p>
-            <a:r>
-              <a:rPr lang="zh-CN" altLang="en-US" dirty="0"/>
-              <a:t>生物学数据的类型与规模：</a:t>
-            </a:r>
-            <a:endParaRPr lang="en-US" altLang="zh-CN" dirty="0"/>
-          </a:p>
-          <a:p>
-            <a:pPr lvl="1"/>
-            <a:r>
-              <a:rPr lang="zh-CN" altLang="en-US" dirty="0"/>
-              <a:t>核酸序列、蛋白质序列、基因组数据、转录组数据、表观遗传数据等</a:t>
-            </a:r>
-            <a:endParaRPr lang="en-US" altLang="zh-CN" dirty="0"/>
-          </a:p>
-          <a:p>
-            <a:pPr lvl="1"/>
-            <a:r>
-              <a:rPr lang="zh-CN" altLang="en-US" dirty="0"/>
-              <a:t>数据规模：从几</a:t>
-            </a:r>
-            <a:r>
-              <a:rPr lang="en-US" altLang="zh-CN" dirty="0"/>
-              <a:t>KB</a:t>
-            </a:r>
-            <a:r>
-              <a:rPr lang="zh-CN" altLang="en-US" dirty="0"/>
-              <a:t>到</a:t>
-            </a:r>
-            <a:r>
-              <a:rPr lang="en-US" altLang="zh-CN" dirty="0"/>
-              <a:t>TB</a:t>
-            </a:r>
-            <a:r>
-              <a:rPr lang="zh-CN" altLang="en-US" dirty="0"/>
-              <a:t>级别的数据增长</a:t>
-            </a:r>
-            <a:endParaRPr lang="en-US" altLang="zh-CN" dirty="0"/>
-          </a:p>
-          <a:p>
-            <a:r>
-              <a:rPr lang="zh-CN" altLang="en-US" dirty="0"/>
-              <a:t>数据获取与处理流程：</a:t>
-            </a:r>
-            <a:endParaRPr lang="en-US" altLang="zh-CN" dirty="0"/>
-          </a:p>
-          <a:p>
-            <a:pPr lvl="1"/>
-            <a:r>
-              <a:rPr lang="zh-CN" altLang="en-US" dirty="0"/>
-              <a:t>生成：通过实验和技术（如测序、质谱等）产生数据</a:t>
-            </a:r>
-            <a:endParaRPr lang="en-US" altLang="zh-CN" dirty="0"/>
-          </a:p>
-          <a:p>
-            <a:pPr lvl="1"/>
-            <a:r>
-              <a:rPr lang="zh-CN" altLang="en-US" dirty="0"/>
-              <a:t>提交：向公共数据库（如</a:t>
-            </a:r>
-            <a:r>
-              <a:rPr lang="en-US" altLang="zh-CN" dirty="0"/>
-              <a:t>NCBI</a:t>
-            </a:r>
-            <a:r>
-              <a:rPr lang="zh-CN" altLang="en-US" dirty="0"/>
-              <a:t>、</a:t>
-            </a:r>
-            <a:r>
-              <a:rPr lang="en-US" altLang="zh-CN" dirty="0"/>
-              <a:t>EMBL</a:t>
-            </a:r>
-            <a:r>
-              <a:rPr lang="zh-CN" altLang="en-US" dirty="0"/>
-              <a:t>、</a:t>
-            </a:r>
-            <a:r>
-              <a:rPr lang="en-US" altLang="zh-CN" dirty="0"/>
-              <a:t>DDBJ</a:t>
-            </a:r>
-            <a:r>
-              <a:rPr lang="zh-CN" altLang="en-US" dirty="0"/>
-              <a:t>等）提交数据</a:t>
-            </a:r>
-            <a:endParaRPr lang="en-US" altLang="zh-CN" dirty="0"/>
-          </a:p>
-          <a:p>
-            <a:pPr lvl="1"/>
-            <a:r>
-              <a:rPr lang="zh-CN" altLang="en-US" dirty="0"/>
-              <a:t>整理与汇总：数据清洗、标准化、格式化</a:t>
-            </a:r>
-            <a:endParaRPr lang="en-US" altLang="zh-CN" dirty="0"/>
-          </a:p>
-          <a:p>
-            <a:pPr lvl="1"/>
-            <a:r>
-              <a:rPr lang="zh-CN" altLang="en-US" dirty="0"/>
-              <a:t>分享与利用：数据库公开发布，供全球研究人员使用</a:t>
-            </a:r>
-            <a:endParaRPr lang="en-US" altLang="zh-CN" dirty="0"/>
-          </a:p>
-          <a:p>
-            <a:r>
-              <a:rPr lang="zh-CN" altLang="en-US" dirty="0"/>
-              <a:t>数据存储与查询挑战：</a:t>
-            </a:r>
-            <a:endParaRPr lang="en-US" altLang="zh-CN" dirty="0"/>
-          </a:p>
-          <a:p>
-            <a:pPr lvl="1"/>
-            <a:r>
-              <a:rPr lang="zh-CN" altLang="en-US" dirty="0"/>
-              <a:t>数据规模迅速增长，需要有效的存储和组织策略</a:t>
-            </a:r>
-            <a:endParaRPr lang="en-US" altLang="zh-CN" dirty="0"/>
-          </a:p>
-          <a:p>
-            <a:pPr lvl="1"/>
-            <a:r>
-              <a:rPr lang="zh-CN" altLang="en-US" dirty="0"/>
-              <a:t>如何高效地存储、管理和搜索这些海量数据？</a:t>
-            </a:r>
-          </a:p>
-        </p:txBody>
-      </p:sp>
-      <p:sp>
-        <p:nvSpPr>
-          <p:cNvPr id="5" name="灯片编号占位符 4">
-            <a:extLst>
-              <a:ext uri="{FF2B5EF4-FFF2-40B4-BE49-F238E27FC236}">
-                <a16:creationId xmlns:a16="http://schemas.microsoft.com/office/drawing/2014/main" id="{F7DBCB04-F4F0-41E0-AE40-3D9A783972A6}"/>
-              </a:ext>
-            </a:extLst>
-          </p:cNvPr>
-          <p:cNvSpPr>
-            <a:spLocks noGrp="1"/>
-          </p:cNvSpPr>
-          <p:nvPr>
-            <p:ph type="sldNum" sz="quarter" idx="12"/>
-          </p:nvPr>
-        </p:nvSpPr>
-        <p:spPr/>
-        <p:txBody>
-          <a:bodyPr/>
-          <a:lstStyle/>
-          <a:p>
-            <a:fld id="{27CE633F-9882-4A5C-83A2-1109D0C73261}" type="slidenum">
-              <a:rPr lang="en-US" smtClean="0"/>
-              <a:t>2</a:t>
-            </a:fld>
-            <a:endParaRPr lang="en-US"/>
-          </a:p>
-        </p:txBody>
-      </p:sp>
-    </p:spTree>
-    <p:extLst>
-      <p:ext uri="{BB962C8B-B14F-4D97-AF65-F5344CB8AC3E}">
-        <p14:creationId xmlns:p14="http://schemas.microsoft.com/office/powerpoint/2010/main" val="3627500454"/>
-      </p:ext>
-    </p:extLst>
-  </p:cSld>
-  <p:clrMapOvr>
-    <a:masterClrMapping/>
-  </p:clrMapOvr>
-</p:sld>
-</file>
-
-<file path=ppt/slides/slide20.xml><?xml version="1.0" encoding="utf-8"?>
-<p:sld xmlns:a="http://schemas.openxmlformats.org/drawingml/2006/main" xmlns:r="http://schemas.openxmlformats.org/officeDocument/2006/relationships" xmlns:p="http://schemas.openxmlformats.org/presentationml/2006/main">
-  <p:cSld>
-    <p:spTree>
-      <p:nvGrpSpPr>
-        <p:cNvPr id="1" name=""/>
-        <p:cNvGrpSpPr/>
-        <p:nvPr/>
-      </p:nvGrpSpPr>
-      <p:grpSpPr>
-        <a:xfrm>
-          <a:off x="0" y="0"/>
-          <a:ext cx="0" cy="0"/>
-          <a:chOff x="0" y="0"/>
-          <a:chExt cx="0" cy="0"/>
-        </a:xfrm>
-      </p:grpSpPr>
-      <p:sp>
-        <p:nvSpPr>
           <p:cNvPr id="2" name="Title 1"/>
           <p:cNvSpPr>
             <a:spLocks noGrp="1"/>
@@ -9119,7 +9924,7 @@
           <a:p>
             <a:fld id="{27CE633F-9882-4A5C-83A2-1109D0C73261}" type="slidenum">
               <a:rPr lang="en-US" smtClean="0"/>
-              <a:t>20</a:t>
+              <a:t>21</a:t>
             </a:fld>
             <a:endParaRPr lang="en-US"/>
           </a:p>
@@ -9155,7 +9960,7 @@
           <p:cNvPr id="2" name="标题 1">
             <a:extLst>
               <a:ext uri="{FF2B5EF4-FFF2-40B4-BE49-F238E27FC236}">
-                <a16:creationId xmlns:a16="http://schemas.microsoft.com/office/drawing/2014/main" id="{6AEF19C5-97FB-A2C9-3457-58CB6136DFFF}"/>
+                <a16:creationId xmlns:a16="http://schemas.microsoft.com/office/drawing/2014/main" id="{F10A5305-88C7-E5A0-60C8-247198226AA2}"/>
               </a:ext>
             </a:extLst>
           </p:cNvPr>
@@ -9175,7 +9980,7 @@
           <a:p>
             <a:r>
               <a:rPr lang="zh-CN" altLang="en-US" dirty="0"/>
-              <a:t>序列数据的积累与数据库存储：核酸和蛋白质序列</a:t>
+              <a:t>生物信息学的研究对象：生物学数据</a:t>
             </a:r>
           </a:p>
         </p:txBody>
@@ -9185,15 +9990,15 @@
           <p:cNvPr id="3" name="内容占位符 2">
             <a:extLst>
               <a:ext uri="{FF2B5EF4-FFF2-40B4-BE49-F238E27FC236}">
-                <a16:creationId xmlns:a16="http://schemas.microsoft.com/office/drawing/2014/main" id="{15E0381B-1396-EB29-49AD-120F150B359F}"/>
-              </a:ext>
-            </a:extLst>
-          </p:cNvPr>
-          <p:cNvSpPr>
-            <a:spLocks noGrp="1"/>
-          </p:cNvSpPr>
-          <p:nvPr>
-            <p:ph sz="half" idx="1"/>
+                <a16:creationId xmlns:a16="http://schemas.microsoft.com/office/drawing/2014/main" id="{8BA7E9C7-A7CF-501F-63AC-07E6A71D517B}"/>
+              </a:ext>
+            </a:extLst>
+          </p:cNvPr>
+          <p:cNvSpPr>
+            <a:spLocks noGrp="1"/>
+          </p:cNvSpPr>
+          <p:nvPr>
+            <p:ph idx="1"/>
           </p:nvPr>
         </p:nvSpPr>
         <p:spPr/>
@@ -9203,7 +10008,7 @@
           <a:p>
             <a:r>
               <a:rPr lang="zh-CN" altLang="en-US" dirty="0"/>
-              <a:t>序列数据的早期积累</a:t>
+              <a:t>生物学数据的类型与规模：</a:t>
             </a:r>
             <a:endParaRPr lang="en-US" altLang="zh-CN" dirty="0"/>
           </a:p>
@@ -9211,7 +10016,7 @@
             <a:pPr lvl="1"/>
             <a:r>
               <a:rPr lang="zh-CN" altLang="en-US" dirty="0"/>
-              <a:t>初期测序：人们开始测序核酸和蛋白质，获取少量序列数据</a:t>
+              <a:t>核酸序列、蛋白质序列、基因组数据、转录组数据、表观遗传数据等</a:t>
             </a:r>
             <a:endParaRPr lang="en-US" altLang="zh-CN" dirty="0"/>
           </a:p>
@@ -9219,14 +10024,30 @@
             <a:pPr lvl="1"/>
             <a:r>
               <a:rPr lang="zh-CN" altLang="en-US" dirty="0"/>
-              <a:t>数据保存的需求：随着序列数据增多，逐渐需要更系统化的保存方法</a:t>
+              <a:t>数据规模：从几</a:t>
+            </a:r>
+            <a:r>
+              <a:rPr lang="en-US" altLang="zh-CN" dirty="0"/>
+              <a:t>KB</a:t>
+            </a:r>
+            <a:r>
+              <a:rPr lang="zh-CN" altLang="en-US" dirty="0"/>
+              <a:t>到</a:t>
+            </a:r>
+            <a:r>
+              <a:rPr lang="en-US" altLang="zh-CN" dirty="0"/>
+              <a:t>TB</a:t>
+            </a:r>
+            <a:r>
+              <a:rPr lang="zh-CN" altLang="en-US" dirty="0"/>
+              <a:t>级别的数据增长</a:t>
             </a:r>
             <a:endParaRPr lang="en-US" altLang="zh-CN" dirty="0"/>
           </a:p>
           <a:p>
             <a:r>
               <a:rPr lang="zh-CN" altLang="en-US" dirty="0"/>
-              <a:t>序列数据的数据库存储</a:t>
+              <a:t>数据获取与处理流程：</a:t>
             </a:r>
             <a:endParaRPr lang="en-US" altLang="zh-CN" dirty="0"/>
           </a:p>
@@ -9234,15 +10055,39 @@
             <a:pPr lvl="1"/>
             <a:r>
               <a:rPr lang="zh-CN" altLang="en-US" dirty="0"/>
-              <a:t>序列数据进入数据库：序列数据被提交到公共数据库（如</a:t>
+              <a:t>生成：通过实验和技术（如测序、质谱等）产生数据</a:t>
+            </a:r>
+            <a:endParaRPr lang="en-US" altLang="zh-CN" dirty="0"/>
+          </a:p>
+          <a:p>
+            <a:pPr lvl="1"/>
+            <a:r>
+              <a:rPr lang="zh-CN" altLang="en-US" dirty="0"/>
+              <a:t>提交：向公共数据库（如</a:t>
             </a:r>
             <a:r>
               <a:rPr lang="en-US" altLang="zh-CN" dirty="0"/>
-              <a:t>GenBank</a:t>
-            </a:r>
-            <a:r>
-              <a:rPr lang="zh-CN" altLang="en-US" dirty="0"/>
-              <a:t>）进行保存</a:t>
+              <a:t>NCBI</a:t>
+            </a:r>
+            <a:r>
+              <a:rPr lang="zh-CN" altLang="en-US" dirty="0"/>
+              <a:t>、</a:t>
+            </a:r>
+            <a:r>
+              <a:rPr lang="en-US" altLang="zh-CN" dirty="0"/>
+              <a:t>EMBL</a:t>
+            </a:r>
+            <a:r>
+              <a:rPr lang="zh-CN" altLang="en-US" dirty="0"/>
+              <a:t>、</a:t>
+            </a:r>
+            <a:r>
+              <a:rPr lang="en-US" altLang="zh-CN" dirty="0"/>
+              <a:t>DDBJ</a:t>
+            </a:r>
+            <a:r>
+              <a:rPr lang="zh-CN" altLang="en-US" dirty="0"/>
+              <a:t>等）提交数据</a:t>
             </a:r>
             <a:endParaRPr lang="en-US" altLang="zh-CN" dirty="0"/>
           </a:p>
@@ -9250,86 +10095,48 @@
             <a:pPr lvl="1"/>
             <a:r>
               <a:rPr lang="zh-CN" altLang="en-US" dirty="0"/>
-              <a:t>信息注释：每个序列条目都会附带详细的注释信息，例如序列名称、功能描述、来源物种等</a:t>
-            </a:r>
-          </a:p>
-        </p:txBody>
-      </p:sp>
-      <p:pic>
-        <p:nvPicPr>
-          <p:cNvPr id="7" name="内容占位符 6">
-            <a:extLst>
-              <a:ext uri="{FF2B5EF4-FFF2-40B4-BE49-F238E27FC236}">
-                <a16:creationId xmlns:a16="http://schemas.microsoft.com/office/drawing/2014/main" id="{ECE22E06-7C67-83A9-A17E-9DF143A5CC50}"/>
-              </a:ext>
-            </a:extLst>
-          </p:cNvPr>
-          <p:cNvPicPr>
-            <a:picLocks noGrp="1" noChangeAspect="1"/>
-          </p:cNvPicPr>
-          <p:nvPr>
-            <p:ph sz="half" idx="2"/>
-          </p:nvPr>
-        </p:nvPicPr>
-        <p:blipFill>
-          <a:blip r:embed="rId2"/>
-          <a:stretch>
-            <a:fillRect/>
-          </a:stretch>
-        </p:blipFill>
-        <p:spPr>
-          <a:xfrm>
-            <a:off x="6221930" y="989843"/>
-            <a:ext cx="4707556" cy="3345840"/>
-          </a:xfrm>
-          <a:ln w="9525">
-            <a:solidFill>
-              <a:schemeClr val="tx1"/>
-            </a:solidFill>
-          </a:ln>
-        </p:spPr>
-      </p:pic>
-      <p:pic>
-        <p:nvPicPr>
-          <p:cNvPr id="9" name="图片 8">
-            <a:extLst>
-              <a:ext uri="{FF2B5EF4-FFF2-40B4-BE49-F238E27FC236}">
-                <a16:creationId xmlns:a16="http://schemas.microsoft.com/office/drawing/2014/main" id="{16AD2172-7523-FF36-687F-9C8E21682B1C}"/>
-              </a:ext>
-            </a:extLst>
-          </p:cNvPr>
-          <p:cNvPicPr>
-            <a:picLocks noChangeAspect="1"/>
-          </p:cNvPicPr>
-          <p:nvPr/>
-        </p:nvPicPr>
-        <p:blipFill>
-          <a:blip r:embed="rId3"/>
-          <a:stretch>
-            <a:fillRect/>
-          </a:stretch>
-        </p:blipFill>
-        <p:spPr>
-          <a:xfrm>
-            <a:off x="7398620" y="2010502"/>
-            <a:ext cx="3955180" cy="4345848"/>
-          </a:xfrm>
-          <a:prstGeom prst="rect">
-            <a:avLst/>
-          </a:prstGeom>
-          <a:ln w="9525">
-            <a:solidFill>
-              <a:schemeClr val="tx1"/>
-            </a:solidFill>
-          </a:ln>
-        </p:spPr>
-      </p:pic>
-      <p:sp>
-        <p:nvSpPr>
-          <p:cNvPr id="10" name="灯片编号占位符 9">
-            <a:extLst>
-              <a:ext uri="{FF2B5EF4-FFF2-40B4-BE49-F238E27FC236}">
-                <a16:creationId xmlns:a16="http://schemas.microsoft.com/office/drawing/2014/main" id="{D6855F98-B378-7AA5-E28E-396DEE486611}"/>
+              <a:t>整理与汇总：数据整理、标准化、格式化</a:t>
+            </a:r>
+            <a:endParaRPr lang="en-US" altLang="zh-CN" dirty="0"/>
+          </a:p>
+          <a:p>
+            <a:pPr lvl="1"/>
+            <a:r>
+              <a:rPr lang="zh-CN" altLang="en-US" dirty="0"/>
+              <a:t>分享与利用：数据库公开发布，供全球研究人员使用</a:t>
+            </a:r>
+            <a:endParaRPr lang="en-US" altLang="zh-CN" dirty="0"/>
+          </a:p>
+          <a:p>
+            <a:r>
+              <a:rPr lang="zh-CN" altLang="en-US" dirty="0"/>
+              <a:t>数据存储与查询挑战：</a:t>
+            </a:r>
+            <a:endParaRPr lang="en-US" altLang="zh-CN" dirty="0"/>
+          </a:p>
+          <a:p>
+            <a:pPr lvl="1"/>
+            <a:r>
+              <a:rPr lang="zh-CN" altLang="en-US" dirty="0"/>
+              <a:t>数据规模迅速增长，需要有效的存储和组织策略</a:t>
+            </a:r>
+            <a:endParaRPr lang="en-US" altLang="zh-CN" dirty="0"/>
+          </a:p>
+          <a:p>
+            <a:pPr lvl="1"/>
+            <a:r>
+              <a:rPr lang="zh-CN" altLang="en-US" dirty="0"/>
+              <a:t>如何高效管理和检索这些海量数据？</a:t>
+            </a:r>
+          </a:p>
+        </p:txBody>
+      </p:sp>
+      <p:sp>
+        <p:nvSpPr>
+          <p:cNvPr id="5" name="灯片编号占位符 4">
+            <a:extLst>
+              <a:ext uri="{FF2B5EF4-FFF2-40B4-BE49-F238E27FC236}">
+                <a16:creationId xmlns:a16="http://schemas.microsoft.com/office/drawing/2014/main" id="{F7DBCB04-F4F0-41E0-AE40-3D9A783972A6}"/>
               </a:ext>
             </a:extLst>
           </p:cNvPr>
@@ -9349,14 +10156,132 @@
               <a:rPr lang="en-US" smtClean="0"/>
               <a:t>3</a:t>
             </a:fld>
-            <a:endParaRPr lang="en-US"/>
-          </a:p>
-        </p:txBody>
-      </p:sp>
+            <a:endParaRPr lang="en-US" dirty="0"/>
+          </a:p>
+        </p:txBody>
+      </p:sp>
+      <p:grpSp>
+        <p:nvGrpSpPr>
+          <p:cNvPr id="6" name="组合 5">
+            <a:extLst>
+              <a:ext uri="{FF2B5EF4-FFF2-40B4-BE49-F238E27FC236}">
+                <a16:creationId xmlns:a16="http://schemas.microsoft.com/office/drawing/2014/main" id="{4B4C4443-3BFD-2544-9BDA-329107D301AC}"/>
+              </a:ext>
+            </a:extLst>
+          </p:cNvPr>
+          <p:cNvGrpSpPr/>
+          <p:nvPr/>
+        </p:nvGrpSpPr>
+        <p:grpSpPr>
+          <a:xfrm>
+            <a:off x="7998592" y="3663744"/>
+            <a:ext cx="3890211" cy="2741106"/>
+            <a:chOff x="7998592" y="3639679"/>
+            <a:chExt cx="3890211" cy="2741106"/>
+          </a:xfrm>
+        </p:grpSpPr>
+        <p:pic>
+          <p:nvPicPr>
+            <p:cNvPr id="1026" name="Picture 2">
+              <a:extLst>
+                <a:ext uri="{FF2B5EF4-FFF2-40B4-BE49-F238E27FC236}">
+                  <a16:creationId xmlns:a16="http://schemas.microsoft.com/office/drawing/2014/main" id="{4CF22145-0D20-8464-13DB-96798FFDF1AE}"/>
+                </a:ext>
+              </a:extLst>
+            </p:cNvPr>
+            <p:cNvPicPr>
+              <a:picLocks noChangeAspect="1" noChangeArrowheads="1"/>
+            </p:cNvPicPr>
+            <p:nvPr/>
+          </p:nvPicPr>
+          <p:blipFill>
+            <a:blip r:embed="rId2">
+              <a:extLst>
+                <a:ext uri="{28A0092B-C50C-407E-A947-70E740481C1C}">
+                  <a14:useLocalDpi xmlns:a14="http://schemas.microsoft.com/office/drawing/2010/main" val="0"/>
+                </a:ext>
+              </a:extLst>
+            </a:blip>
+            <a:srcRect/>
+            <a:stretch>
+              <a:fillRect/>
+            </a:stretch>
+          </p:blipFill>
+          <p:spPr bwMode="auto">
+            <a:xfrm>
+              <a:off x="7998592" y="3639679"/>
+              <a:ext cx="3890211" cy="2400816"/>
+            </a:xfrm>
+            <a:prstGeom prst="rect">
+              <a:avLst/>
+            </a:prstGeom>
+            <a:noFill/>
+            <a:extLst>
+              <a:ext uri="{909E8E84-426E-40DD-AFC4-6F175D3DCCD1}">
+                <a14:hiddenFill xmlns:a14="http://schemas.microsoft.com/office/drawing/2010/main">
+                  <a:solidFill>
+                    <a:srgbClr val="FFFFFF"/>
+                  </a:solidFill>
+                </a14:hiddenFill>
+              </a:ext>
+            </a:extLst>
+          </p:spPr>
+        </p:pic>
+        <p:sp>
+          <p:nvSpPr>
+            <p:cNvPr id="4" name="文本框 3">
+              <a:extLst>
+                <a:ext uri="{FF2B5EF4-FFF2-40B4-BE49-F238E27FC236}">
+                  <a16:creationId xmlns:a16="http://schemas.microsoft.com/office/drawing/2014/main" id="{4991BBA9-0EE8-63A7-A111-8D334B77040E}"/>
+                </a:ext>
+              </a:extLst>
+            </p:cNvPr>
+            <p:cNvSpPr txBox="1"/>
+            <p:nvPr/>
+          </p:nvSpPr>
+          <p:spPr>
+            <a:xfrm>
+              <a:off x="8523276" y="6073008"/>
+              <a:ext cx="2840842" cy="307777"/>
+            </a:xfrm>
+            <a:prstGeom prst="rect">
+              <a:avLst/>
+            </a:prstGeom>
+            <a:noFill/>
+          </p:spPr>
+          <p:txBody>
+            <a:bodyPr wrap="none" rtlCol="0">
+              <a:spAutoFit/>
+            </a:bodyPr>
+            <a:lstStyle/>
+            <a:p>
+              <a:pPr algn="ctr"/>
+              <a:r>
+                <a:rPr lang="zh-CN" altLang="en-US" sz="1400" dirty="0"/>
+                <a:t>（</a:t>
+              </a:r>
+              <a:r>
+                <a:rPr lang="en-US" altLang="zh-CN" sz="1400" dirty="0"/>
+                <a:t>Picture from </a:t>
+              </a:r>
+              <a:r>
+                <a:rPr lang="en-US" altLang="zh-CN" sz="1400" dirty="0">
+                  <a:hlinkClick r:id="rId3"/>
+                </a:rPr>
+                <a:t>Pascal GP Martin</a:t>
+              </a:r>
+              <a:r>
+                <a:rPr lang="zh-CN" altLang="en-US" sz="1400" dirty="0"/>
+                <a:t>）</a:t>
+              </a:r>
+            </a:p>
+          </p:txBody>
+        </p:sp>
+      </p:grpSp>
     </p:spTree>
     <p:extLst>
       <p:ext uri="{BB962C8B-B14F-4D97-AF65-F5344CB8AC3E}">
-        <p14:creationId xmlns:p14="http://schemas.microsoft.com/office/powerpoint/2010/main" val="117640019"/>
+        <p14:creationId xmlns:p14="http://schemas.microsoft.com/office/powerpoint/2010/main" val="3627500454"/>
       </p:ext>
     </p:extLst>
   </p:cSld>
@@ -9388,7 +10313,7 @@
           <p:cNvPr id="2" name="标题 1">
             <a:extLst>
               <a:ext uri="{FF2B5EF4-FFF2-40B4-BE49-F238E27FC236}">
-                <a16:creationId xmlns:a16="http://schemas.microsoft.com/office/drawing/2014/main" id="{8BAFC74A-EFB3-99B8-A047-E5C116AA6609}"/>
+                <a16:creationId xmlns:a16="http://schemas.microsoft.com/office/drawing/2014/main" id="{6AEF19C5-97FB-A2C9-3457-58CB6136DFFF}"/>
               </a:ext>
             </a:extLst>
           </p:cNvPr>
@@ -9408,33 +10333,25 @@
           <a:p>
             <a:r>
               <a:rPr lang="zh-CN" altLang="en-US" dirty="0"/>
-              <a:t>基于字段的搜索方法：</a:t>
-            </a:r>
-            <a:r>
-              <a:rPr lang="en-US" altLang="zh-CN" dirty="0"/>
-              <a:t>NCBI</a:t>
-            </a:r>
-            <a:r>
-              <a:rPr lang="zh-CN" altLang="en-US" dirty="0"/>
-              <a:t>数据库</a:t>
-            </a:r>
-          </a:p>
-        </p:txBody>
-      </p:sp>
-      <p:sp>
-        <p:nvSpPr>
-          <p:cNvPr id="5" name="内容占位符 4">
-            <a:extLst>
-              <a:ext uri="{FF2B5EF4-FFF2-40B4-BE49-F238E27FC236}">
-                <a16:creationId xmlns:a16="http://schemas.microsoft.com/office/drawing/2014/main" id="{A26196DE-2AC0-4FAD-6C08-6C81F284F471}"/>
-              </a:ext>
-            </a:extLst>
-          </p:cNvPr>
-          <p:cNvSpPr>
-            <a:spLocks noGrp="1"/>
-          </p:cNvSpPr>
-          <p:nvPr>
-            <p:ph idx="1"/>
+              <a:t>序列数据的积累与数据库存储：核酸和蛋白质序列</a:t>
+            </a:r>
+          </a:p>
+        </p:txBody>
+      </p:sp>
+      <p:sp>
+        <p:nvSpPr>
+          <p:cNvPr id="3" name="内容占位符 2">
+            <a:extLst>
+              <a:ext uri="{FF2B5EF4-FFF2-40B4-BE49-F238E27FC236}">
+                <a16:creationId xmlns:a16="http://schemas.microsoft.com/office/drawing/2014/main" id="{15E0381B-1396-EB29-49AD-120F150B359F}"/>
+              </a:ext>
+            </a:extLst>
+          </p:cNvPr>
+          <p:cNvSpPr>
+            <a:spLocks noGrp="1"/>
+          </p:cNvSpPr>
+          <p:nvPr>
+            <p:ph sz="half" idx="1"/>
           </p:nvPr>
         </p:nvSpPr>
         <p:spPr/>
@@ -9443,160 +10360,134 @@
           <a:lstStyle/>
           <a:p>
             <a:r>
+              <a:rPr lang="zh-CN" altLang="en-US" dirty="0"/>
+              <a:t>序列数据的早期积累</a:t>
+            </a:r>
+            <a:endParaRPr lang="en-US" altLang="zh-CN" dirty="0"/>
+          </a:p>
+          <a:p>
+            <a:pPr lvl="1"/>
+            <a:r>
+              <a:rPr lang="zh-CN" altLang="en-US" dirty="0"/>
+              <a:t>初期测序：人们开始测序核酸和蛋白质，获取少量序列数据</a:t>
+            </a:r>
+            <a:endParaRPr lang="en-US" altLang="zh-CN" dirty="0"/>
+          </a:p>
+          <a:p>
+            <a:pPr lvl="1"/>
+            <a:r>
+              <a:rPr lang="zh-CN" altLang="en-US" dirty="0"/>
+              <a:t>数据保存的需求：随着序列数据增多，逐渐需要更系统化的保存方法</a:t>
+            </a:r>
+            <a:endParaRPr lang="en-US" altLang="zh-CN" dirty="0"/>
+          </a:p>
+          <a:p>
+            <a:r>
+              <a:rPr lang="zh-CN" altLang="en-US" dirty="0"/>
+              <a:t>序列数据的数据库存储</a:t>
+            </a:r>
+            <a:endParaRPr lang="en-US" altLang="zh-CN" dirty="0"/>
+          </a:p>
+          <a:p>
+            <a:pPr lvl="1"/>
+            <a:r>
+              <a:rPr lang="zh-CN" altLang="en-US" dirty="0"/>
+              <a:t>序列数据进入数据库：序列数据被提交到公共数据库（如</a:t>
+            </a:r>
+            <a:r>
               <a:rPr lang="en-US" altLang="zh-CN" dirty="0"/>
-              <a:t>NCBI</a:t>
-            </a:r>
-            <a:r>
-              <a:rPr lang="zh-CN" altLang="en-US" dirty="0"/>
-              <a:t>数据库简介</a:t>
+              <a:t>GenBank</a:t>
+            </a:r>
+            <a:r>
+              <a:rPr lang="zh-CN" altLang="en-US" dirty="0"/>
+              <a:t>）进行保存</a:t>
             </a:r>
             <a:endParaRPr lang="en-US" altLang="zh-CN" dirty="0"/>
           </a:p>
           <a:p>
             <a:pPr lvl="1"/>
             <a:r>
-              <a:rPr lang="en-US" altLang="zh-CN" dirty="0"/>
-              <a:t>NCBI</a:t>
-            </a:r>
-            <a:r>
-              <a:rPr lang="zh-CN" altLang="en-US" dirty="0"/>
-              <a:t>（</a:t>
-            </a:r>
-            <a:r>
-              <a:rPr lang="en-US" altLang="zh-CN" dirty="0"/>
-              <a:t>National Center for Biotechnology Information</a:t>
-            </a:r>
-            <a:r>
-              <a:rPr lang="zh-CN" altLang="en-US" dirty="0"/>
-              <a:t>）：提供一系列生物学数据库，包括基因（</a:t>
-            </a:r>
-            <a:r>
-              <a:rPr lang="en-US" altLang="zh-CN" dirty="0"/>
-              <a:t>Gene</a:t>
-            </a:r>
-            <a:r>
-              <a:rPr lang="zh-CN" altLang="en-US" dirty="0"/>
-              <a:t>）、核酸（</a:t>
-            </a:r>
-            <a:r>
-              <a:rPr lang="en-US" altLang="zh-CN" dirty="0"/>
-              <a:t>Nucleotide</a:t>
-            </a:r>
-            <a:r>
-              <a:rPr lang="zh-CN" altLang="en-US" dirty="0"/>
-              <a:t>）、蛋白质（</a:t>
-            </a:r>
-            <a:r>
-              <a:rPr lang="en-US" altLang="zh-CN" dirty="0"/>
-              <a:t>Protein</a:t>
-            </a:r>
-            <a:r>
-              <a:rPr lang="zh-CN" altLang="en-US" dirty="0"/>
-              <a:t>）、</a:t>
-            </a:r>
-            <a:r>
-              <a:rPr lang="en-US" altLang="zh-CN" dirty="0"/>
-              <a:t>PubMed</a:t>
-            </a:r>
-            <a:r>
-              <a:rPr lang="zh-CN" altLang="en-US" dirty="0"/>
-              <a:t>等</a:t>
-            </a:r>
-            <a:endParaRPr lang="en-US" altLang="zh-CN" dirty="0"/>
-          </a:p>
-          <a:p>
-            <a:r>
-              <a:rPr lang="en-US" altLang="zh-CN" dirty="0"/>
-              <a:t>NCBI</a:t>
-            </a:r>
-            <a:r>
-              <a:rPr lang="zh-CN" altLang="en-US" dirty="0"/>
-              <a:t>搜索功能概述</a:t>
-            </a:r>
-            <a:endParaRPr lang="en-US" altLang="zh-CN" dirty="0"/>
-          </a:p>
-          <a:p>
-            <a:pPr lvl="1"/>
-            <a:r>
-              <a:rPr lang="zh-CN" altLang="en-US" dirty="0"/>
-              <a:t>字段搜索：基于数据条目中的字段信息（如基因名称、物种、功能描述）进行检索</a:t>
-            </a:r>
-            <a:endParaRPr lang="en-US" altLang="zh-CN" dirty="0"/>
-          </a:p>
-          <a:p>
-            <a:pPr lvl="1"/>
-            <a:r>
-              <a:rPr lang="zh-CN" altLang="en-US" dirty="0"/>
-              <a:t>高级搜索选项：使用布尔逻辑（</a:t>
-            </a:r>
-            <a:r>
-              <a:rPr lang="en-US" altLang="zh-CN" dirty="0"/>
-              <a:t>AND</a:t>
-            </a:r>
-            <a:r>
-              <a:rPr lang="zh-CN" altLang="en-US" dirty="0"/>
-              <a:t>、</a:t>
-            </a:r>
-            <a:r>
-              <a:rPr lang="en-US" altLang="zh-CN" dirty="0"/>
-              <a:t>OR</a:t>
-            </a:r>
-            <a:r>
-              <a:rPr lang="zh-CN" altLang="en-US" dirty="0"/>
-              <a:t>、</a:t>
-            </a:r>
-            <a:r>
-              <a:rPr lang="en-US" altLang="zh-CN" dirty="0"/>
-              <a:t>NOT</a:t>
-            </a:r>
-            <a:r>
-              <a:rPr lang="zh-CN" altLang="en-US" dirty="0"/>
-              <a:t>）、字段限制、日期过滤等进行组合</a:t>
-            </a:r>
-            <a:endParaRPr lang="en-US" altLang="zh-CN" dirty="0"/>
-          </a:p>
-          <a:p>
-            <a:pPr lvl="1"/>
-            <a:r>
-              <a:rPr lang="en-US" altLang="zh-CN" dirty="0"/>
-              <a:t>NCBI</a:t>
-            </a:r>
-            <a:r>
-              <a:rPr lang="zh-CN" altLang="en-US" dirty="0"/>
-              <a:t>数据库间的链接与整合</a:t>
-            </a:r>
-            <a:endParaRPr lang="en-US" altLang="zh-CN" dirty="0"/>
-          </a:p>
-          <a:p>
-            <a:r>
-              <a:rPr lang="en-US" altLang="zh-CN" dirty="0"/>
-              <a:t>NCBI</a:t>
-            </a:r>
-            <a:r>
-              <a:rPr lang="zh-CN" altLang="en-US" dirty="0"/>
-              <a:t>搜索示例演示</a:t>
-            </a:r>
-            <a:endParaRPr lang="en-US" altLang="zh-CN" dirty="0"/>
-          </a:p>
-          <a:p>
-            <a:r>
-              <a:rPr lang="zh-CN" altLang="en-US" dirty="0"/>
-              <a:t>其他综合数据库介绍：</a:t>
-            </a:r>
-            <a:r>
-              <a:rPr lang="en-US" altLang="zh-CN" dirty="0" err="1"/>
-              <a:t>GeneCards</a:t>
-            </a:r>
-            <a:endParaRPr lang="zh-CN" altLang="en-US" dirty="0"/>
-          </a:p>
-        </p:txBody>
-      </p:sp>
-      <p:sp>
-        <p:nvSpPr>
-          <p:cNvPr id="7" name="灯片编号占位符 6">
-            <a:extLst>
-              <a:ext uri="{FF2B5EF4-FFF2-40B4-BE49-F238E27FC236}">
-                <a16:creationId xmlns:a16="http://schemas.microsoft.com/office/drawing/2014/main" id="{6839989C-54A5-FCF8-3E13-670B6E19AE29}"/>
+              <a:rPr lang="zh-CN" altLang="en-US" dirty="0"/>
+              <a:t>信息注释：每个序列条目都会附带详细的注释信息，例如序列名称、功能描述、来源物种等</a:t>
+            </a:r>
+          </a:p>
+        </p:txBody>
+      </p:sp>
+      <p:pic>
+        <p:nvPicPr>
+          <p:cNvPr id="7" name="内容占位符 6">
+            <a:extLst>
+              <a:ext uri="{FF2B5EF4-FFF2-40B4-BE49-F238E27FC236}">
+                <a16:creationId xmlns:a16="http://schemas.microsoft.com/office/drawing/2014/main" id="{ECE22E06-7C67-83A9-A17E-9DF143A5CC50}"/>
+              </a:ext>
+            </a:extLst>
+          </p:cNvPr>
+          <p:cNvPicPr>
+            <a:picLocks noGrp="1" noChangeAspect="1"/>
+          </p:cNvPicPr>
+          <p:nvPr>
+            <p:ph sz="half" idx="2"/>
+          </p:nvPr>
+        </p:nvPicPr>
+        <p:blipFill>
+          <a:blip r:embed="rId2"/>
+          <a:stretch>
+            <a:fillRect/>
+          </a:stretch>
+        </p:blipFill>
+        <p:spPr>
+          <a:xfrm>
+            <a:off x="6221930" y="989843"/>
+            <a:ext cx="4044668" cy="2874700"/>
+          </a:xfrm>
+          <a:ln w="9525">
+            <a:solidFill>
+              <a:schemeClr val="tx1"/>
+            </a:solidFill>
+          </a:ln>
+        </p:spPr>
+      </p:pic>
+      <p:pic>
+        <p:nvPicPr>
+          <p:cNvPr id="9" name="图片 8">
+            <a:extLst>
+              <a:ext uri="{FF2B5EF4-FFF2-40B4-BE49-F238E27FC236}">
+                <a16:creationId xmlns:a16="http://schemas.microsoft.com/office/drawing/2014/main" id="{16AD2172-7523-FF36-687F-9C8E21682B1C}"/>
+              </a:ext>
+            </a:extLst>
+          </p:cNvPr>
+          <p:cNvPicPr>
+            <a:picLocks noChangeAspect="1"/>
+          </p:cNvPicPr>
+          <p:nvPr/>
+        </p:nvPicPr>
+        <p:blipFill>
+          <a:blip r:embed="rId3"/>
+          <a:stretch>
+            <a:fillRect/>
+          </a:stretch>
+        </p:blipFill>
+        <p:spPr>
+          <a:xfrm>
+            <a:off x="8152599" y="2450039"/>
+            <a:ext cx="3201201" cy="3517396"/>
+          </a:xfrm>
+          <a:prstGeom prst="rect">
+            <a:avLst/>
+          </a:prstGeom>
+          <a:ln w="9525">
+            <a:solidFill>
+              <a:schemeClr val="tx1"/>
+            </a:solidFill>
+          </a:ln>
+        </p:spPr>
+      </p:pic>
+      <p:sp>
+        <p:nvSpPr>
+          <p:cNvPr id="10" name="灯片编号占位符 9">
+            <a:extLst>
+              <a:ext uri="{FF2B5EF4-FFF2-40B4-BE49-F238E27FC236}">
+                <a16:creationId xmlns:a16="http://schemas.microsoft.com/office/drawing/2014/main" id="{D6855F98-B378-7AA5-E28E-396DEE486611}"/>
               </a:ext>
             </a:extLst>
           </p:cNvPr>
@@ -9620,10 +10511,60 @@
           </a:p>
         </p:txBody>
       </p:sp>
+      <p:sp>
+        <p:nvSpPr>
+          <p:cNvPr id="4" name="文本框 3">
+            <a:extLst>
+              <a:ext uri="{FF2B5EF4-FFF2-40B4-BE49-F238E27FC236}">
+                <a16:creationId xmlns:a16="http://schemas.microsoft.com/office/drawing/2014/main" id="{ACF0A893-7A90-0EAA-A0CB-EADA15E93005}"/>
+              </a:ext>
+            </a:extLst>
+          </p:cNvPr>
+          <p:cNvSpPr txBox="1"/>
+          <p:nvPr/>
+        </p:nvSpPr>
+        <p:spPr>
+          <a:xfrm>
+            <a:off x="7511518" y="6048573"/>
+            <a:ext cx="2669321" cy="307777"/>
+          </a:xfrm>
+          <a:prstGeom prst="rect">
+            <a:avLst/>
+          </a:prstGeom>
+          <a:noFill/>
+        </p:spPr>
+        <p:txBody>
+          <a:bodyPr wrap="none" rtlCol="0">
+            <a:spAutoFit/>
+          </a:bodyPr>
+          <a:lstStyle/>
+          <a:p>
+            <a:pPr algn="ctr"/>
+            <a:r>
+              <a:rPr lang="zh-CN" altLang="en-US" sz="1400" dirty="0"/>
+              <a:t>（</a:t>
+            </a:r>
+            <a:r>
+              <a:rPr lang="en-US" altLang="zh-CN" sz="1400" dirty="0"/>
+              <a:t>Picture from </a:t>
+            </a:r>
+            <a:r>
+              <a:rPr lang="en-US" altLang="zh-CN" sz="1400" dirty="0">
+                <a:hlinkClick r:id="rId4"/>
+              </a:rPr>
+              <a:t>NCBI GenBank</a:t>
+            </a:r>
+            <a:r>
+              <a:rPr lang="zh-CN" altLang="en-US" sz="1400" dirty="0"/>
+              <a:t>）</a:t>
+            </a:r>
+          </a:p>
+        </p:txBody>
+      </p:sp>
     </p:spTree>
     <p:extLst>
       <p:ext uri="{BB962C8B-B14F-4D97-AF65-F5344CB8AC3E}">
-        <p14:creationId xmlns:p14="http://schemas.microsoft.com/office/powerpoint/2010/main" val="4090630487"/>
+        <p14:creationId xmlns:p14="http://schemas.microsoft.com/office/powerpoint/2010/main" val="117640019"/>
       </p:ext>
     </p:extLst>
   </p:cSld>
@@ -9655,7 +10596,7 @@
           <p:cNvPr id="2" name="标题 1">
             <a:extLst>
               <a:ext uri="{FF2B5EF4-FFF2-40B4-BE49-F238E27FC236}">
-                <a16:creationId xmlns:a16="http://schemas.microsoft.com/office/drawing/2014/main" id="{B1B33E0D-E70D-10B3-EA48-F1F085271E64}"/>
+                <a16:creationId xmlns:a16="http://schemas.microsoft.com/office/drawing/2014/main" id="{8BAFC74A-EFB3-99B8-A047-E5C116AA6609}"/>
               </a:ext>
             </a:extLst>
           </p:cNvPr>
@@ -9675,17 +10616,25 @@
           <a:p>
             <a:r>
               <a:rPr lang="zh-CN" altLang="en-US" dirty="0"/>
-              <a:t>基于序列相似性的搜索方法</a:t>
-            </a:r>
-          </a:p>
-        </p:txBody>
-      </p:sp>
-      <p:sp>
-        <p:nvSpPr>
-          <p:cNvPr id="3" name="内容占位符 2">
-            <a:extLst>
-              <a:ext uri="{FF2B5EF4-FFF2-40B4-BE49-F238E27FC236}">
-                <a16:creationId xmlns:a16="http://schemas.microsoft.com/office/drawing/2014/main" id="{76254421-CCEE-EA5D-2D11-F15C6FCAF0A9}"/>
+              <a:t>基于字段的搜索方法：</a:t>
+            </a:r>
+            <a:r>
+              <a:rPr lang="en-US" altLang="zh-CN" dirty="0"/>
+              <a:t>NCBI</a:t>
+            </a:r>
+            <a:r>
+              <a:rPr lang="zh-CN" altLang="en-US" dirty="0"/>
+              <a:t>数据库</a:t>
+            </a:r>
+          </a:p>
+        </p:txBody>
+      </p:sp>
+      <p:sp>
+        <p:nvSpPr>
+          <p:cNvPr id="5" name="内容占位符 4">
+            <a:extLst>
+              <a:ext uri="{FF2B5EF4-FFF2-40B4-BE49-F238E27FC236}">
+                <a16:creationId xmlns:a16="http://schemas.microsoft.com/office/drawing/2014/main" id="{A26196DE-2AC0-4FAD-6C08-6C81F284F471}"/>
               </a:ext>
             </a:extLst>
           </p:cNvPr>
@@ -9698,142 +10647,184 @@
         </p:nvSpPr>
         <p:spPr/>
         <p:txBody>
-          <a:bodyPr>
-            <a:normAutofit/>
-          </a:bodyPr>
+          <a:bodyPr/>
           <a:lstStyle/>
           <a:p>
             <a:r>
-              <a:rPr lang="zh-CN" altLang="en-US" dirty="0"/>
-              <a:t>研究需求：未知序列的功能研究</a:t>
+              <a:rPr lang="en-US" altLang="zh-CN" dirty="0"/>
+              <a:t>NCBI</a:t>
+            </a:r>
+            <a:r>
+              <a:rPr lang="zh-CN" altLang="en-US" dirty="0"/>
+              <a:t>数据库简介</a:t>
             </a:r>
             <a:endParaRPr lang="en-US" altLang="zh-CN" dirty="0"/>
           </a:p>
           <a:p>
             <a:pPr lvl="1"/>
             <a:r>
-              <a:rPr lang="zh-CN" altLang="en-US" dirty="0"/>
-              <a:t>问题背景：如何研究一个未知的序列（基因或蛋白质）的功能和结构？</a:t>
+              <a:rPr lang="en-US" altLang="zh-CN" dirty="0"/>
+              <a:t>NCBI</a:t>
+            </a:r>
+            <a:r>
+              <a:rPr lang="zh-CN" altLang="en-US" dirty="0"/>
+              <a:t>（</a:t>
+            </a:r>
+            <a:r>
+              <a:rPr lang="en-US" altLang="zh-CN" dirty="0"/>
+              <a:t>National Center for Biotechnology Information</a:t>
+            </a:r>
+            <a:r>
+              <a:rPr lang="zh-CN" altLang="en-US" dirty="0"/>
+              <a:t>）：提供一系列生物学数据库，包括基因（</a:t>
+            </a:r>
+            <a:r>
+              <a:rPr lang="en-US" altLang="zh-CN" dirty="0"/>
+              <a:t>Gene</a:t>
+            </a:r>
+            <a:r>
+              <a:rPr lang="zh-CN" altLang="en-US" dirty="0"/>
+              <a:t>）、核酸（</a:t>
+            </a:r>
+            <a:r>
+              <a:rPr lang="en-US" altLang="zh-CN" dirty="0"/>
+              <a:t>Nucleotide</a:t>
+            </a:r>
+            <a:r>
+              <a:rPr lang="zh-CN" altLang="en-US" dirty="0"/>
+              <a:t>）、蛋白质（</a:t>
+            </a:r>
+            <a:r>
+              <a:rPr lang="en-US" altLang="zh-CN" dirty="0"/>
+              <a:t>Protein</a:t>
+            </a:r>
+            <a:r>
+              <a:rPr lang="zh-CN" altLang="en-US" dirty="0"/>
+              <a:t>）、</a:t>
+            </a:r>
+            <a:r>
+              <a:rPr lang="en-US" altLang="zh-CN" dirty="0"/>
+              <a:t>PubMed</a:t>
+            </a:r>
+            <a:r>
+              <a:rPr lang="zh-CN" altLang="en-US" dirty="0"/>
+              <a:t>等</a:t>
             </a:r>
             <a:endParaRPr lang="en-US" altLang="zh-CN" dirty="0"/>
           </a:p>
           <a:p>
+            <a:r>
+              <a:rPr lang="en-US" altLang="zh-CN" dirty="0"/>
+              <a:t>NCBI</a:t>
+            </a:r>
+            <a:r>
+              <a:rPr lang="zh-CN" altLang="en-US" dirty="0"/>
+              <a:t>搜索功能概述</a:t>
+            </a:r>
+            <a:endParaRPr lang="en-US" altLang="zh-CN" dirty="0"/>
+          </a:p>
+          <a:p>
             <a:pPr lvl="1"/>
             <a:r>
               <a:rPr lang="zh-CN" altLang="en-US" dirty="0"/>
-              <a:t>引出方法：使用基于序列相似性的搜索方法来推断未知序列的信息</a:t>
+              <a:t>字段搜索：基于数据条目中的字段信息（如基因名称、物种、功能描述）进行检索</a:t>
             </a:r>
             <a:endParaRPr lang="en-US" altLang="zh-CN" dirty="0"/>
           </a:p>
           <a:p>
-            <a:r>
-              <a:rPr lang="zh-CN" altLang="en-US" dirty="0"/>
-              <a:t>双序列比对的简介</a:t>
+            <a:pPr lvl="1"/>
+            <a:r>
+              <a:rPr lang="zh-CN" altLang="en-US" dirty="0"/>
+              <a:t>高级搜索选项：使用布尔逻辑（</a:t>
+            </a:r>
+            <a:r>
+              <a:rPr lang="en-US" altLang="zh-CN" dirty="0"/>
+              <a:t>AND</a:t>
+            </a:r>
+            <a:r>
+              <a:rPr lang="zh-CN" altLang="en-US" dirty="0"/>
+              <a:t>、</a:t>
+            </a:r>
+            <a:r>
+              <a:rPr lang="en-US" altLang="zh-CN" dirty="0"/>
+              <a:t>OR</a:t>
+            </a:r>
+            <a:r>
+              <a:rPr lang="zh-CN" altLang="en-US" dirty="0"/>
+              <a:t>、</a:t>
+            </a:r>
+            <a:r>
+              <a:rPr lang="en-US" altLang="zh-CN" dirty="0"/>
+              <a:t>NOT</a:t>
+            </a:r>
+            <a:r>
+              <a:rPr lang="zh-CN" altLang="en-US" dirty="0"/>
+              <a:t>）、字段限制、日期过滤等进行组合</a:t>
             </a:r>
             <a:endParaRPr lang="en-US" altLang="zh-CN" dirty="0"/>
           </a:p>
           <a:p>
             <a:pPr lvl="1"/>
             <a:r>
-              <a:rPr lang="zh-CN" altLang="en-US" dirty="0"/>
-              <a:t>双序列比对（</a:t>
-            </a:r>
-            <a:r>
               <a:rPr lang="en-US" altLang="zh-CN" dirty="0"/>
-              <a:t>Pairwise Alignment</a:t>
-            </a:r>
-            <a:r>
-              <a:rPr lang="zh-CN" altLang="en-US" dirty="0"/>
-              <a:t>）：比较两个序列之间的相似性，确定它们的匹配区域、差异和保守区段</a:t>
+              <a:t>NCBI</a:t>
+            </a:r>
+            <a:r>
+              <a:rPr lang="zh-CN" altLang="en-US" dirty="0"/>
+              <a:t>数据库间的链接与整合</a:t>
             </a:r>
             <a:endParaRPr lang="en-US" altLang="zh-CN" dirty="0"/>
           </a:p>
           <a:p>
-            <a:pPr lvl="1"/>
-            <a:r>
-              <a:rPr lang="zh-CN" altLang="en-US" dirty="0"/>
-              <a:t>应用工具：简单介绍常用的工具，如</a:t>
+            <a:r>
+              <a:rPr lang="en-US" altLang="zh-CN" dirty="0">
+                <a:hlinkClick r:id="rId2"/>
+              </a:rPr>
+              <a:t>NCBI</a:t>
+            </a:r>
+            <a:r>
+              <a:rPr lang="zh-CN" altLang="en-US" dirty="0">
+                <a:hlinkClick r:id="rId2"/>
+              </a:rPr>
+              <a:t>搜索示例演示</a:t>
+            </a:r>
+            <a:endParaRPr lang="en-US" altLang="zh-CN" dirty="0"/>
+          </a:p>
+          <a:p>
+            <a:r>
+              <a:rPr lang="zh-CN" altLang="en-US" dirty="0"/>
+              <a:t>其他综合数据库：</a:t>
+            </a:r>
+            <a:r>
+              <a:rPr lang="en-US" altLang="zh-CN" dirty="0" err="1"/>
+              <a:t>GeneCards</a:t>
+            </a:r>
+            <a:r>
+              <a:rPr lang="zh-CN" altLang="en-US" dirty="0"/>
+              <a:t>、</a:t>
+            </a:r>
+            <a:r>
+              <a:rPr lang="en-US" altLang="zh-CN" dirty="0" err="1"/>
+              <a:t>UniProt</a:t>
+            </a:r>
+            <a:r>
+              <a:rPr lang="zh-CN" altLang="en-US" dirty="0"/>
+              <a:t>、</a:t>
             </a:r>
             <a:r>
               <a:rPr lang="en-US" altLang="zh-CN" dirty="0"/>
-              <a:t>Needleman-Wunsch</a:t>
-            </a:r>
-            <a:r>
-              <a:rPr lang="zh-CN" altLang="en-US" dirty="0"/>
-              <a:t>算法（全局比对）和</a:t>
-            </a:r>
-            <a:r>
-              <a:rPr lang="en-US" altLang="zh-CN" dirty="0"/>
-              <a:t>Smith-Waterman</a:t>
-            </a:r>
-            <a:r>
-              <a:rPr lang="zh-CN" altLang="en-US" dirty="0"/>
-              <a:t>算法（局部比对）</a:t>
-            </a:r>
-            <a:endParaRPr lang="en-US" altLang="zh-CN" dirty="0"/>
-          </a:p>
-          <a:p>
-            <a:r>
-              <a:rPr lang="zh-CN" altLang="en-US" dirty="0"/>
-              <a:t>扩展到多条序列的比对</a:t>
-            </a:r>
-            <a:endParaRPr lang="en-US" altLang="zh-CN" dirty="0"/>
-          </a:p>
-          <a:p>
-            <a:pPr lvl="1"/>
-            <a:r>
-              <a:rPr lang="zh-CN" altLang="en-US" dirty="0"/>
-              <a:t>多序列比对（</a:t>
-            </a:r>
-            <a:r>
-              <a:rPr lang="en-US" altLang="zh-CN" dirty="0"/>
-              <a:t>Multiple Sequence Alignment</a:t>
-            </a:r>
-            <a:r>
-              <a:rPr lang="zh-CN" altLang="en-US" dirty="0"/>
-              <a:t>）</a:t>
-            </a:r>
-            <a:endParaRPr lang="en-US" altLang="zh-CN" dirty="0"/>
-          </a:p>
-          <a:p>
-            <a:pPr lvl="1"/>
-            <a:r>
-              <a:rPr lang="zh-CN" altLang="en-US" dirty="0"/>
-              <a:t>扩展到将一个序列与数据库中的大量序列进行比对，寻找最相似的序列</a:t>
-            </a:r>
-            <a:endParaRPr lang="en-US" altLang="zh-CN" dirty="0"/>
-          </a:p>
-          <a:p>
-            <a:pPr lvl="1"/>
-            <a:r>
-              <a:rPr lang="zh-CN" altLang="en-US" dirty="0"/>
-              <a:t>常用工具：介绍</a:t>
-            </a:r>
-            <a:r>
-              <a:rPr lang="en-US" altLang="zh-CN" dirty="0"/>
-              <a:t>BLAST</a:t>
-            </a:r>
-            <a:r>
-              <a:rPr lang="zh-CN" altLang="en-US" dirty="0"/>
-              <a:t>（</a:t>
-            </a:r>
-            <a:r>
-              <a:rPr lang="en-US" altLang="zh-CN" dirty="0"/>
-              <a:t>Basic Local Alignment Search Tool</a:t>
-            </a:r>
-            <a:r>
-              <a:rPr lang="zh-CN" altLang="en-US" dirty="0"/>
-              <a:t>）和其作用</a:t>
-            </a:r>
-          </a:p>
-        </p:txBody>
-      </p:sp>
-      <p:sp>
-        <p:nvSpPr>
-          <p:cNvPr id="5" name="灯片编号占位符 4">
-            <a:extLst>
-              <a:ext uri="{FF2B5EF4-FFF2-40B4-BE49-F238E27FC236}">
-                <a16:creationId xmlns:a16="http://schemas.microsoft.com/office/drawing/2014/main" id="{BC450E9E-70B0-DA8D-5B9A-29F2589DE7AC}"/>
+              <a:t>OMIM……</a:t>
+            </a:r>
+            <a:endParaRPr lang="zh-CN" altLang="en-US" dirty="0"/>
+          </a:p>
+        </p:txBody>
+      </p:sp>
+      <p:sp>
+        <p:nvSpPr>
+          <p:cNvPr id="7" name="灯片编号占位符 6">
+            <a:extLst>
+              <a:ext uri="{FF2B5EF4-FFF2-40B4-BE49-F238E27FC236}">
+                <a16:creationId xmlns:a16="http://schemas.microsoft.com/office/drawing/2014/main" id="{6839989C-54A5-FCF8-3E13-670B6E19AE29}"/>
               </a:ext>
             </a:extLst>
           </p:cNvPr>
@@ -9860,7 +10851,7 @@
     </p:spTree>
     <p:extLst>
       <p:ext uri="{BB962C8B-B14F-4D97-AF65-F5344CB8AC3E}">
-        <p14:creationId xmlns:p14="http://schemas.microsoft.com/office/powerpoint/2010/main" val="4033937787"/>
+        <p14:creationId xmlns:p14="http://schemas.microsoft.com/office/powerpoint/2010/main" val="4090630487"/>
       </p:ext>
     </p:extLst>
   </p:cSld>
@@ -9892,7 +10883,7 @@
           <p:cNvPr id="2" name="标题 1">
             <a:extLst>
               <a:ext uri="{FF2B5EF4-FFF2-40B4-BE49-F238E27FC236}">
-                <a16:creationId xmlns:a16="http://schemas.microsoft.com/office/drawing/2014/main" id="{5FBD50DF-E8DF-9D2A-30C0-410035954692}"/>
+                <a16:creationId xmlns:a16="http://schemas.microsoft.com/office/drawing/2014/main" id="{B1B33E0D-E70D-10B3-EA48-F1F085271E64}"/>
               </a:ext>
             </a:extLst>
           </p:cNvPr>
@@ -9912,7 +10903,7 @@
           <a:p>
             <a:r>
               <a:rPr lang="zh-CN" altLang="en-US" dirty="0"/>
-              <a:t>基于序列相似性的搜索方法（续）</a:t>
+              <a:t>基于序列相似性的搜索方法</a:t>
             </a:r>
           </a:p>
         </p:txBody>
@@ -9922,7 +10913,7 @@
           <p:cNvPr id="3" name="内容占位符 2">
             <a:extLst>
               <a:ext uri="{FF2B5EF4-FFF2-40B4-BE49-F238E27FC236}">
-                <a16:creationId xmlns:a16="http://schemas.microsoft.com/office/drawing/2014/main" id="{FB1BEF5D-395B-0CFC-8C18-509575EC1E87}"/>
+                <a16:creationId xmlns:a16="http://schemas.microsoft.com/office/drawing/2014/main" id="{76254421-CCEE-EA5D-2D11-F15C6FCAF0A9}"/>
               </a:ext>
             </a:extLst>
           </p:cNvPr>
@@ -9935,12 +10926,14 @@
         </p:nvSpPr>
         <p:spPr/>
         <p:txBody>
-          <a:bodyPr/>
+          <a:bodyPr>
+            <a:normAutofit/>
+          </a:bodyPr>
           <a:lstStyle/>
           <a:p>
             <a:r>
               <a:rPr lang="zh-CN" altLang="en-US" dirty="0"/>
-              <a:t>基于序列相似性的搜索应用</a:t>
+              <a:t>研究需求：未知序列的功能研究</a:t>
             </a:r>
             <a:endParaRPr lang="en-US" altLang="zh-CN" dirty="0"/>
           </a:p>
@@ -9948,7 +10941,7 @@
             <a:pPr lvl="1"/>
             <a:r>
               <a:rPr lang="zh-CN" altLang="en-US" dirty="0"/>
-              <a:t>未知序列功能研究：通过比对相似序列，推断未知序列的功能</a:t>
+              <a:t>问题背景：如何研究一个未知的序列（基因或蛋白质）的功能和结构？</a:t>
             </a:r>
             <a:endParaRPr lang="en-US" altLang="zh-CN" dirty="0"/>
           </a:p>
@@ -9956,34 +10949,77 @@
             <a:pPr lvl="1"/>
             <a:r>
               <a:rPr lang="zh-CN" altLang="en-US" dirty="0"/>
-              <a:t>结构预测：利用相似序列的已知结构，预测未知序列的三维结构</a:t>
+              <a:t>引出方法：使用基于序列相似性的搜索方法，来推断未知序列的功能或结构信息</a:t>
             </a:r>
             <a:endParaRPr lang="en-US" altLang="zh-CN" dirty="0"/>
           </a:p>
           <a:p>
+            <a:r>
+              <a:rPr lang="zh-CN" altLang="en-US" dirty="0"/>
+              <a:t>双序列比对的简介</a:t>
+            </a:r>
+            <a:endParaRPr lang="en-US" altLang="zh-CN" dirty="0"/>
+          </a:p>
+          <a:p>
             <a:pPr lvl="1"/>
             <a:r>
               <a:rPr lang="zh-CN" altLang="en-US" dirty="0"/>
-              <a:t>微生物物种鉴定：在宏基因组学中使用序列比对鉴定样本中的微生物种类及其丰度</a:t>
+              <a:t>双序列比对（</a:t>
+            </a:r>
+            <a:r>
+              <a:rPr lang="en-US" altLang="zh-CN" dirty="0"/>
+              <a:t>Pairwise Alignment</a:t>
+            </a:r>
+            <a:r>
+              <a:rPr lang="zh-CN" altLang="en-US" dirty="0"/>
+              <a:t>）：比较两个序列之间的相似性，确定它们的匹配区域、差异和保守区段</a:t>
             </a:r>
             <a:endParaRPr lang="en-US" altLang="zh-CN" dirty="0"/>
           </a:p>
           <a:p>
-            <a:r>
-              <a:rPr lang="zh-CN" altLang="en-US" dirty="0"/>
-              <a:t>短序列与基因组的比对</a:t>
+            <a:pPr lvl="1"/>
+            <a:r>
+              <a:rPr lang="zh-CN" altLang="en-US" dirty="0"/>
+              <a:t>应用工具：简单介绍常用的工具，如</a:t>
+            </a:r>
+            <a:r>
+              <a:rPr lang="en-US" altLang="zh-CN" dirty="0"/>
+              <a:t>Needleman-Wunsch</a:t>
+            </a:r>
+            <a:r>
+              <a:rPr lang="zh-CN" altLang="en-US" dirty="0"/>
+              <a:t>算法（全局比对）和</a:t>
+            </a:r>
+            <a:r>
+              <a:rPr lang="en-US" altLang="zh-CN" dirty="0"/>
+              <a:t>Smith-Waterman</a:t>
+            </a:r>
+            <a:r>
+              <a:rPr lang="zh-CN" altLang="en-US" dirty="0"/>
+              <a:t>算法（局部比对）</a:t>
             </a:r>
             <a:endParaRPr lang="en-US" altLang="zh-CN" dirty="0"/>
           </a:p>
           <a:p>
+            <a:r>
+              <a:rPr lang="zh-CN" altLang="en-US" dirty="0"/>
+              <a:t>扩展到多条序列的比对</a:t>
+            </a:r>
+            <a:endParaRPr lang="en-US" altLang="zh-CN" dirty="0"/>
+          </a:p>
+          <a:p>
             <a:pPr lvl="1"/>
             <a:r>
+              <a:rPr lang="zh-CN" altLang="en-US" dirty="0"/>
+              <a:t>多序列比对（</a:t>
+            </a:r>
+            <a:r>
               <a:rPr lang="en-US" altLang="zh-CN" dirty="0"/>
-              <a:t>NGS</a:t>
-            </a:r>
-            <a:r>
-              <a:rPr lang="zh-CN" altLang="en-US" dirty="0"/>
-              <a:t>数据分析：通过短序列比对来定位序列在基因组中的位置</a:t>
+              <a:t>Multiple Sequence Alignment</a:t>
+            </a:r>
+            <a:r>
+              <a:rPr lang="zh-CN" altLang="en-US" dirty="0"/>
+              <a:t>）</a:t>
             </a:r>
             <a:endParaRPr lang="en-US" altLang="zh-CN" dirty="0"/>
           </a:p>
@@ -9991,31 +11027,31 @@
             <a:pPr lvl="1"/>
             <a:r>
               <a:rPr lang="zh-CN" altLang="en-US" dirty="0"/>
-              <a:t>应用场景：</a:t>
+              <a:t>扩展到将一个序列与数据库中的大量序列进行比对，寻找最相似的序列</a:t>
             </a:r>
             <a:endParaRPr lang="en-US" altLang="zh-CN" dirty="0"/>
           </a:p>
           <a:p>
-            <a:pPr lvl="2"/>
-            <a:r>
-              <a:rPr lang="zh-CN" altLang="en-US" dirty="0"/>
-              <a:t>突变检测：比较样本序列与参考基因组，识别突变位点</a:t>
-            </a:r>
-            <a:endParaRPr lang="en-US" altLang="zh-CN" dirty="0"/>
-          </a:p>
-          <a:p>
-            <a:pPr lvl="2"/>
-            <a:r>
-              <a:rPr lang="zh-CN" altLang="en-US" dirty="0"/>
-              <a:t>表达量检测：通过测序深度推断基因表达量</a:t>
-            </a:r>
-            <a:endParaRPr lang="en-US" altLang="zh-CN" dirty="0"/>
-          </a:p>
-          <a:p>
-            <a:pPr lvl="2"/>
-            <a:r>
-              <a:rPr lang="zh-CN" altLang="en-US" dirty="0"/>
-              <a:t>表观遗传信号：分析染色质状态（如开放区域和甲基化位点）</a:t>
+            <a:pPr lvl="1"/>
+            <a:r>
+              <a:rPr lang="zh-CN" altLang="en-US" dirty="0"/>
+              <a:t>常用工具：介绍</a:t>
+            </a:r>
+            <a:r>
+              <a:rPr lang="en-US" altLang="zh-CN" dirty="0"/>
+              <a:t>BLAST</a:t>
+            </a:r>
+            <a:r>
+              <a:rPr lang="zh-CN" altLang="en-US" dirty="0"/>
+              <a:t>（</a:t>
+            </a:r>
+            <a:r>
+              <a:rPr lang="en-US" altLang="zh-CN" dirty="0"/>
+              <a:t>Basic Local Alignment Search Tool</a:t>
+            </a:r>
+            <a:r>
+              <a:rPr lang="zh-CN" altLang="en-US" dirty="0"/>
+              <a:t>）和其作用</a:t>
             </a:r>
           </a:p>
         </p:txBody>
@@ -10025,7 +11061,7 @@
           <p:cNvPr id="5" name="灯片编号占位符 4">
             <a:extLst>
               <a:ext uri="{FF2B5EF4-FFF2-40B4-BE49-F238E27FC236}">
-                <a16:creationId xmlns:a16="http://schemas.microsoft.com/office/drawing/2014/main" id="{599AF177-C5F6-1466-547B-431A64DD05D7}"/>
+                <a16:creationId xmlns:a16="http://schemas.microsoft.com/office/drawing/2014/main" id="{BC450E9E-70B0-DA8D-5B9A-29F2589DE7AC}"/>
               </a:ext>
             </a:extLst>
           </p:cNvPr>
@@ -10052,7 +11088,7 @@
     </p:spTree>
     <p:extLst>
       <p:ext uri="{BB962C8B-B14F-4D97-AF65-F5344CB8AC3E}">
-        <p14:creationId xmlns:p14="http://schemas.microsoft.com/office/powerpoint/2010/main" val="1832060181"/>
+        <p14:creationId xmlns:p14="http://schemas.microsoft.com/office/powerpoint/2010/main" val="4033937787"/>
       </p:ext>
     </p:extLst>
   </p:cSld>
@@ -10084,7 +11120,7 @@
           <p:cNvPr id="2" name="标题 1">
             <a:extLst>
               <a:ext uri="{FF2B5EF4-FFF2-40B4-BE49-F238E27FC236}">
-                <a16:creationId xmlns:a16="http://schemas.microsoft.com/office/drawing/2014/main" id="{886635B8-2E32-DB51-23B7-EDCB99ED5224}"/>
+                <a16:creationId xmlns:a16="http://schemas.microsoft.com/office/drawing/2014/main" id="{5FBD50DF-E8DF-9D2A-30C0-410035954692}"/>
               </a:ext>
             </a:extLst>
           </p:cNvPr>
@@ -10104,7 +11140,7 @@
           <a:p>
             <a:r>
               <a:rPr lang="zh-CN" altLang="en-US" dirty="0"/>
-              <a:t>基于基因组坐标的搜索方法及其他扩展搜索方法</a:t>
+              <a:t>基于序列相似性的搜索方法（续）</a:t>
             </a:r>
           </a:p>
         </p:txBody>
@@ -10114,7 +11150,7 @@
           <p:cNvPr id="3" name="内容占位符 2">
             <a:extLst>
               <a:ext uri="{FF2B5EF4-FFF2-40B4-BE49-F238E27FC236}">
-                <a16:creationId xmlns:a16="http://schemas.microsoft.com/office/drawing/2014/main" id="{1DC5322E-C19C-2E0C-2022-C0343F76B6C0}"/>
+                <a16:creationId xmlns:a16="http://schemas.microsoft.com/office/drawing/2014/main" id="{FB1BEF5D-395B-0CFC-8C18-509575EC1E87}"/>
               </a:ext>
             </a:extLst>
           </p:cNvPr>
@@ -10132,7 +11168,7 @@
           <a:p>
             <a:r>
               <a:rPr lang="zh-CN" altLang="en-US" dirty="0"/>
-              <a:t>基于基因组坐标的搜索方法</a:t>
+              <a:t>基于序列相似性的搜索应用</a:t>
             </a:r>
             <a:endParaRPr lang="en-US" altLang="zh-CN" dirty="0"/>
           </a:p>
@@ -10140,7 +11176,7 @@
             <a:pPr lvl="1"/>
             <a:r>
               <a:rPr lang="zh-CN" altLang="en-US" dirty="0"/>
-              <a:t>定义：基于基因组坐标（如染色体位置）来查找特定区域内的基因、突变、序列和其他功能性数据</a:t>
+              <a:t>未知序列功能研究：通过比对相似序列，推断未知序列的功能</a:t>
             </a:r>
             <a:endParaRPr lang="en-US" altLang="zh-CN" dirty="0"/>
           </a:p>
@@ -10148,53 +11184,58 @@
             <a:pPr lvl="1"/>
             <a:r>
               <a:rPr lang="zh-CN" altLang="en-US" dirty="0"/>
-              <a:t>常用工具：</a:t>
-            </a:r>
+              <a:t>结构预测：利用相似序列的已知结构，预测未知序列的三维结构</a:t>
+            </a:r>
+            <a:endParaRPr lang="en-US" altLang="zh-CN" dirty="0"/>
+          </a:p>
+          <a:p>
+            <a:pPr lvl="1"/>
+            <a:r>
+              <a:rPr lang="zh-CN" altLang="en-US" dirty="0"/>
+              <a:t>微生物物种鉴定：在宏基因组学中使用序列比对鉴定样本中的微生物种类及其丰度</a:t>
+            </a:r>
+            <a:endParaRPr lang="en-US" altLang="zh-CN" dirty="0"/>
+          </a:p>
+          <a:p>
+            <a:r>
+              <a:rPr lang="zh-CN" altLang="en-US" dirty="0"/>
+              <a:t>短序列与基因组的比对</a:t>
+            </a:r>
+            <a:endParaRPr lang="en-US" altLang="zh-CN" dirty="0"/>
+          </a:p>
+          <a:p>
+            <a:pPr lvl="1"/>
             <a:r>
               <a:rPr lang="en-US" altLang="zh-CN" dirty="0"/>
-              <a:t>UCSC Genome Browser</a:t>
-            </a:r>
-            <a:r>
-              <a:rPr lang="zh-CN" altLang="en-US" dirty="0"/>
-              <a:t>、</a:t>
-            </a:r>
-            <a:r>
-              <a:rPr lang="en-US" altLang="zh-CN" dirty="0" err="1"/>
-              <a:t>Ensembl</a:t>
-            </a:r>
-            <a:r>
-              <a:rPr lang="zh-CN" altLang="en-US" dirty="0"/>
-              <a:t>、</a:t>
-            </a:r>
-            <a:r>
-              <a:rPr lang="en-US" altLang="zh-CN" dirty="0"/>
-              <a:t>NCBI Genome Data Viewer</a:t>
-            </a:r>
+              <a:t>NGS</a:t>
+            </a:r>
+            <a:r>
+              <a:rPr lang="zh-CN" altLang="en-US" dirty="0"/>
+              <a:t>数据分析：通过短序列比对来定位序列在基因组中的位置</a:t>
+            </a:r>
+            <a:endParaRPr lang="en-US" altLang="zh-CN" dirty="0"/>
           </a:p>
           <a:p>
             <a:pPr lvl="1"/>
             <a:r>
-              <a:rPr lang="en-US" altLang="zh-CN" dirty="0"/>
-              <a:t>UCSC Genome Browser</a:t>
-            </a:r>
-            <a:r>
-              <a:rPr lang="zh-CN" altLang="en-US" dirty="0"/>
-              <a:t>示例演示</a:t>
+              <a:rPr lang="zh-CN" altLang="en-US" dirty="0"/>
+              <a:t>应用场景：</a:t>
             </a:r>
             <a:endParaRPr lang="en-US" altLang="zh-CN" dirty="0"/>
           </a:p>
           <a:p>
-            <a:r>
-              <a:rPr lang="zh-CN" altLang="en-US" dirty="0"/>
-              <a:t>其他扩展搜索方法</a:t>
+            <a:pPr lvl="2"/>
+            <a:r>
+              <a:rPr lang="zh-CN" altLang="en-US" dirty="0"/>
+              <a:t>突变检测：比较样本序列与参考基因组，识别突变位点</a:t>
             </a:r>
             <a:endParaRPr lang="en-US" altLang="zh-CN" dirty="0"/>
           </a:p>
           <a:p>
-            <a:pPr lvl="1"/>
-            <a:r>
-              <a:rPr lang="zh-CN" altLang="en-US" dirty="0"/>
-              <a:t>基于网络的搜索</a:t>
+            <a:pPr lvl="2"/>
+            <a:r>
+              <a:rPr lang="zh-CN" altLang="en-US" dirty="0"/>
+              <a:t>表达量检测：通过测序深度推断基因表达量</a:t>
             </a:r>
             <a:endParaRPr lang="en-US" altLang="zh-CN" dirty="0"/>
           </a:p>
@@ -10202,89 +11243,8 @@
             <a:pPr lvl="2"/>
             <a:r>
               <a:rPr lang="zh-CN" altLang="en-US" dirty="0"/>
-              <a:t>蛋白质</a:t>
-            </a:r>
-            <a:r>
-              <a:rPr lang="en-US" altLang="zh-CN" dirty="0"/>
-              <a:t>-</a:t>
-            </a:r>
-            <a:r>
-              <a:rPr lang="zh-CN" altLang="en-US" dirty="0"/>
-              <a:t>蛋白质相互作用（</a:t>
-            </a:r>
-            <a:r>
-              <a:rPr lang="en-US" altLang="zh-CN" dirty="0"/>
-              <a:t>PPI</a:t>
-            </a:r>
-            <a:r>
-              <a:rPr lang="zh-CN" altLang="en-US" dirty="0"/>
-              <a:t>）网络：通过网络拓扑学分析找到关键基因或蛋白质</a:t>
-            </a:r>
-            <a:endParaRPr lang="en-US" altLang="zh-CN" dirty="0"/>
-          </a:p>
-          <a:p>
-            <a:pPr lvl="2"/>
-            <a:r>
-              <a:rPr lang="zh-CN" altLang="en-US" dirty="0"/>
-              <a:t>示例工具：</a:t>
-            </a:r>
-            <a:r>
-              <a:rPr lang="en-US" altLang="zh-CN" dirty="0"/>
-              <a:t>STRING</a:t>
-            </a:r>
-            <a:r>
-              <a:rPr lang="zh-CN" altLang="en-US" dirty="0"/>
-              <a:t>、</a:t>
-            </a:r>
-            <a:r>
-              <a:rPr lang="en-US" altLang="zh-CN" dirty="0" err="1"/>
-              <a:t>BioGRID</a:t>
-            </a:r>
-            <a:r>
-              <a:rPr lang="zh-CN" altLang="en-US" dirty="0"/>
-              <a:t>、</a:t>
-            </a:r>
-            <a:r>
-              <a:rPr lang="en-US" altLang="zh-CN" dirty="0" err="1"/>
-              <a:t>IntAct</a:t>
-            </a:r>
-            <a:endParaRPr lang="en-US" altLang="zh-CN" dirty="0"/>
-          </a:p>
-          <a:p>
-            <a:pPr lvl="1"/>
-            <a:r>
-              <a:rPr lang="zh-CN" altLang="en-US" dirty="0"/>
-              <a:t>多组学数据整合搜索</a:t>
-            </a:r>
-            <a:endParaRPr lang="en-US" altLang="zh-CN" dirty="0"/>
-          </a:p>
-          <a:p>
-            <a:pPr lvl="2"/>
-            <a:r>
-              <a:rPr lang="zh-CN" altLang="en-US" dirty="0"/>
-              <a:t>结合基因表达、蛋白质组、代谢组数据，进行多组学整合分析</a:t>
-            </a:r>
-            <a:endParaRPr lang="en-US" altLang="zh-CN" dirty="0"/>
-          </a:p>
-          <a:p>
-            <a:pPr lvl="2"/>
-            <a:r>
-              <a:rPr lang="zh-CN" altLang="en-US" dirty="0"/>
-              <a:t>示例工具：</a:t>
-            </a:r>
-            <a:r>
-              <a:rPr lang="en-US" altLang="zh-CN" dirty="0" err="1"/>
-              <a:t>OmicsNet</a:t>
-            </a:r>
-            <a:r>
-              <a:rPr lang="zh-CN" altLang="en-US" dirty="0"/>
-              <a:t>、</a:t>
-            </a:r>
-            <a:r>
-              <a:rPr lang="en-US" altLang="zh-CN" dirty="0"/>
-              <a:t>Multi-Omics Factor Analysis (MOFA)</a:t>
-            </a:r>
-            <a:endParaRPr lang="zh-CN" altLang="en-US" dirty="0"/>
+              <a:t>表观遗传信号：分析染色质状态（如开放区域和甲基化位点）</a:t>
+            </a:r>
           </a:p>
         </p:txBody>
       </p:sp>
@@ -10293,7 +11253,7 @@
           <p:cNvPr id="5" name="灯片编号占位符 4">
             <a:extLst>
               <a:ext uri="{FF2B5EF4-FFF2-40B4-BE49-F238E27FC236}">
-                <a16:creationId xmlns:a16="http://schemas.microsoft.com/office/drawing/2014/main" id="{0F914CD5-77AD-3CB8-37CF-4745AF105990}"/>
+                <a16:creationId xmlns:a16="http://schemas.microsoft.com/office/drawing/2014/main" id="{599AF177-C5F6-1466-547B-431A64DD05D7}"/>
               </a:ext>
             </a:extLst>
           </p:cNvPr>
@@ -10320,7 +11280,7 @@
     </p:spTree>
     <p:extLst>
       <p:ext uri="{BB962C8B-B14F-4D97-AF65-F5344CB8AC3E}">
-        <p14:creationId xmlns:p14="http://schemas.microsoft.com/office/powerpoint/2010/main" val="2701848747"/>
+        <p14:creationId xmlns:p14="http://schemas.microsoft.com/office/powerpoint/2010/main" val="1832060181"/>
       </p:ext>
     </p:extLst>
   </p:cSld>
@@ -10352,7 +11312,7 @@
           <p:cNvPr id="2" name="标题 1">
             <a:extLst>
               <a:ext uri="{FF2B5EF4-FFF2-40B4-BE49-F238E27FC236}">
-                <a16:creationId xmlns:a16="http://schemas.microsoft.com/office/drawing/2014/main" id="{17FDC6FD-5D8D-B666-4B94-A34D8C7AE000}"/>
+                <a16:creationId xmlns:a16="http://schemas.microsoft.com/office/drawing/2014/main" id="{886635B8-2E32-DB51-23B7-EDCB99ED5224}"/>
               </a:ext>
             </a:extLst>
           </p:cNvPr>
@@ -10372,7 +11332,7 @@
           <a:p>
             <a:r>
               <a:rPr lang="zh-CN" altLang="en-US" dirty="0"/>
-              <a:t>小结</a:t>
+              <a:t>基于基因组坐标的搜索方法及其他扩展搜索方法</a:t>
             </a:r>
           </a:p>
         </p:txBody>
@@ -10382,7 +11342,7 @@
           <p:cNvPr id="3" name="内容占位符 2">
             <a:extLst>
               <a:ext uri="{FF2B5EF4-FFF2-40B4-BE49-F238E27FC236}">
-                <a16:creationId xmlns:a16="http://schemas.microsoft.com/office/drawing/2014/main" id="{0BFA3BC7-D576-9B05-3A4C-8A990321D4CC}"/>
+                <a16:creationId xmlns:a16="http://schemas.microsoft.com/office/drawing/2014/main" id="{1DC5322E-C19C-2E0C-2022-C0343F76B6C0}"/>
               </a:ext>
             </a:extLst>
           </p:cNvPr>
@@ -10400,44 +11360,89 @@
           <a:p>
             <a:r>
               <a:rPr lang="zh-CN" altLang="en-US" dirty="0"/>
-              <a:t>生物学数据类型与规模：介绍各类生物数据的来源、存储和快速增长的挑战</a:t>
+              <a:t>基于基因组坐标的搜索方法</a:t>
             </a:r>
             <a:endParaRPr lang="en-US" altLang="zh-CN" dirty="0"/>
           </a:p>
           <a:p>
-            <a:r>
-              <a:rPr lang="zh-CN" altLang="en-US" dirty="0"/>
-              <a:t>基于字段的搜索：通过</a:t>
+            <a:pPr lvl="1"/>
+            <a:r>
+              <a:rPr lang="zh-CN" altLang="en-US" dirty="0"/>
+              <a:t>定义：基于基因组坐标（如染色体位置）来查找特定区域内的基因、突变、序列和其他功能性数据</a:t>
+            </a:r>
+            <a:endParaRPr lang="en-US" altLang="zh-CN" dirty="0"/>
+          </a:p>
+          <a:p>
+            <a:pPr lvl="1"/>
+            <a:r>
+              <a:rPr lang="zh-CN" altLang="en-US" dirty="0"/>
+              <a:t>常用工具：</a:t>
             </a:r>
             <a:r>
               <a:rPr lang="en-US" altLang="zh-CN" dirty="0"/>
-              <a:t>NCBI</a:t>
-            </a:r>
-            <a:r>
-              <a:rPr lang="zh-CN" altLang="en-US" dirty="0"/>
-              <a:t>等数据库的字段搜索方法及其高级选项</a:t>
+              <a:t>UCSC Genome Browser</a:t>
+            </a:r>
+            <a:r>
+              <a:rPr lang="zh-CN" altLang="en-US" dirty="0"/>
+              <a:t>、</a:t>
+            </a:r>
+            <a:r>
+              <a:rPr lang="en-US" altLang="zh-CN" dirty="0" err="1"/>
+              <a:t>Ensembl</a:t>
+            </a:r>
+            <a:r>
+              <a:rPr lang="zh-CN" altLang="en-US" dirty="0"/>
+              <a:t>、</a:t>
+            </a:r>
+            <a:r>
+              <a:rPr lang="en-US" altLang="zh-CN" dirty="0"/>
+              <a:t>NCBI Genome Data Viewer</a:t>
+            </a:r>
+          </a:p>
+          <a:p>
+            <a:pPr lvl="1"/>
+            <a:r>
+              <a:rPr lang="en-US" altLang="zh-CN" dirty="0">
+                <a:hlinkClick r:id="rId2"/>
+              </a:rPr>
+              <a:t>UCSC Genome Browser</a:t>
+            </a:r>
+            <a:r>
+              <a:rPr lang="zh-CN" altLang="en-US" dirty="0">
+                <a:hlinkClick r:id="rId2"/>
+              </a:rPr>
+              <a:t>示例演示</a:t>
             </a:r>
             <a:endParaRPr lang="en-US" altLang="zh-CN" dirty="0"/>
           </a:p>
           <a:p>
             <a:r>
               <a:rPr lang="zh-CN" altLang="en-US" dirty="0"/>
-              <a:t>基于序列相似性的搜索：</a:t>
+              <a:t>其他扩展搜索方法</a:t>
+            </a:r>
+            <a:endParaRPr lang="en-US" altLang="zh-CN" dirty="0"/>
+          </a:p>
+          <a:p>
+            <a:pPr lvl="1"/>
+            <a:r>
+              <a:rPr lang="zh-CN" altLang="en-US" dirty="0"/>
+              <a:t>基于网络的搜索</a:t>
+            </a:r>
+            <a:endParaRPr lang="en-US" altLang="zh-CN" dirty="0"/>
+          </a:p>
+          <a:p>
+            <a:pPr lvl="2"/>
+            <a:r>
+              <a:rPr lang="zh-CN" altLang="en-US" dirty="0"/>
+              <a:t>蛋白质</a:t>
             </a:r>
             <a:r>
               <a:rPr lang="en-US" altLang="zh-CN" dirty="0"/>
-              <a:t>BLAST</a:t>
-            </a:r>
-            <a:r>
-              <a:rPr lang="zh-CN" altLang="en-US" dirty="0"/>
-              <a:t>等工具的使用，应用于功能研究、结构预测和物种鉴定</a:t>
-            </a:r>
-            <a:endParaRPr lang="en-US" altLang="zh-CN" dirty="0"/>
-          </a:p>
-          <a:p>
-            <a:r>
-              <a:rPr lang="zh-CN" altLang="en-US" dirty="0"/>
-              <a:t>基因组坐标与其他搜索：基因组坐标搜索、</a:t>
+              <a:t>-</a:t>
+            </a:r>
+            <a:r>
+              <a:rPr lang="zh-CN" altLang="en-US" dirty="0"/>
+              <a:t>蛋白质相互作用（</a:t>
             </a:r>
             <a:r>
               <a:rPr lang="en-US" altLang="zh-CN" dirty="0"/>
@@ -10445,18 +11450,82 @@
             </a:r>
             <a:r>
               <a:rPr lang="zh-CN" altLang="en-US" dirty="0"/>
-              <a:t>网络和多组学整合的介绍</a:t>
+              <a:t>）网络：通过网络拓扑学分析找到关键基因或蛋白质</a:t>
             </a:r>
             <a:endParaRPr lang="en-US" altLang="zh-CN" dirty="0"/>
           </a:p>
-        </p:txBody>
-      </p:sp>
-      <p:sp>
-        <p:nvSpPr>
-          <p:cNvPr id="4" name="灯片编号占位符 3">
-            <a:extLst>
-              <a:ext uri="{FF2B5EF4-FFF2-40B4-BE49-F238E27FC236}">
-                <a16:creationId xmlns:a16="http://schemas.microsoft.com/office/drawing/2014/main" id="{369671A9-D991-D214-1A54-DAA4C4B0653A}"/>
+          <a:p>
+            <a:pPr lvl="2"/>
+            <a:r>
+              <a:rPr lang="zh-CN" altLang="en-US" dirty="0"/>
+              <a:t>示例工具：</a:t>
+            </a:r>
+            <a:r>
+              <a:rPr lang="en-US" altLang="zh-CN" dirty="0"/>
+              <a:t>STRING</a:t>
+            </a:r>
+            <a:r>
+              <a:rPr lang="zh-CN" altLang="en-US" dirty="0"/>
+              <a:t>、</a:t>
+            </a:r>
+            <a:r>
+              <a:rPr lang="en-US" altLang="zh-CN" dirty="0" err="1"/>
+              <a:t>BioGRID</a:t>
+            </a:r>
+            <a:r>
+              <a:rPr lang="zh-CN" altLang="en-US" dirty="0"/>
+              <a:t>、</a:t>
+            </a:r>
+            <a:r>
+              <a:rPr lang="en-US" altLang="zh-CN" dirty="0" err="1"/>
+              <a:t>IntAct</a:t>
+            </a:r>
+            <a:endParaRPr lang="en-US" altLang="zh-CN" dirty="0"/>
+          </a:p>
+          <a:p>
+            <a:pPr lvl="1"/>
+            <a:r>
+              <a:rPr lang="zh-CN" altLang="en-US" dirty="0"/>
+              <a:t>多组学数据整合搜索</a:t>
+            </a:r>
+            <a:endParaRPr lang="en-US" altLang="zh-CN" dirty="0"/>
+          </a:p>
+          <a:p>
+            <a:pPr lvl="2"/>
+            <a:r>
+              <a:rPr lang="zh-CN" altLang="en-US" dirty="0"/>
+              <a:t>结合基因表达、蛋白质组、代谢组数据，进行多组学整合分析</a:t>
+            </a:r>
+            <a:endParaRPr lang="en-US" altLang="zh-CN" dirty="0"/>
+          </a:p>
+          <a:p>
+            <a:pPr lvl="2"/>
+            <a:r>
+              <a:rPr lang="zh-CN" altLang="en-US" dirty="0"/>
+              <a:t>示例工具：</a:t>
+            </a:r>
+            <a:r>
+              <a:rPr lang="en-US" altLang="zh-CN" dirty="0" err="1"/>
+              <a:t>OmicsNet</a:t>
+            </a:r>
+            <a:r>
+              <a:rPr lang="zh-CN" altLang="en-US" dirty="0"/>
+              <a:t>、</a:t>
+            </a:r>
+            <a:r>
+              <a:rPr lang="en-US" altLang="zh-CN" dirty="0"/>
+              <a:t>Multi-Omics Factor Analysis (MOFA)</a:t>
+            </a:r>
+            <a:endParaRPr lang="zh-CN" altLang="en-US" dirty="0"/>
+          </a:p>
+        </p:txBody>
+      </p:sp>
+      <p:sp>
+        <p:nvSpPr>
+          <p:cNvPr id="5" name="灯片编号占位符 4">
+            <a:extLst>
+              <a:ext uri="{FF2B5EF4-FFF2-40B4-BE49-F238E27FC236}">
+                <a16:creationId xmlns:a16="http://schemas.microsoft.com/office/drawing/2014/main" id="{0F914CD5-77AD-3CB8-37CF-4745AF105990}"/>
               </a:ext>
             </a:extLst>
           </p:cNvPr>
@@ -10483,7 +11552,7 @@
     </p:spTree>
     <p:extLst>
       <p:ext uri="{BB962C8B-B14F-4D97-AF65-F5344CB8AC3E}">
-        <p14:creationId xmlns:p14="http://schemas.microsoft.com/office/powerpoint/2010/main" val="798778067"/>
+        <p14:creationId xmlns:p14="http://schemas.microsoft.com/office/powerpoint/2010/main" val="2701848747"/>
       </p:ext>
     </p:extLst>
   </p:cSld>
@@ -10515,7 +11584,7 @@
           <p:cNvPr id="2" name="标题 1">
             <a:extLst>
               <a:ext uri="{FF2B5EF4-FFF2-40B4-BE49-F238E27FC236}">
-                <a16:creationId xmlns:a16="http://schemas.microsoft.com/office/drawing/2014/main" id="{946CDA25-1C5B-E06B-E071-592159299876}"/>
+                <a16:creationId xmlns:a16="http://schemas.microsoft.com/office/drawing/2014/main" id="{17FDC6FD-5D8D-B666-4B94-A34D8C7AE000}"/>
               </a:ext>
             </a:extLst>
           </p:cNvPr>
@@ -10535,7 +11604,7 @@
           <a:p>
             <a:r>
               <a:rPr lang="zh-CN" altLang="en-US" dirty="0"/>
-              <a:t>信息搜索在研究中的实际应用：案例分析</a:t>
+              <a:t>小结</a:t>
             </a:r>
           </a:p>
         </p:txBody>
@@ -10545,7 +11614,7 @@
           <p:cNvPr id="3" name="内容占位符 2">
             <a:extLst>
               <a:ext uri="{FF2B5EF4-FFF2-40B4-BE49-F238E27FC236}">
-                <a16:creationId xmlns:a16="http://schemas.microsoft.com/office/drawing/2014/main" id="{57AA0FA6-4ACA-7935-E4C1-DBA521562DDD}"/>
+                <a16:creationId xmlns:a16="http://schemas.microsoft.com/office/drawing/2014/main" id="{0BFA3BC7-D576-9B05-3A4C-8A990321D4CC}"/>
               </a:ext>
             </a:extLst>
           </p:cNvPr>
@@ -10558,125 +11627,34 @@
         </p:nvSpPr>
         <p:spPr/>
         <p:txBody>
-          <a:bodyPr>
-            <a:normAutofit/>
-          </a:bodyPr>
+          <a:bodyPr/>
           <a:lstStyle/>
           <a:p>
             <a:r>
               <a:rPr lang="zh-CN" altLang="en-US" dirty="0"/>
-              <a:t>案例</a:t>
+              <a:t>生物学数据类型与规模：介绍各类生物数据的来源、存储和快速增长的挑战</a:t>
+            </a:r>
+            <a:endParaRPr lang="en-US" altLang="zh-CN" dirty="0"/>
+          </a:p>
+          <a:p>
+            <a:r>
+              <a:rPr lang="zh-CN" altLang="en-US" dirty="0"/>
+              <a:t>基于字段的搜索：通过</a:t>
             </a:r>
             <a:r>
               <a:rPr lang="en-US" altLang="zh-CN" dirty="0"/>
-              <a:t>1</a:t>
-            </a:r>
-            <a:r>
-              <a:rPr lang="zh-CN" altLang="en-US" dirty="0"/>
-              <a:t>：癌症基因突变与治疗靶点发现</a:t>
+              <a:t>NCBI</a:t>
+            </a:r>
+            <a:r>
+              <a:rPr lang="zh-CN" altLang="en-US" dirty="0"/>
+              <a:t>等数据库的字段搜索方法及其高级选项</a:t>
             </a:r>
             <a:endParaRPr lang="en-US" altLang="zh-CN" dirty="0"/>
           </a:p>
           <a:p>
-            <a:pPr lvl="1"/>
-            <a:r>
-              <a:rPr lang="zh-CN" altLang="en-US" dirty="0"/>
-              <a:t>背景：研究某种癌症中的突变基因，以识别潜在的治疗靶点</a:t>
-            </a:r>
-            <a:endParaRPr lang="en-US" altLang="zh-CN" dirty="0"/>
-          </a:p>
-          <a:p>
-            <a:pPr lvl="1"/>
-            <a:r>
-              <a:rPr lang="zh-CN" altLang="en-US" dirty="0"/>
-              <a:t>使用的搜索方法：</a:t>
-            </a:r>
-            <a:endParaRPr lang="en-US" altLang="zh-CN" dirty="0"/>
-          </a:p>
-          <a:p>
-            <a:pPr lvl="2"/>
-            <a:r>
-              <a:rPr lang="zh-CN" altLang="en-US" dirty="0"/>
-              <a:t>基因组坐标搜索：在癌症基因组数据库（如</a:t>
-            </a:r>
-            <a:r>
-              <a:rPr lang="en-US" altLang="zh-CN" dirty="0"/>
-              <a:t>COSMIC</a:t>
-            </a:r>
-            <a:r>
-              <a:rPr lang="zh-CN" altLang="en-US" dirty="0"/>
-              <a:t>）中查找特定位点的突变信息</a:t>
-            </a:r>
-            <a:endParaRPr lang="en-US" altLang="zh-CN" dirty="0"/>
-          </a:p>
-          <a:p>
-            <a:pPr lvl="2"/>
-            <a:r>
-              <a:rPr lang="zh-CN" altLang="en-US" dirty="0"/>
-              <a:t>字段搜索：使用</a:t>
-            </a:r>
-            <a:r>
-              <a:rPr lang="en-US" altLang="zh-CN" dirty="0"/>
-              <a:t>PubMed</a:t>
-            </a:r>
-            <a:r>
-              <a:rPr lang="zh-CN" altLang="en-US" dirty="0"/>
-              <a:t>和</a:t>
-            </a:r>
-            <a:r>
-              <a:rPr lang="en-US" altLang="zh-CN" dirty="0" err="1"/>
-              <a:t>GeneCards</a:t>
-            </a:r>
-            <a:r>
-              <a:rPr lang="zh-CN" altLang="en-US" dirty="0"/>
-              <a:t>查找已知的基因功能和相关研究文献</a:t>
-            </a:r>
-            <a:endParaRPr lang="en-US" altLang="zh-CN" dirty="0"/>
-          </a:p>
-          <a:p>
-            <a:pPr lvl="1"/>
-            <a:r>
-              <a:rPr lang="zh-CN" altLang="en-US" dirty="0"/>
-              <a:t>研究成果：通过搜索确定了一个关键突变基因，该基因可能是新的治疗靶点</a:t>
-            </a:r>
-            <a:endParaRPr lang="en-US" altLang="zh-CN" dirty="0"/>
-          </a:p>
-          <a:p>
-            <a:r>
-              <a:rPr lang="zh-CN" altLang="en-US" dirty="0"/>
-              <a:t>案例</a:t>
-            </a:r>
-            <a:r>
-              <a:rPr lang="en-US" altLang="zh-CN" dirty="0"/>
-              <a:t>2</a:t>
-            </a:r>
-            <a:r>
-              <a:rPr lang="zh-CN" altLang="en-US" dirty="0"/>
-              <a:t>：微生物物种鉴定与环境监测</a:t>
-            </a:r>
-            <a:endParaRPr lang="en-US" altLang="zh-CN" dirty="0"/>
-          </a:p>
-          <a:p>
-            <a:pPr lvl="1"/>
-            <a:r>
-              <a:rPr lang="zh-CN" altLang="en-US" dirty="0"/>
-              <a:t>背景：使用宏基因组数据监测环境中的微生物种群变化。</a:t>
-            </a:r>
-            <a:endParaRPr lang="en-US" altLang="zh-CN" dirty="0"/>
-          </a:p>
-          <a:p>
-            <a:pPr lvl="1"/>
-            <a:r>
-              <a:rPr lang="zh-CN" altLang="en-US" dirty="0"/>
-              <a:t>使用的搜索方法：</a:t>
-            </a:r>
-            <a:endParaRPr lang="en-US" altLang="zh-CN" dirty="0"/>
-          </a:p>
-          <a:p>
-            <a:pPr lvl="2"/>
-            <a:r>
-              <a:rPr lang="zh-CN" altLang="en-US" dirty="0"/>
-              <a:t>序列相似性搜索：使用</a:t>
+            <a:r>
+              <a:rPr lang="zh-CN" altLang="en-US" dirty="0"/>
+              <a:t>基于序列相似性的搜索：</a:t>
             </a:r>
             <a:r>
               <a:rPr lang="en-US" altLang="zh-CN" dirty="0"/>
@@ -10684,26 +11662,25 @@
             </a:r>
             <a:r>
               <a:rPr lang="zh-CN" altLang="en-US" dirty="0"/>
-              <a:t>比对宏基因组测序数据，鉴定环境中的微生物物种。</a:t>
+              <a:t>等工具的使用，应用于功能研究、结构预测和物种鉴定</a:t>
             </a:r>
             <a:endParaRPr lang="en-US" altLang="zh-CN" dirty="0"/>
           </a:p>
           <a:p>
-            <a:pPr lvl="2"/>
-            <a:r>
-              <a:rPr lang="zh-CN" altLang="en-US" dirty="0"/>
-              <a:t>多组学数据整合：将宏基因组数据与代谢组数据整合，分析微生物群落的功能动态。</a:t>
+            <a:r>
+              <a:rPr lang="zh-CN" altLang="en-US" dirty="0"/>
+              <a:t>基因组坐标与其他搜索：基因组坐标搜索、</a:t>
+            </a:r>
+            <a:r>
+              <a:rPr lang="en-US" altLang="zh-CN" dirty="0"/>
+              <a:t>PPI</a:t>
+            </a:r>
+            <a:r>
+              <a:rPr lang="zh-CN" altLang="en-US" dirty="0"/>
+              <a:t>网络和多组学整合的介绍</a:t>
             </a:r>
             <a:endParaRPr lang="en-US" altLang="zh-CN" dirty="0"/>
           </a:p>
-          <a:p>
-            <a:pPr lvl="1"/>
-            <a:r>
-              <a:rPr lang="zh-CN" altLang="en-US" dirty="0"/>
-              <a:t>研究成果：确定了环境中一种新型污染物降解菌，为环境治理提供了新的方向</a:t>
-            </a:r>
-            <a:endParaRPr lang="en-US" altLang="zh-CN" dirty="0"/>
-          </a:p>
         </p:txBody>
       </p:sp>
       <p:sp>
@@ -10711,7 +11688,7 @@
           <p:cNvPr id="4" name="灯片编号占位符 3">
             <a:extLst>
               <a:ext uri="{FF2B5EF4-FFF2-40B4-BE49-F238E27FC236}">
-                <a16:creationId xmlns:a16="http://schemas.microsoft.com/office/drawing/2014/main" id="{2BA97A60-8FCE-78BD-747C-155DE8800DE0}"/>
+                <a16:creationId xmlns:a16="http://schemas.microsoft.com/office/drawing/2014/main" id="{369671A9-D991-D214-1A54-DAA4C4B0653A}"/>
               </a:ext>
             </a:extLst>
           </p:cNvPr>
@@ -10738,7 +11715,7 @@
     </p:spTree>
     <p:extLst>
       <p:ext uri="{BB962C8B-B14F-4D97-AF65-F5344CB8AC3E}">
-        <p14:creationId xmlns:p14="http://schemas.microsoft.com/office/powerpoint/2010/main" val="2092628731"/>
+        <p14:creationId xmlns:p14="http://schemas.microsoft.com/office/powerpoint/2010/main" val="798778067"/>
       </p:ext>
     </p:extLst>
   </p:cSld>
